--- a/docs/lectures/03-Twoway1.pptx
+++ b/docs/lectures/03-Twoway1.pptx
@@ -211,6 +211,10 @@
             <p14:sldId id="269"/>
             <p14:sldId id="270"/>
             <p14:sldId id="271"/>
+          </p14:sldIdLst>
+        </p14:section>
+        <p14:section name="Odds" id="{BBA12788-DB79-4EB6-8981-3B295B482A0C}">
+          <p14:sldIdLst>
             <p14:sldId id="272"/>
             <p14:sldId id="273"/>
             <p14:sldId id="274"/>
@@ -238,6 +242,10 @@
             <p14:sldId id="325"/>
             <p14:sldId id="326"/>
             <p14:sldId id="327"/>
+          </p14:sldIdLst>
+        </p14:section>
+        <p14:section name="Plots for two-wahy tables" id="{89E283AB-29EC-472E-AC49-2F4E6141843C}">
+          <p14:sldIdLst>
             <p14:sldId id="328"/>
             <p14:sldId id="329"/>
             <p14:sldId id="330"/>
@@ -394,7 +402,7 @@
           <a:p>
             <a:fld id="{08BD4FA9-F3CE-45B3-A980-C331C6F1EF65}" type="datetimeFigureOut">
               <a:rPr lang="en-US" smtClean="0"/>
-              <a:t>12/12/2022</a:t>
+              <a:t>12/15/2022</a:t>
             </a:fld>
             <a:endParaRPr lang="en-US"/>
           </a:p>
@@ -559,7 +567,7 @@
           <a:p>
             <a:fld id="{B1271872-C532-4BFE-903F-C7072979174B}" type="datetimeFigureOut">
               <a:rPr lang="en-US" smtClean="0"/>
-              <a:t>12/12/2022</a:t>
+              <a:t>12/15/2022</a:t>
             </a:fld>
             <a:endParaRPr lang="en-US"/>
           </a:p>
@@ -1100,7 +1108,7 @@
           <a:p>
             <a:fld id="{EAAD3657-2200-4D14-82C0-10C39B0F0F06}" type="datetime1">
               <a:rPr lang="en-US" smtClean="0"/>
-              <a:t>12/12/2022</a:t>
+              <a:t>12/15/2022</a:t>
             </a:fld>
             <a:endParaRPr lang="en-US"/>
           </a:p>
@@ -1268,7 +1276,7 @@
           <a:p>
             <a:fld id="{11BBAF55-A85E-4993-914E-FC1E5AA7DF24}" type="datetime1">
               <a:rPr lang="en-US" smtClean="0"/>
-              <a:t>12/12/2022</a:t>
+              <a:t>12/15/2022</a:t>
             </a:fld>
             <a:endParaRPr lang="en-US"/>
           </a:p>
@@ -1446,7 +1454,7 @@
           <a:p>
             <a:fld id="{39816E07-E1DB-44A4-A5E5-9F4B54E8C933}" type="datetime1">
               <a:rPr lang="en-US" smtClean="0"/>
-              <a:t>12/12/2022</a:t>
+              <a:t>12/15/2022</a:t>
             </a:fld>
             <a:endParaRPr lang="en-US"/>
           </a:p>
@@ -1631,7 +1639,7 @@
           <a:p>
             <a:fld id="{C2B1AD17-B813-4477-8AFE-B1860CC59113}" type="datetime1">
               <a:rPr lang="en-US" smtClean="0"/>
-              <a:t>12/12/2022</a:t>
+              <a:t>12/15/2022</a:t>
             </a:fld>
             <a:endParaRPr lang="en-US"/>
           </a:p>
@@ -1876,7 +1884,7 @@
           <a:p>
             <a:fld id="{D0975C0D-5C9E-48CC-8D31-F42D19FA8F7A}" type="datetime1">
               <a:rPr lang="en-US" smtClean="0"/>
-              <a:t>12/12/2022</a:t>
+              <a:t>12/15/2022</a:t>
             </a:fld>
             <a:endParaRPr lang="en-US"/>
           </a:p>
@@ -2161,7 +2169,7 @@
           <a:p>
             <a:fld id="{28657551-0F2B-4F09-86FD-F7994CE83DC5}" type="datetime1">
               <a:rPr lang="en-US" smtClean="0"/>
-              <a:t>12/12/2022</a:t>
+              <a:t>12/15/2022</a:t>
             </a:fld>
             <a:endParaRPr lang="en-US"/>
           </a:p>
@@ -2580,7 +2588,7 @@
           <a:p>
             <a:fld id="{3929D2B2-4200-46B9-96C3-02A55D5FAA00}" type="datetime1">
               <a:rPr lang="en-US" smtClean="0"/>
-              <a:t>12/12/2022</a:t>
+              <a:t>12/15/2022</a:t>
             </a:fld>
             <a:endParaRPr lang="en-US"/>
           </a:p>
@@ -2697,7 +2705,7 @@
           <a:p>
             <a:fld id="{41FF7722-74E8-497F-A072-89677A2C2373}" type="datetime1">
               <a:rPr lang="en-US" smtClean="0"/>
-              <a:t>12/12/2022</a:t>
+              <a:t>12/15/2022</a:t>
             </a:fld>
             <a:endParaRPr lang="en-US"/>
           </a:p>
@@ -2792,7 +2800,7 @@
           <a:p>
             <a:fld id="{BD26212E-B46B-426F-AE59-AA326827D9E0}" type="datetime1">
               <a:rPr lang="en-US" smtClean="0"/>
-              <a:t>12/12/2022</a:t>
+              <a:t>12/15/2022</a:t>
             </a:fld>
             <a:endParaRPr lang="en-US"/>
           </a:p>
@@ -3067,7 +3075,7 @@
           <a:p>
             <a:fld id="{FB9B81E8-09EA-4684-A39F-38DE1E49D20C}" type="datetime1">
               <a:rPr lang="en-US" smtClean="0"/>
-              <a:t>12/12/2022</a:t>
+              <a:t>12/15/2022</a:t>
             </a:fld>
             <a:endParaRPr lang="en-US"/>
           </a:p>
@@ -3319,7 +3327,7 @@
           <a:p>
             <a:fld id="{35C5CC5F-056C-4047-9A5C-9F5B4BED129B}" type="datetime1">
               <a:rPr lang="en-US" smtClean="0"/>
-              <a:t>12/12/2022</a:t>
+              <a:t>12/15/2022</a:t>
             </a:fld>
             <a:endParaRPr lang="en-US"/>
           </a:p>
@@ -3533,7 +3541,7 @@
           <a:p>
             <a:fld id="{E8171053-07BD-4A17-AC24-0A22EAA36098}" type="datetime1">
               <a:rPr lang="en-US" smtClean="0"/>
-              <a:t>12/12/2022</a:t>
+              <a:t>12/15/2022</a:t>
             </a:fld>
             <a:endParaRPr lang="en-US"/>
           </a:p>
@@ -6567,13 +6575,13 @@
   <p:clrMapOvr>
     <a:masterClrMapping/>
   </p:clrMapOvr>
-  <mc:AlternateContent xmlns:mc="http://schemas.openxmlformats.org/markup-compatibility/2006">
-    <mc:Choice xmlns:p14="http://schemas.microsoft.com/office/powerpoint/2010/main" Requires="p14">
+  <mc:AlternateContent xmlns:mc="http://schemas.openxmlformats.org/markup-compatibility/2006" xmlns:p14="http://schemas.microsoft.com/office/powerpoint/2010/main">
+    <mc:Choice Requires="p14">
       <p:transition spd="slow" p14:dur="2000">
         <p14:prism isContent="1"/>
       </p:transition>
     </mc:Choice>
-    <mc:Fallback>
+    <mc:Fallback xmlns="">
       <p:transition spd="slow">
         <p:fade/>
       </p:transition>
@@ -9301,12 +9309,12 @@
           <a:graphicData uri="http://schemas.openxmlformats.org/presentationml/2006/ole">
             <mc:AlternateContent xmlns:mc="http://schemas.openxmlformats.org/markup-compatibility/2006">
               <mc:Choice xmlns:v="urn:schemas-microsoft-com:vml" Requires="v">
-                <p:oleObj spid="_x0000_s1028" name="Equation" r:id="rId3" imgW="2082600" imgH="482400" progId="Equation.DSMT4">
+                <p:oleObj name="Equation" r:id="rId2" imgW="2082600" imgH="482400" progId="Equation.DSMT4">
                   <p:embed/>
                 </p:oleObj>
               </mc:Choice>
               <mc:Fallback>
-                <p:oleObj name="Equation" r:id="rId3" imgW="2082600" imgH="482400" progId="Equation.DSMT4">
+                <p:oleObj name="Equation" r:id="rId2" imgW="2082600" imgH="482400" progId="Equation.DSMT4">
                   <p:embed/>
                   <p:pic>
                     <p:nvPicPr>
@@ -9315,7 +9323,7 @@
                       <p:nvPr/>
                     </p:nvPicPr>
                     <p:blipFill>
-                      <a:blip r:embed="rId4"/>
+                      <a:blip r:embed="rId3"/>
                       <a:stretch>
                         <a:fillRect/>
                       </a:stretch>
@@ -11190,7 +11198,7 @@
           <p:nvPr/>
         </p:nvPicPr>
         <p:blipFill>
-          <a:blip r:embed="rId3"/>
+          <a:blip r:embed="rId2"/>
           <a:stretch>
             <a:fillRect/>
           </a:stretch>
@@ -11233,12 +11241,12 @@
           <a:graphicData uri="http://schemas.openxmlformats.org/presentationml/2006/ole">
             <mc:AlternateContent xmlns:mc="http://schemas.openxmlformats.org/markup-compatibility/2006">
               <mc:Choice xmlns:v="urn:schemas-microsoft-com:vml" Requires="v">
-                <p:oleObj spid="_x0000_s2052" name="Equation" r:id="rId4" imgW="1320480" imgH="304560" progId="Equation.DSMT4">
+                <p:oleObj name="Equation" r:id="rId3" imgW="1320480" imgH="304560" progId="Equation.DSMT4">
                   <p:embed/>
                 </p:oleObj>
               </mc:Choice>
               <mc:Fallback>
-                <p:oleObj name="Equation" r:id="rId4" imgW="1320480" imgH="304560" progId="Equation.DSMT4">
+                <p:oleObj name="Equation" r:id="rId3" imgW="1320480" imgH="304560" progId="Equation.DSMT4">
                   <p:embed/>
                   <p:pic>
                     <p:nvPicPr>
@@ -11247,7 +11255,7 @@
                       <p:nvPr/>
                     </p:nvPicPr>
                     <p:blipFill>
-                      <a:blip r:embed="rId5"/>
+                      <a:blip r:embed="rId4"/>
                       <a:stretch>
                         <a:fillRect/>
                       </a:stretch>
@@ -13806,13 +13814,13 @@
   <p:clrMapOvr>
     <a:masterClrMapping/>
   </p:clrMapOvr>
-  <mc:AlternateContent xmlns:mc="http://schemas.openxmlformats.org/markup-compatibility/2006">
-    <mc:Choice xmlns:p14="http://schemas.microsoft.com/office/powerpoint/2010/main" Requires="p14">
+  <mc:AlternateContent xmlns:mc="http://schemas.openxmlformats.org/markup-compatibility/2006" xmlns:p14="http://schemas.microsoft.com/office/powerpoint/2010/main">
+    <mc:Choice Requires="p14">
       <p:transition spd="slow" p14:dur="2000">
         <p14:prism isContent="1"/>
       </p:transition>
     </mc:Choice>
-    <mc:Fallback>
+    <mc:Fallback xmlns="">
       <p:transition spd="slow">
         <p:fade/>
       </p:transition>
@@ -21352,6 +21360,18 @@
   <p:clrMapOvr>
     <a:masterClrMapping/>
   </p:clrMapOvr>
+  <mc:AlternateContent xmlns:mc="http://schemas.openxmlformats.org/markup-compatibility/2006">
+    <mc:Choice xmlns:p14="http://schemas.microsoft.com/office/powerpoint/2010/main" Requires="p14">
+      <p:transition spd="slow" p14:dur="2000">
+        <p14:prism isContent="1"/>
+      </p:transition>
+    </mc:Choice>
+    <mc:Fallback>
+      <p:transition spd="slow">
+        <p:fade/>
+      </p:transition>
+    </mc:Fallback>
+  </mc:AlternateContent>
 </p:sld>
 </file>
 
@@ -23033,6 +23053,18 @@
   <p:clrMapOvr>
     <a:masterClrMapping/>
   </p:clrMapOvr>
+  <mc:AlternateContent xmlns:mc="http://schemas.openxmlformats.org/markup-compatibility/2006">
+    <mc:Choice xmlns:p14="http://schemas.microsoft.com/office/powerpoint/2010/main" Requires="p14">
+      <p:transition spd="slow" p14:dur="2000">
+        <p14:prism isContent="1"/>
+      </p:transition>
+    </mc:Choice>
+    <mc:Fallback>
+      <p:transition spd="slow">
+        <p:fade/>
+      </p:transition>
+    </mc:Fallback>
+  </mc:AlternateContent>
 </p:sld>
 </file>
 

--- a/docs/lectures/03-Twoway1.pptx
+++ b/docs/lectures/03-Twoway1.pptx
@@ -5,10 +5,10 @@
     <p:sldMasterId id="2147483660" r:id="rId1"/>
   </p:sldMasterIdLst>
   <p:notesMasterIdLst>
-    <p:notesMasterId r:id="rId75"/>
+    <p:notesMasterId r:id="rId74"/>
   </p:notesMasterIdLst>
   <p:handoutMasterIdLst>
-    <p:handoutMasterId r:id="rId76"/>
+    <p:handoutMasterId r:id="rId75"/>
   </p:handoutMasterIdLst>
   <p:sldIdLst>
     <p:sldId id="256" r:id="rId2"/>
@@ -78,12 +78,11 @@
     <p:sldId id="352" r:id="rId66"/>
     <p:sldId id="353" r:id="rId67"/>
     <p:sldId id="354" r:id="rId68"/>
-    <p:sldId id="355" r:id="rId69"/>
-    <p:sldId id="356" r:id="rId70"/>
-    <p:sldId id="357" r:id="rId71"/>
-    <p:sldId id="358" r:id="rId72"/>
-    <p:sldId id="359" r:id="rId73"/>
-    <p:sldId id="360" r:id="rId74"/>
+    <p:sldId id="356" r:id="rId69"/>
+    <p:sldId id="357" r:id="rId70"/>
+    <p:sldId id="358" r:id="rId71"/>
+    <p:sldId id="359" r:id="rId72"/>
+    <p:sldId id="360" r:id="rId73"/>
   </p:sldIdLst>
   <p:sldSz cx="9144000" cy="6858000" type="screen4x3"/>
   <p:notesSz cx="6858000" cy="9144000"/>
@@ -220,6 +219,10 @@
             <p14:sldId id="274"/>
             <p14:sldId id="275"/>
             <p14:sldId id="276"/>
+          </p14:sldIdLst>
+        </p14:section>
+        <p14:section name="Small n" id="{0754EC29-A7BD-4D05-85A9-5038EFDEE7A3}">
+          <p14:sldIdLst>
             <p14:sldId id="277"/>
             <p14:sldId id="278"/>
             <p14:sldId id="279"/>
@@ -278,7 +281,10 @@
             <p14:sldId id="352"/>
             <p14:sldId id="353"/>
             <p14:sldId id="354"/>
-            <p14:sldId id="355"/>
+          </p14:sldIdLst>
+        </p14:section>
+        <p14:section name="Looking ahead" id="{EC73E7FA-94E3-46D7-8ADB-2F571EF86FB8}">
+          <p14:sldIdLst>
             <p14:sldId id="356"/>
             <p14:sldId id="357"/>
             <p14:sldId id="358"/>
@@ -402,7 +408,7 @@
           <a:p>
             <a:fld id="{08BD4FA9-F3CE-45B3-A980-C331C6F1EF65}" type="datetimeFigureOut">
               <a:rPr lang="en-US" smtClean="0"/>
-              <a:t>12/15/2022</a:t>
+              <a:t>12/24/2022</a:t>
             </a:fld>
             <a:endParaRPr lang="en-US"/>
           </a:p>
@@ -567,7 +573,7 @@
           <a:p>
             <a:fld id="{B1271872-C532-4BFE-903F-C7072979174B}" type="datetimeFigureOut">
               <a:rPr lang="en-US" smtClean="0"/>
-              <a:t>12/15/2022</a:t>
+              <a:t>12/24/2022</a:t>
             </a:fld>
             <a:endParaRPr lang="en-US"/>
           </a:p>
@@ -1108,7 +1114,7 @@
           <a:p>
             <a:fld id="{EAAD3657-2200-4D14-82C0-10C39B0F0F06}" type="datetime1">
               <a:rPr lang="en-US" smtClean="0"/>
-              <a:t>12/15/2022</a:t>
+              <a:t>12/24/2022</a:t>
             </a:fld>
             <a:endParaRPr lang="en-US"/>
           </a:p>
@@ -1276,7 +1282,7 @@
           <a:p>
             <a:fld id="{11BBAF55-A85E-4993-914E-FC1E5AA7DF24}" type="datetime1">
               <a:rPr lang="en-US" smtClean="0"/>
-              <a:t>12/15/2022</a:t>
+              <a:t>12/24/2022</a:t>
             </a:fld>
             <a:endParaRPr lang="en-US"/>
           </a:p>
@@ -1454,7 +1460,7 @@
           <a:p>
             <a:fld id="{39816E07-E1DB-44A4-A5E5-9F4B54E8C933}" type="datetime1">
               <a:rPr lang="en-US" smtClean="0"/>
-              <a:t>12/15/2022</a:t>
+              <a:t>12/24/2022</a:t>
             </a:fld>
             <a:endParaRPr lang="en-US"/>
           </a:p>
@@ -1639,7 +1645,7 @@
           <a:p>
             <a:fld id="{C2B1AD17-B813-4477-8AFE-B1860CC59113}" type="datetime1">
               <a:rPr lang="en-US" smtClean="0"/>
-              <a:t>12/15/2022</a:t>
+              <a:t>12/24/2022</a:t>
             </a:fld>
             <a:endParaRPr lang="en-US"/>
           </a:p>
@@ -1884,7 +1890,7 @@
           <a:p>
             <a:fld id="{D0975C0D-5C9E-48CC-8D31-F42D19FA8F7A}" type="datetime1">
               <a:rPr lang="en-US" smtClean="0"/>
-              <a:t>12/15/2022</a:t>
+              <a:t>12/24/2022</a:t>
             </a:fld>
             <a:endParaRPr lang="en-US"/>
           </a:p>
@@ -2169,7 +2175,7 @@
           <a:p>
             <a:fld id="{28657551-0F2B-4F09-86FD-F7994CE83DC5}" type="datetime1">
               <a:rPr lang="en-US" smtClean="0"/>
-              <a:t>12/15/2022</a:t>
+              <a:t>12/24/2022</a:t>
             </a:fld>
             <a:endParaRPr lang="en-US"/>
           </a:p>
@@ -2588,7 +2594,7 @@
           <a:p>
             <a:fld id="{3929D2B2-4200-46B9-96C3-02A55D5FAA00}" type="datetime1">
               <a:rPr lang="en-US" smtClean="0"/>
-              <a:t>12/15/2022</a:t>
+              <a:t>12/24/2022</a:t>
             </a:fld>
             <a:endParaRPr lang="en-US"/>
           </a:p>
@@ -2705,7 +2711,7 @@
           <a:p>
             <a:fld id="{41FF7722-74E8-497F-A072-89677A2C2373}" type="datetime1">
               <a:rPr lang="en-US" smtClean="0"/>
-              <a:t>12/15/2022</a:t>
+              <a:t>12/24/2022</a:t>
             </a:fld>
             <a:endParaRPr lang="en-US"/>
           </a:p>
@@ -2800,7 +2806,7 @@
           <a:p>
             <a:fld id="{BD26212E-B46B-426F-AE59-AA326827D9E0}" type="datetime1">
               <a:rPr lang="en-US" smtClean="0"/>
-              <a:t>12/15/2022</a:t>
+              <a:t>12/24/2022</a:t>
             </a:fld>
             <a:endParaRPr lang="en-US"/>
           </a:p>
@@ -3075,7 +3081,7 @@
           <a:p>
             <a:fld id="{FB9B81E8-09EA-4684-A39F-38DE1E49D20C}" type="datetime1">
               <a:rPr lang="en-US" smtClean="0"/>
-              <a:t>12/15/2022</a:t>
+              <a:t>12/24/2022</a:t>
             </a:fld>
             <a:endParaRPr lang="en-US"/>
           </a:p>
@@ -3327,7 +3333,7 @@
           <a:p>
             <a:fld id="{35C5CC5F-056C-4047-9A5C-9F5B4BED129B}" type="datetime1">
               <a:rPr lang="en-US" smtClean="0"/>
-              <a:t>12/15/2022</a:t>
+              <a:t>12/24/2022</a:t>
             </a:fld>
             <a:endParaRPr lang="en-US"/>
           </a:p>
@@ -3541,7 +3547,7 @@
           <a:p>
             <a:fld id="{E8171053-07BD-4A17-AC24-0A22EAA36098}" type="datetime1">
               <a:rPr lang="en-US" smtClean="0"/>
-              <a:t>12/15/2022</a:t>
+              <a:t>12/24/2022</a:t>
             </a:fld>
             <a:endParaRPr lang="en-US"/>
           </a:p>
@@ -6575,13 +6581,13 @@
   <p:clrMapOvr>
     <a:masterClrMapping/>
   </p:clrMapOvr>
-  <mc:AlternateContent xmlns:mc="http://schemas.openxmlformats.org/markup-compatibility/2006" xmlns:p14="http://schemas.microsoft.com/office/powerpoint/2010/main">
-    <mc:Choice Requires="p14">
-      <p:transition spd="slow" p14:dur="2000">
-        <p14:prism isContent="1"/>
+  <mc:AlternateContent xmlns:mc="http://schemas.openxmlformats.org/markup-compatibility/2006">
+    <mc:Choice xmlns:p14="http://schemas.microsoft.com/office/powerpoint/2010/main" Requires="p14">
+      <p:transition spd="slow" p14:dur="1300">
+        <p14:pan dir="u"/>
       </p:transition>
     </mc:Choice>
-    <mc:Fallback xmlns="">
+    <mc:Fallback>
       <p:transition spd="slow">
         <p:fade/>
       </p:transition>
@@ -9309,12 +9315,12 @@
           <a:graphicData uri="http://schemas.openxmlformats.org/presentationml/2006/ole">
             <mc:AlternateContent xmlns:mc="http://schemas.openxmlformats.org/markup-compatibility/2006">
               <mc:Choice xmlns:v="urn:schemas-microsoft-com:vml" Requires="v">
-                <p:oleObj name="Equation" r:id="rId2" imgW="2082600" imgH="482400" progId="Equation.DSMT4">
+                <p:oleObj spid="_x0000_s1030" name="Equation" r:id="rId3" imgW="2082600" imgH="482400" progId="Equation.DSMT4">
                   <p:embed/>
                 </p:oleObj>
               </mc:Choice>
               <mc:Fallback>
-                <p:oleObj name="Equation" r:id="rId2" imgW="2082600" imgH="482400" progId="Equation.DSMT4">
+                <p:oleObj name="Equation" r:id="rId3" imgW="2082600" imgH="482400" progId="Equation.DSMT4">
                   <p:embed/>
                   <p:pic>
                     <p:nvPicPr>
@@ -9323,7 +9329,7 @@
                       <p:nvPr/>
                     </p:nvPicPr>
                     <p:blipFill>
-                      <a:blip r:embed="rId3"/>
+                      <a:blip r:embed="rId4"/>
                       <a:stretch>
                         <a:fillRect/>
                       </a:stretch>
@@ -10470,6 +10476,18 @@
   <p:clrMapOvr>
     <a:masterClrMapping/>
   </p:clrMapOvr>
+  <mc:AlternateContent xmlns:mc="http://schemas.openxmlformats.org/markup-compatibility/2006">
+    <mc:Choice xmlns:p14="http://schemas.microsoft.com/office/powerpoint/2010/main" Requires="p14">
+      <p:transition spd="slow" p14:dur="2000">
+        <p14:prism isContent="1"/>
+      </p:transition>
+    </mc:Choice>
+    <mc:Fallback>
+      <p:transition spd="slow">
+        <p:fade/>
+      </p:transition>
+    </mc:Fallback>
+  </mc:AlternateContent>
 </p:sld>
 </file>
 
@@ -11198,7 +11216,7 @@
           <p:nvPr/>
         </p:nvPicPr>
         <p:blipFill>
-          <a:blip r:embed="rId2"/>
+          <a:blip r:embed="rId3"/>
           <a:stretch>
             <a:fillRect/>
           </a:stretch>
@@ -11241,12 +11259,12 @@
           <a:graphicData uri="http://schemas.openxmlformats.org/presentationml/2006/ole">
             <mc:AlternateContent xmlns:mc="http://schemas.openxmlformats.org/markup-compatibility/2006">
               <mc:Choice xmlns:v="urn:schemas-microsoft-com:vml" Requires="v">
-                <p:oleObj name="Equation" r:id="rId3" imgW="1320480" imgH="304560" progId="Equation.DSMT4">
+                <p:oleObj spid="_x0000_s2054" name="Equation" r:id="rId4" imgW="1320480" imgH="304560" progId="Equation.DSMT4">
                   <p:embed/>
                 </p:oleObj>
               </mc:Choice>
               <mc:Fallback>
-                <p:oleObj name="Equation" r:id="rId3" imgW="1320480" imgH="304560" progId="Equation.DSMT4">
+                <p:oleObj name="Equation" r:id="rId4" imgW="1320480" imgH="304560" progId="Equation.DSMT4">
                   <p:embed/>
                   <p:pic>
                     <p:nvPicPr>
@@ -11255,7 +11273,7 @@
                       <p:nvPr/>
                     </p:nvPicPr>
                     <p:blipFill>
-                      <a:blip r:embed="rId4"/>
+                      <a:blip r:embed="rId5"/>
                       <a:stretch>
                         <a:fillRect/>
                       </a:stretch>
@@ -12207,7 +12225,7 @@
         <p:spPr>
           <a:xfrm>
             <a:off x="457200" y="2286000"/>
-            <a:ext cx="8229600" cy="369332"/>
+            <a:ext cx="8229600" cy="461665"/>
           </a:xfrm>
           <a:prstGeom prst="rect">
             <a:avLst/>
@@ -12221,7 +12239,7 @@
           <a:lstStyle/>
           <a:p>
             <a:r>
-              <a:rPr lang="en-US" dirty="0"/>
+              <a:rPr lang="en-US" sz="2400" dirty="0"/>
               <a:t>Example: Cholesterol diet and heart disease</a:t>
             </a:r>
           </a:p>
@@ -12364,6 +12382,18 @@
   <p:clrMapOvr>
     <a:masterClrMapping/>
   </p:clrMapOvr>
+  <mc:AlternateContent xmlns:mc="http://schemas.openxmlformats.org/markup-compatibility/2006">
+    <mc:Choice xmlns:p14="http://schemas.microsoft.com/office/powerpoint/2010/main" Requires="p14">
+      <p:transition spd="slow" p14:dur="2000">
+        <p14:prism isContent="1"/>
+      </p:transition>
+    </mc:Choice>
+    <mc:Fallback>
+      <p:transition spd="slow">
+        <p:fade/>
+      </p:transition>
+    </mc:Fallback>
+  </mc:AlternateContent>
 </p:sld>
 </file>
 
@@ -17666,10 +17696,17 @@
                 <a:latin typeface="Courier New" panose="02070309020205020404" pitchFamily="49" charset="0"/>
                 <a:cs typeface="Courier New" panose="02070309020205020404" pitchFamily="49" charset="0"/>
               </a:rPr>
-              <a:t>&gt; (mod &lt;- MASS::</a:t>
-            </a:r>
-            <a:r>
-              <a:rPr lang="en-US" sz="1400" dirty="0" err="1">
+              <a:t>&gt; (mod &lt;- </a:t>
+            </a:r>
+            <a:r>
+              <a:rPr lang="en-US" sz="1400" b="1" dirty="0">
+                <a:latin typeface="Courier New" panose="02070309020205020404" pitchFamily="49" charset="0"/>
+                <a:cs typeface="Courier New" panose="02070309020205020404" pitchFamily="49" charset="0"/>
+              </a:rPr>
+              <a:t>MASS::</a:t>
+            </a:r>
+            <a:r>
+              <a:rPr lang="en-US" sz="1400" b="1" dirty="0" err="1">
                 <a:latin typeface="Courier New" panose="02070309020205020404" pitchFamily="49" charset="0"/>
                 <a:cs typeface="Courier New" panose="02070309020205020404" pitchFamily="49" charset="0"/>
               </a:rPr>
@@ -17774,7 +17811,7 @@
         <p:spPr>
           <a:xfrm>
             <a:off x="457200" y="3797712"/>
-            <a:ext cx="8229600" cy="369332"/>
+            <a:ext cx="8229600" cy="400110"/>
           </a:xfrm>
           <a:prstGeom prst="rect">
             <a:avLst/>
@@ -17788,11 +17825,11 @@
           <a:lstStyle/>
           <a:p>
             <a:r>
-              <a:rPr lang="en-US" dirty="0"/>
+              <a:rPr lang="en-US" sz="2000" dirty="0"/>
               <a:t>Residuals, fitted values, test statistics returned by </a:t>
             </a:r>
             <a:r>
-              <a:rPr lang="en-US" dirty="0">
+              <a:rPr lang="en-US" sz="2000" dirty="0">
                 <a:solidFill>
                   <a:srgbClr val="C00000"/>
                 </a:solidFill>
@@ -17802,7 +17839,7 @@
               <a:t>MASS::</a:t>
             </a:r>
             <a:r>
-              <a:rPr lang="en-US" dirty="0" err="1">
+              <a:rPr lang="en-US" sz="2000" dirty="0" err="1">
                 <a:solidFill>
                   <a:srgbClr val="C00000"/>
                 </a:solidFill>
@@ -17812,7 +17849,7 @@
               <a:t>loglm</a:t>
             </a:r>
             <a:r>
-              <a:rPr lang="en-US" dirty="0">
+              <a:rPr lang="en-US" sz="2000" dirty="0">
                 <a:solidFill>
                   <a:srgbClr val="C00000"/>
                 </a:solidFill>
@@ -17971,15 +18008,29 @@
                 <a:latin typeface="Courier New" panose="02070309020205020404" pitchFamily="49" charset="0"/>
                 <a:cs typeface="Courier New" panose="02070309020205020404" pitchFamily="49" charset="0"/>
               </a:rPr>
-              <a:t>  &lt;- residuals(mod,  </a:t>
-            </a:r>
-          </a:p>
-          <a:p>
+              <a:t>  &lt;- </a:t>
+            </a:r>
+            <a:r>
+              <a:rPr lang="en-US" sz="1400" b="1" dirty="0">
+                <a:latin typeface="Courier New" panose="02070309020205020404" pitchFamily="49" charset="0"/>
+                <a:cs typeface="Courier New" panose="02070309020205020404" pitchFamily="49" charset="0"/>
+              </a:rPr>
+              <a:t>residuals</a:t>
+            </a:r>
             <a:r>
               <a:rPr lang="en-US" sz="1400" dirty="0">
                 <a:latin typeface="Courier New" panose="02070309020205020404" pitchFamily="49" charset="0"/>
                 <a:cs typeface="Courier New" panose="02070309020205020404" pitchFamily="49" charset="0"/>
               </a:rPr>
+              <a:t>(mod,  </a:t>
+            </a:r>
+          </a:p>
+          <a:p>
+            <a:r>
+              <a:rPr lang="en-US" sz="1400" dirty="0">
+                <a:latin typeface="Courier New" panose="02070309020205020404" pitchFamily="49" charset="0"/>
+                <a:cs typeface="Courier New" panose="02070309020205020404" pitchFamily="49" charset="0"/>
+              </a:rPr>
               <a:t>            type="</a:t>
             </a:r>
             <a:r>
@@ -18003,7 +18054,21 @@
                 <a:latin typeface="Courier New" panose="02070309020205020404" pitchFamily="49" charset="0"/>
                 <a:cs typeface="Courier New" panose="02070309020205020404" pitchFamily="49" charset="0"/>
               </a:rPr>
-              <a:t>&gt; res.LR &lt;- residuals(mod, </a:t>
+              <a:t>&gt; res.LR &lt;- </a:t>
+            </a:r>
+            <a:r>
+              <a:rPr lang="en-US" sz="1400" b="1" dirty="0">
+                <a:latin typeface="Courier New" panose="02070309020205020404" pitchFamily="49" charset="0"/>
+                <a:cs typeface="Courier New" panose="02070309020205020404" pitchFamily="49" charset="0"/>
+              </a:rPr>
+              <a:t>residuals</a:t>
+            </a:r>
+            <a:r>
+              <a:rPr lang="en-US" sz="1400" dirty="0">
+                <a:latin typeface="Courier New" panose="02070309020205020404" pitchFamily="49" charset="0"/>
+                <a:cs typeface="Courier New" panose="02070309020205020404" pitchFamily="49" charset="0"/>
+              </a:rPr>
+              <a:t>(mod, </a:t>
             </a:r>
           </a:p>
           <a:p>
@@ -18130,7 +18195,21 @@
                 <a:latin typeface="Courier New" panose="02070309020205020404" pitchFamily="49" charset="0"/>
                 <a:cs typeface="Courier New" panose="02070309020205020404" pitchFamily="49" charset="0"/>
               </a:rPr>
-              <a:t>&gt; fitted(mod)</a:t>
+              <a:t>&gt; </a:t>
+            </a:r>
+            <a:r>
+              <a:rPr lang="en-US" sz="1400" b="1" dirty="0">
+                <a:latin typeface="Courier New" panose="02070309020205020404" pitchFamily="49" charset="0"/>
+                <a:cs typeface="Courier New" panose="02070309020205020404" pitchFamily="49" charset="0"/>
+              </a:rPr>
+              <a:t>fitted</a:t>
+            </a:r>
+            <a:r>
+              <a:rPr lang="en-US" sz="1400" dirty="0">
+                <a:latin typeface="Courier New" panose="02070309020205020404" pitchFamily="49" charset="0"/>
+                <a:cs typeface="Courier New" panose="02070309020205020404" pitchFamily="49" charset="0"/>
+              </a:rPr>
+              <a:t>(mod)</a:t>
             </a:r>
           </a:p>
           <a:p>
@@ -18372,7 +18451,7 @@
         <p:spPr>
           <a:xfrm>
             <a:off x="4876802" y="3429000"/>
-            <a:ext cx="3962400" cy="1477328"/>
+            <a:ext cx="3962400" cy="1754326"/>
           </a:xfrm>
           <a:prstGeom prst="rect">
             <a:avLst/>
@@ -18391,7 +18470,52 @@
             </a:r>
             <a:r>
               <a:rPr lang="en-US" dirty="0"/>
-              <a:t>() returns an object (mod) of class “</a:t>
+              <a:t>() returns an object (mod) of class </a:t>
+            </a:r>
+            <a:r>
+              <a:rPr lang="en-US" b="1" dirty="0">
+                <a:solidFill>
+                  <a:schemeClr val="accent6">
+                    <a:lumMod val="50000"/>
+                  </a:schemeClr>
+                </a:solidFill>
+                <a:latin typeface="Courier New" panose="02070309020205020404" pitchFamily="49" charset="0"/>
+                <a:cs typeface="Courier New" panose="02070309020205020404" pitchFamily="49" charset="0"/>
+              </a:rPr>
+              <a:t>“</a:t>
+            </a:r>
+            <a:r>
+              <a:rPr lang="en-US" b="1" dirty="0" err="1">
+                <a:solidFill>
+                  <a:schemeClr val="accent6">
+                    <a:lumMod val="50000"/>
+                  </a:schemeClr>
+                </a:solidFill>
+                <a:latin typeface="Courier New" panose="02070309020205020404" pitchFamily="49" charset="0"/>
+                <a:cs typeface="Courier New" panose="02070309020205020404" pitchFamily="49" charset="0"/>
+              </a:rPr>
+              <a:t>loglm</a:t>
+            </a:r>
+            <a:r>
+              <a:rPr lang="en-US" b="1" dirty="0">
+                <a:solidFill>
+                  <a:schemeClr val="accent6">
+                    <a:lumMod val="50000"/>
+                  </a:schemeClr>
+                </a:solidFill>
+                <a:latin typeface="Courier New" panose="02070309020205020404" pitchFamily="49" charset="0"/>
+                <a:cs typeface="Courier New" panose="02070309020205020404" pitchFamily="49" charset="0"/>
+              </a:rPr>
+              <a:t>”</a:t>
+            </a:r>
+          </a:p>
+          <a:p>
+            <a:endParaRPr lang="en-US" dirty="0"/>
+          </a:p>
+          <a:p>
+            <a:r>
+              <a:rPr lang="en-US" dirty="0"/>
+              <a:t>Method functions, *.</a:t>
             </a:r>
             <a:r>
               <a:rPr lang="en-US" dirty="0" err="1"/>
@@ -18399,21 +18523,7 @@
             </a:r>
             <a:r>
               <a:rPr lang="en-US" dirty="0"/>
-              <a:t>”</a:t>
-            </a:r>
-          </a:p>
-          <a:p>
-            <a:r>
-              <a:rPr lang="en-US" dirty="0"/>
-              <a:t>Method functions, *.</a:t>
-            </a:r>
-            <a:r>
-              <a:rPr lang="en-US" dirty="0" err="1"/>
-              <a:t>loglm</a:t>
-            </a:r>
-            <a:r>
-              <a:rPr lang="en-US" dirty="0"/>
-              <a:t>() include: residuals(), fitted(), </a:t>
+              <a:t>(), include: residuals(), fitted(), </a:t>
             </a:r>
             <a:r>
               <a:rPr lang="en-US" dirty="0" err="1"/>
@@ -18841,7 +18951,7 @@
         </p:blipFill>
         <p:spPr>
           <a:xfrm>
-            <a:off x="4800600" y="2784739"/>
+            <a:off x="4800600" y="3017520"/>
             <a:ext cx="3840480" cy="3840480"/>
           </a:xfrm>
           <a:prstGeom prst="rect">
@@ -18936,7 +19046,7 @@
         </p:blipFill>
         <p:spPr>
           <a:xfrm>
-            <a:off x="521111" y="2792387"/>
+            <a:off x="521111" y="2955596"/>
             <a:ext cx="3840480" cy="3826204"/>
           </a:xfrm>
           <a:prstGeom prst="rect">
@@ -18959,7 +19069,7 @@
         <p:spPr>
           <a:xfrm>
             <a:off x="457200" y="1143000"/>
-            <a:ext cx="8229600" cy="646331"/>
+            <a:ext cx="8229600" cy="923330"/>
           </a:xfrm>
           <a:prstGeom prst="rect">
             <a:avLst/>
@@ -18974,7 +19084,45 @@
           <a:p>
             <a:r>
               <a:rPr lang="en-US" dirty="0"/>
-              <a:t>Spine plots show the marginal proportions of one variable, and the conditional proportions of the other.  Independence: cells align</a:t>
+              <a:t>Spine plots show the </a:t>
+            </a:r>
+            <a:r>
+              <a:rPr lang="en-US" dirty="0">
+                <a:solidFill>
+                  <a:srgbClr val="0070C0"/>
+                </a:solidFill>
+              </a:rPr>
+              <a:t>marginal</a:t>
+            </a:r>
+            <a:r>
+              <a:rPr lang="en-US" dirty="0"/>
+              <a:t> proportions of one variable, and the </a:t>
+            </a:r>
+            <a:r>
+              <a:rPr lang="en-US" dirty="0">
+                <a:solidFill>
+                  <a:srgbClr val="0070C0"/>
+                </a:solidFill>
+              </a:rPr>
+              <a:t>conditional</a:t>
+            </a:r>
+            <a:r>
+              <a:rPr lang="en-US" dirty="0"/>
+              <a:t> proportions of the other.  </a:t>
+            </a:r>
+          </a:p>
+          <a:p>
+            <a:r>
+              <a:rPr lang="en-US" dirty="0">
+                <a:solidFill>
+                  <a:srgbClr val="0070C0"/>
+                </a:solidFill>
+              </a:rPr>
+              <a:t>Independence</a:t>
+            </a:r>
+            <a:r>
+              <a:rPr lang="en-US" dirty="0"/>
+              <a:t>: cells align</a:t>
             </a:r>
           </a:p>
         </p:txBody>
@@ -18993,7 +19141,7 @@
         </p:nvSpPr>
         <p:spPr>
           <a:xfrm>
-            <a:off x="457200" y="2045112"/>
+            <a:off x="457200" y="2233136"/>
             <a:ext cx="4114800" cy="738664"/>
           </a:xfrm>
           <a:prstGeom prst="rect">
@@ -19076,7 +19224,7 @@
         </p:nvSpPr>
         <p:spPr>
           <a:xfrm>
-            <a:off x="4800600" y="2045112"/>
+            <a:off x="4800600" y="2233136"/>
             <a:ext cx="3822289" cy="738664"/>
           </a:xfrm>
           <a:prstGeom prst="rect">
@@ -19318,7 +19466,19 @@
             </a:r>
             <a:r>
               <a:rPr lang="en-CA" dirty="0"/>
-              <a:t> to show the sign &amp; magnitude of residuals from independence</a:t>
+              <a:t> to show the sign &amp; magnitude of </a:t>
+            </a:r>
+            <a:r>
+              <a:rPr lang="en-CA" dirty="0">
+                <a:solidFill>
+                  <a:srgbClr val="0070C0"/>
+                </a:solidFill>
+              </a:rPr>
+              <a:t>residuals</a:t>
+            </a:r>
+            <a:r>
+              <a:rPr lang="en-CA" dirty="0"/>
+              <a:t> from independence</a:t>
             </a:r>
           </a:p>
         </p:txBody>
@@ -21243,7 +21403,7 @@
             </a:r>
             <a:r>
               <a:rPr lang="en-CA" sz="2000" dirty="0" err="1"/>
-              <a:t>Haentzel</a:t>
+              <a:t>Haentszel</a:t>
             </a:r>
             <a:r>
               <a:rPr lang="en-CA" sz="2000" dirty="0"/>
@@ -21360,13 +21520,13 @@
   <p:clrMapOvr>
     <a:masterClrMapping/>
   </p:clrMapOvr>
-  <mc:AlternateContent xmlns:mc="http://schemas.openxmlformats.org/markup-compatibility/2006">
-    <mc:Choice xmlns:p14="http://schemas.microsoft.com/office/powerpoint/2010/main" Requires="p14">
+  <mc:AlternateContent xmlns:mc="http://schemas.openxmlformats.org/markup-compatibility/2006" xmlns:p14="http://schemas.microsoft.com/office/powerpoint/2010/main">
+    <mc:Choice Requires="p14">
       <p:transition spd="slow" p14:dur="2000">
         <p14:prism isContent="1"/>
       </p:transition>
     </mc:Choice>
-    <mc:Fallback>
+    <mc:Fallback xmlns="">
       <p:transition spd="slow">
         <p:fade/>
       </p:transition>
@@ -23053,13 +23213,13 @@
   <p:clrMapOvr>
     <a:masterClrMapping/>
   </p:clrMapOvr>
-  <mc:AlternateContent xmlns:mc="http://schemas.openxmlformats.org/markup-compatibility/2006">
-    <mc:Choice xmlns:p14="http://schemas.microsoft.com/office/powerpoint/2010/main" Requires="p14">
+  <mc:AlternateContent xmlns:mc="http://schemas.openxmlformats.org/markup-compatibility/2006" xmlns:p14="http://schemas.microsoft.com/office/powerpoint/2010/main">
+    <mc:Choice Requires="p14">
       <p:transition spd="slow" p14:dur="2000">
         <p14:prism isContent="1"/>
       </p:transition>
     </mc:Choice>
-    <mc:Fallback>
+    <mc:Fallback xmlns="">
       <p:transition spd="slow">
         <p:fade/>
       </p:transition>
@@ -26221,8 +26381,248 @@
           <a:p>
             <a:r>
               <a:rPr lang="en-US" dirty="0"/>
-              <a:t>Looking ahead …</a:t>
-            </a:r>
+              <a:t>Looking ahead: Models</a:t>
+            </a:r>
+          </a:p>
+        </p:txBody>
+      </p:sp>
+      <p:sp>
+        <p:nvSpPr>
+          <p:cNvPr id="5" name="Content Placeholder 4">
+            <a:extLst>
+              <a:ext uri="{FF2B5EF4-FFF2-40B4-BE49-F238E27FC236}">
+                <a16:creationId xmlns:a16="http://schemas.microsoft.com/office/drawing/2014/main" id="{0E7D642F-1B48-48C8-8009-C46D1BBF142F}"/>
+              </a:ext>
+            </a:extLst>
+          </p:cNvPr>
+          <p:cNvSpPr>
+            <a:spLocks noGrp="1"/>
+          </p:cNvSpPr>
+          <p:nvPr>
+            <p:ph idx="1"/>
+          </p:nvPr>
+        </p:nvSpPr>
+        <p:spPr>
+          <a:xfrm>
+            <a:off x="457200" y="1066800"/>
+            <a:ext cx="8229600" cy="5105400"/>
+          </a:xfrm>
+          <a:pattFill prst="pct30">
+            <a:fgClr>
+              <a:schemeClr val="accent3">
+                <a:lumMod val="60000"/>
+                <a:lumOff val="40000"/>
+              </a:schemeClr>
+            </a:fgClr>
+            <a:bgClr>
+              <a:schemeClr val="bg1"/>
+            </a:bgClr>
+          </a:pattFill>
+        </p:spPr>
+        <p:txBody>
+          <a:bodyPr/>
+          <a:lstStyle/>
+          <a:p>
+            <a:pPr marL="0" indent="0">
+              <a:buNone/>
+            </a:pPr>
+            <a:r>
+              <a:rPr lang="en-US" dirty="0">
+                <a:highlight>
+                  <a:srgbClr val="FFFF00"/>
+                </a:highlight>
+              </a:rPr>
+              <a:t>Loglinear models [</a:t>
+            </a:r>
+            <a:r>
+              <a:rPr lang="en-US" dirty="0" err="1">
+                <a:highlight>
+                  <a:srgbClr val="FFFF00"/>
+                </a:highlight>
+              </a:rPr>
+              <a:t>loglm</a:t>
+            </a:r>
+            <a:r>
+              <a:rPr lang="en-US" dirty="0">
+                <a:highlight>
+                  <a:srgbClr val="FFFF00"/>
+                </a:highlight>
+              </a:rPr>
+              <a:t>()]</a:t>
+            </a:r>
+          </a:p>
+          <a:p>
+            <a:r>
+              <a:rPr lang="en-US" sz="2000" dirty="0"/>
+              <a:t>Generalize the Pearson </a:t>
+            </a:r>
+            <a:r>
+              <a:rPr lang="el-GR" sz="2000" dirty="0"/>
+              <a:t>χ</a:t>
+            </a:r>
+            <a:r>
+              <a:rPr lang="en-US" sz="2000" baseline="30000" dirty="0"/>
+              <a:t>2</a:t>
+            </a:r>
+            <a:r>
+              <a:rPr lang="en-US" sz="2000" dirty="0"/>
+              <a:t> and LR G</a:t>
+            </a:r>
+            <a:r>
+              <a:rPr lang="en-US" sz="2000" baseline="30000" dirty="0"/>
+              <a:t>2</a:t>
+            </a:r>
+            <a:r>
+              <a:rPr lang="en-US" sz="2000" dirty="0"/>
+              <a:t> tests of association to 3-way and larger tables.</a:t>
+            </a:r>
+          </a:p>
+          <a:p>
+            <a:r>
+              <a:rPr lang="en-US" sz="2000" dirty="0"/>
+              <a:t>Allows a range of models from </a:t>
+            </a:r>
+            <a:r>
+              <a:rPr lang="en-US" sz="2000" dirty="0">
+                <a:solidFill>
+                  <a:srgbClr val="0070C0"/>
+                </a:solidFill>
+              </a:rPr>
+              <a:t>mutual independence </a:t>
+            </a:r>
+            <a:r>
+              <a:rPr lang="en-US" sz="2000" dirty="0"/>
+              <a:t>([A] [B] [C]) to the </a:t>
+            </a:r>
+            <a:r>
+              <a:rPr lang="en-US" sz="2000" dirty="0">
+                <a:solidFill>
+                  <a:srgbClr val="0070C0"/>
+                </a:solidFill>
+              </a:rPr>
+              <a:t>saturated model </a:t>
+            </a:r>
+            <a:r>
+              <a:rPr lang="en-US" sz="2000" dirty="0"/>
+              <a:t>([ABC])</a:t>
+            </a:r>
+          </a:p>
+          <a:p>
+            <a:r>
+              <a:rPr lang="en-US" sz="2000" dirty="0"/>
+              <a:t>Intermediate models address questions of </a:t>
+            </a:r>
+            <a:r>
+              <a:rPr lang="en-US" sz="2000" dirty="0">
+                <a:solidFill>
+                  <a:srgbClr val="0070C0"/>
+                </a:solidFill>
+              </a:rPr>
+              <a:t>conditional</a:t>
+            </a:r>
+            <a:r>
+              <a:rPr lang="en-US" sz="2000" dirty="0"/>
+              <a:t> independence, controlling for some factors</a:t>
+            </a:r>
+          </a:p>
+          <a:p>
+            <a:r>
+              <a:rPr lang="en-US" sz="2000" dirty="0"/>
+              <a:t>Can test associations in 2-way, 3-way, … terms, analogously to tests of </a:t>
+            </a:r>
+            <a:r>
+              <a:rPr lang="en-US" sz="2000" dirty="0">
+                <a:solidFill>
+                  <a:srgbClr val="0070C0"/>
+                </a:solidFill>
+              </a:rPr>
+              <a:t>interactions</a:t>
+            </a:r>
+            <a:r>
+              <a:rPr lang="en-US" sz="2000" dirty="0"/>
+              <a:t> in ANOVA</a:t>
+            </a:r>
+          </a:p>
+          <a:p>
+            <a:pPr marL="0" indent="0">
+              <a:buNone/>
+            </a:pPr>
+            <a:r>
+              <a:rPr lang="en-US" dirty="0">
+                <a:highlight>
+                  <a:srgbClr val="FFFF00"/>
+                </a:highlight>
+              </a:rPr>
+              <a:t>Generalized linear models [</a:t>
+            </a:r>
+            <a:r>
+              <a:rPr lang="en-US" dirty="0" err="1">
+                <a:highlight>
+                  <a:srgbClr val="FFFF00"/>
+                </a:highlight>
+              </a:rPr>
+              <a:t>glm</a:t>
+            </a:r>
+            <a:r>
+              <a:rPr lang="en-US" dirty="0">
+                <a:highlight>
+                  <a:srgbClr val="FFFF00"/>
+                </a:highlight>
+              </a:rPr>
+              <a:t>()]</a:t>
+            </a:r>
+          </a:p>
+          <a:p>
+            <a:r>
+              <a:rPr lang="en-US" sz="2000" dirty="0"/>
+              <a:t>Similar to ordinary </a:t>
+            </a:r>
+            <a:r>
+              <a:rPr lang="en-US" sz="2000" dirty="0" err="1"/>
+              <a:t>lm</a:t>
+            </a:r>
+            <a:r>
+              <a:rPr lang="en-US" sz="2000" dirty="0"/>
+              <a:t>(), but w/ Poisson </a:t>
+            </a:r>
+            <a:r>
+              <a:rPr lang="en-US" sz="2000" dirty="0" err="1"/>
+              <a:t>dist</a:t>
+            </a:r>
+            <a:r>
+              <a:rPr lang="en-US" sz="2000" baseline="30000" dirty="0" err="1"/>
+              <a:t>n</a:t>
+            </a:r>
+            <a:r>
+              <a:rPr lang="en-US" sz="2000" dirty="0"/>
+              <a:t> of counts: family=“</a:t>
+            </a:r>
+            <a:r>
+              <a:rPr lang="en-US" sz="2000" dirty="0" err="1"/>
+              <a:t>poisson</a:t>
+            </a:r>
+            <a:r>
+              <a:rPr lang="en-US" sz="2000" dirty="0"/>
+              <a:t>”</a:t>
+            </a:r>
+          </a:p>
+          <a:p>
+            <a:r>
+              <a:rPr lang="en-US" sz="2000" dirty="0"/>
+              <a:t>Formula notation: Freq ~ A + B + C; Freq ~ (A + B + C)^2 </a:t>
+            </a:r>
+          </a:p>
+          <a:p>
+            <a:r>
+              <a:rPr lang="en-US" sz="2000" dirty="0"/>
+              <a:t>Familiar diagnostic methods &amp; plots (outliers, influence) </a:t>
+            </a:r>
+          </a:p>
+          <a:p>
+            <a:pPr marL="0" indent="0">
+              <a:buNone/>
+            </a:pPr>
+            <a:endParaRPr lang="en-US" dirty="0"/>
           </a:p>
         </p:txBody>
       </p:sp>
@@ -26251,50 +26651,813 @@
               <a:rPr lang="en-US" smtClean="0"/>
               <a:t>68</a:t>
             </a:fld>
-            <a:endParaRPr lang="en-US"/>
-          </a:p>
-        </p:txBody>
-      </p:sp>
-      <p:pic>
-        <p:nvPicPr>
-          <p:cNvPr id="4" name="Picture 3">
-            <a:extLst>
-              <a:ext uri="{FF2B5EF4-FFF2-40B4-BE49-F238E27FC236}">
-                <a16:creationId xmlns:a16="http://schemas.microsoft.com/office/drawing/2014/main" id="{56BA12C0-B956-40A3-96C5-22E4418E16A0}"/>
-              </a:ext>
-            </a:extLst>
-          </p:cNvPr>
-          <p:cNvPicPr>
-            <a:picLocks noChangeAspect="1"/>
-          </p:cNvPicPr>
-          <p:nvPr/>
-        </p:nvPicPr>
-        <p:blipFill>
-          <a:blip r:embed="rId2"/>
-          <a:stretch>
-            <a:fillRect/>
-          </a:stretch>
-        </p:blipFill>
-        <p:spPr>
-          <a:xfrm>
-            <a:off x="457200" y="1371600"/>
-            <a:ext cx="8171428" cy="2742857"/>
-          </a:xfrm>
-          <a:prstGeom prst="rect">
-            <a:avLst/>
-          </a:prstGeom>
-        </p:spPr>
-      </p:pic>
+            <a:endParaRPr lang="en-US" dirty="0"/>
+          </a:p>
+        </p:txBody>
+      </p:sp>
     </p:spTree>
     <p:extLst>
       <p:ext uri="{BB962C8B-B14F-4D97-AF65-F5344CB8AC3E}">
-        <p14:creationId xmlns:p14="http://schemas.microsoft.com/office/powerpoint/2010/main" val="701993870"/>
+        <p14:creationId xmlns:p14="http://schemas.microsoft.com/office/powerpoint/2010/main" val="1216021584"/>
       </p:ext>
     </p:extLst>
   </p:cSld>
   <p:clrMapOvr>
     <a:masterClrMapping/>
   </p:clrMapOvr>
+  <mc:AlternateContent xmlns:mc="http://schemas.openxmlformats.org/markup-compatibility/2006">
+    <mc:Choice xmlns:p14="http://schemas.microsoft.com/office/powerpoint/2010/main" Requires="p14">
+      <p:transition spd="slow" p14:dur="2000">
+        <p14:prism isContent="1"/>
+      </p:transition>
+    </mc:Choice>
+    <mc:Fallback>
+      <p:transition spd="slow">
+        <p:fade/>
+      </p:transition>
+    </mc:Fallback>
+  </mc:AlternateContent>
+  <p:timing>
+    <p:tnLst>
+      <p:par>
+        <p:cTn id="1" dur="indefinite" restart="never" nodeType="tmRoot">
+          <p:childTnLst>
+            <p:seq concurrent="1" nextAc="seek">
+              <p:cTn id="2" dur="indefinite" nodeType="mainSeq">
+                <p:childTnLst>
+                  <p:par>
+                    <p:cTn id="3" fill="hold">
+                      <p:stCondLst>
+                        <p:cond delay="indefinite"/>
+                      </p:stCondLst>
+                      <p:childTnLst>
+                        <p:par>
+                          <p:cTn id="4" fill="hold">
+                            <p:stCondLst>
+                              <p:cond delay="0"/>
+                            </p:stCondLst>
+                            <p:childTnLst>
+                              <p:par>
+                                <p:cTn id="5" presetID="42" presetClass="entr" presetSubtype="0" fill="hold" nodeType="clickEffect">
+                                  <p:stCondLst>
+                                    <p:cond delay="0"/>
+                                  </p:stCondLst>
+                                  <p:childTnLst>
+                                    <p:set>
+                                      <p:cBhvr>
+                                        <p:cTn id="6" dur="1" fill="hold">
+                                          <p:stCondLst>
+                                            <p:cond delay="0"/>
+                                          </p:stCondLst>
+                                        </p:cTn>
+                                        <p:tgtEl>
+                                          <p:spTgt spid="5">
+                                            <p:txEl>
+                                              <p:pRg st="2" end="2"/>
+                                            </p:txEl>
+                                          </p:spTgt>
+                                        </p:tgtEl>
+                                        <p:attrNameLst>
+                                          <p:attrName>style.visibility</p:attrName>
+                                        </p:attrNameLst>
+                                      </p:cBhvr>
+                                      <p:to>
+                                        <p:strVal val="visible"/>
+                                      </p:to>
+                                    </p:set>
+                                    <p:animEffect transition="in" filter="fade">
+                                      <p:cBhvr>
+                                        <p:cTn id="7" dur="1000"/>
+                                        <p:tgtEl>
+                                          <p:spTgt spid="5">
+                                            <p:txEl>
+                                              <p:pRg st="2" end="2"/>
+                                            </p:txEl>
+                                          </p:spTgt>
+                                        </p:tgtEl>
+                                      </p:cBhvr>
+                                    </p:animEffect>
+                                    <p:anim calcmode="lin" valueType="num">
+                                      <p:cBhvr>
+                                        <p:cTn id="8" dur="1000" fill="hold"/>
+                                        <p:tgtEl>
+                                          <p:spTgt spid="5">
+                                            <p:txEl>
+                                              <p:pRg st="2" end="2"/>
+                                            </p:txEl>
+                                          </p:spTgt>
+                                        </p:tgtEl>
+                                        <p:attrNameLst>
+                                          <p:attrName>ppt_x</p:attrName>
+                                        </p:attrNameLst>
+                                      </p:cBhvr>
+                                      <p:tavLst>
+                                        <p:tav tm="0">
+                                          <p:val>
+                                            <p:strVal val="#ppt_x"/>
+                                          </p:val>
+                                        </p:tav>
+                                        <p:tav tm="100000">
+                                          <p:val>
+                                            <p:strVal val="#ppt_x"/>
+                                          </p:val>
+                                        </p:tav>
+                                      </p:tavLst>
+                                    </p:anim>
+                                    <p:anim calcmode="lin" valueType="num">
+                                      <p:cBhvr>
+                                        <p:cTn id="9" dur="1000" fill="hold"/>
+                                        <p:tgtEl>
+                                          <p:spTgt spid="5">
+                                            <p:txEl>
+                                              <p:pRg st="2" end="2"/>
+                                            </p:txEl>
+                                          </p:spTgt>
+                                        </p:tgtEl>
+                                        <p:attrNameLst>
+                                          <p:attrName>ppt_y</p:attrName>
+                                        </p:attrNameLst>
+                                      </p:cBhvr>
+                                      <p:tavLst>
+                                        <p:tav tm="0">
+                                          <p:val>
+                                            <p:strVal val="#ppt_y+.1"/>
+                                          </p:val>
+                                        </p:tav>
+                                        <p:tav tm="100000">
+                                          <p:val>
+                                            <p:strVal val="#ppt_y"/>
+                                          </p:val>
+                                        </p:tav>
+                                      </p:tavLst>
+                                    </p:anim>
+                                  </p:childTnLst>
+                                </p:cTn>
+                              </p:par>
+                            </p:childTnLst>
+                          </p:cTn>
+                        </p:par>
+                      </p:childTnLst>
+                    </p:cTn>
+                  </p:par>
+                  <p:par>
+                    <p:cTn id="10" fill="hold">
+                      <p:stCondLst>
+                        <p:cond delay="indefinite"/>
+                      </p:stCondLst>
+                      <p:childTnLst>
+                        <p:par>
+                          <p:cTn id="11" fill="hold">
+                            <p:stCondLst>
+                              <p:cond delay="0"/>
+                            </p:stCondLst>
+                            <p:childTnLst>
+                              <p:par>
+                                <p:cTn id="12" presetID="42" presetClass="entr" presetSubtype="0" fill="hold" nodeType="clickEffect">
+                                  <p:stCondLst>
+                                    <p:cond delay="0"/>
+                                  </p:stCondLst>
+                                  <p:childTnLst>
+                                    <p:set>
+                                      <p:cBhvr>
+                                        <p:cTn id="13" dur="1" fill="hold">
+                                          <p:stCondLst>
+                                            <p:cond delay="0"/>
+                                          </p:stCondLst>
+                                        </p:cTn>
+                                        <p:tgtEl>
+                                          <p:spTgt spid="5">
+                                            <p:txEl>
+                                              <p:pRg st="3" end="3"/>
+                                            </p:txEl>
+                                          </p:spTgt>
+                                        </p:tgtEl>
+                                        <p:attrNameLst>
+                                          <p:attrName>style.visibility</p:attrName>
+                                        </p:attrNameLst>
+                                      </p:cBhvr>
+                                      <p:to>
+                                        <p:strVal val="visible"/>
+                                      </p:to>
+                                    </p:set>
+                                    <p:animEffect transition="in" filter="fade">
+                                      <p:cBhvr>
+                                        <p:cTn id="14" dur="1000"/>
+                                        <p:tgtEl>
+                                          <p:spTgt spid="5">
+                                            <p:txEl>
+                                              <p:pRg st="3" end="3"/>
+                                            </p:txEl>
+                                          </p:spTgt>
+                                        </p:tgtEl>
+                                      </p:cBhvr>
+                                    </p:animEffect>
+                                    <p:anim calcmode="lin" valueType="num">
+                                      <p:cBhvr>
+                                        <p:cTn id="15" dur="1000" fill="hold"/>
+                                        <p:tgtEl>
+                                          <p:spTgt spid="5">
+                                            <p:txEl>
+                                              <p:pRg st="3" end="3"/>
+                                            </p:txEl>
+                                          </p:spTgt>
+                                        </p:tgtEl>
+                                        <p:attrNameLst>
+                                          <p:attrName>ppt_x</p:attrName>
+                                        </p:attrNameLst>
+                                      </p:cBhvr>
+                                      <p:tavLst>
+                                        <p:tav tm="0">
+                                          <p:val>
+                                            <p:strVal val="#ppt_x"/>
+                                          </p:val>
+                                        </p:tav>
+                                        <p:tav tm="100000">
+                                          <p:val>
+                                            <p:strVal val="#ppt_x"/>
+                                          </p:val>
+                                        </p:tav>
+                                      </p:tavLst>
+                                    </p:anim>
+                                    <p:anim calcmode="lin" valueType="num">
+                                      <p:cBhvr>
+                                        <p:cTn id="16" dur="1000" fill="hold"/>
+                                        <p:tgtEl>
+                                          <p:spTgt spid="5">
+                                            <p:txEl>
+                                              <p:pRg st="3" end="3"/>
+                                            </p:txEl>
+                                          </p:spTgt>
+                                        </p:tgtEl>
+                                        <p:attrNameLst>
+                                          <p:attrName>ppt_y</p:attrName>
+                                        </p:attrNameLst>
+                                      </p:cBhvr>
+                                      <p:tavLst>
+                                        <p:tav tm="0">
+                                          <p:val>
+                                            <p:strVal val="#ppt_y+.1"/>
+                                          </p:val>
+                                        </p:tav>
+                                        <p:tav tm="100000">
+                                          <p:val>
+                                            <p:strVal val="#ppt_y"/>
+                                          </p:val>
+                                        </p:tav>
+                                      </p:tavLst>
+                                    </p:anim>
+                                  </p:childTnLst>
+                                </p:cTn>
+                              </p:par>
+                            </p:childTnLst>
+                          </p:cTn>
+                        </p:par>
+                      </p:childTnLst>
+                    </p:cTn>
+                  </p:par>
+                  <p:par>
+                    <p:cTn id="17" fill="hold">
+                      <p:stCondLst>
+                        <p:cond delay="indefinite"/>
+                      </p:stCondLst>
+                      <p:childTnLst>
+                        <p:par>
+                          <p:cTn id="18" fill="hold">
+                            <p:stCondLst>
+                              <p:cond delay="0"/>
+                            </p:stCondLst>
+                            <p:childTnLst>
+                              <p:par>
+                                <p:cTn id="19" presetID="42" presetClass="entr" presetSubtype="0" fill="hold" nodeType="clickEffect">
+                                  <p:stCondLst>
+                                    <p:cond delay="0"/>
+                                  </p:stCondLst>
+                                  <p:childTnLst>
+                                    <p:set>
+                                      <p:cBhvr>
+                                        <p:cTn id="20" dur="1" fill="hold">
+                                          <p:stCondLst>
+                                            <p:cond delay="0"/>
+                                          </p:stCondLst>
+                                        </p:cTn>
+                                        <p:tgtEl>
+                                          <p:spTgt spid="5">
+                                            <p:txEl>
+                                              <p:pRg st="4" end="4"/>
+                                            </p:txEl>
+                                          </p:spTgt>
+                                        </p:tgtEl>
+                                        <p:attrNameLst>
+                                          <p:attrName>style.visibility</p:attrName>
+                                        </p:attrNameLst>
+                                      </p:cBhvr>
+                                      <p:to>
+                                        <p:strVal val="visible"/>
+                                      </p:to>
+                                    </p:set>
+                                    <p:animEffect transition="in" filter="fade">
+                                      <p:cBhvr>
+                                        <p:cTn id="21" dur="1000"/>
+                                        <p:tgtEl>
+                                          <p:spTgt spid="5">
+                                            <p:txEl>
+                                              <p:pRg st="4" end="4"/>
+                                            </p:txEl>
+                                          </p:spTgt>
+                                        </p:tgtEl>
+                                      </p:cBhvr>
+                                    </p:animEffect>
+                                    <p:anim calcmode="lin" valueType="num">
+                                      <p:cBhvr>
+                                        <p:cTn id="22" dur="1000" fill="hold"/>
+                                        <p:tgtEl>
+                                          <p:spTgt spid="5">
+                                            <p:txEl>
+                                              <p:pRg st="4" end="4"/>
+                                            </p:txEl>
+                                          </p:spTgt>
+                                        </p:tgtEl>
+                                        <p:attrNameLst>
+                                          <p:attrName>ppt_x</p:attrName>
+                                        </p:attrNameLst>
+                                      </p:cBhvr>
+                                      <p:tavLst>
+                                        <p:tav tm="0">
+                                          <p:val>
+                                            <p:strVal val="#ppt_x"/>
+                                          </p:val>
+                                        </p:tav>
+                                        <p:tav tm="100000">
+                                          <p:val>
+                                            <p:strVal val="#ppt_x"/>
+                                          </p:val>
+                                        </p:tav>
+                                      </p:tavLst>
+                                    </p:anim>
+                                    <p:anim calcmode="lin" valueType="num">
+                                      <p:cBhvr>
+                                        <p:cTn id="23" dur="1000" fill="hold"/>
+                                        <p:tgtEl>
+                                          <p:spTgt spid="5">
+                                            <p:txEl>
+                                              <p:pRg st="4" end="4"/>
+                                            </p:txEl>
+                                          </p:spTgt>
+                                        </p:tgtEl>
+                                        <p:attrNameLst>
+                                          <p:attrName>ppt_y</p:attrName>
+                                        </p:attrNameLst>
+                                      </p:cBhvr>
+                                      <p:tavLst>
+                                        <p:tav tm="0">
+                                          <p:val>
+                                            <p:strVal val="#ppt_y+.1"/>
+                                          </p:val>
+                                        </p:tav>
+                                        <p:tav tm="100000">
+                                          <p:val>
+                                            <p:strVal val="#ppt_y"/>
+                                          </p:val>
+                                        </p:tav>
+                                      </p:tavLst>
+                                    </p:anim>
+                                  </p:childTnLst>
+                                </p:cTn>
+                              </p:par>
+                            </p:childTnLst>
+                          </p:cTn>
+                        </p:par>
+                      </p:childTnLst>
+                    </p:cTn>
+                  </p:par>
+                  <p:par>
+                    <p:cTn id="24" fill="hold">
+                      <p:stCondLst>
+                        <p:cond delay="indefinite"/>
+                      </p:stCondLst>
+                      <p:childTnLst>
+                        <p:par>
+                          <p:cTn id="25" fill="hold">
+                            <p:stCondLst>
+                              <p:cond delay="0"/>
+                            </p:stCondLst>
+                            <p:childTnLst>
+                              <p:par>
+                                <p:cTn id="26" presetID="42" presetClass="entr" presetSubtype="0" fill="hold" nodeType="clickEffect">
+                                  <p:stCondLst>
+                                    <p:cond delay="0"/>
+                                  </p:stCondLst>
+                                  <p:childTnLst>
+                                    <p:set>
+                                      <p:cBhvr>
+                                        <p:cTn id="27" dur="1" fill="hold">
+                                          <p:stCondLst>
+                                            <p:cond delay="0"/>
+                                          </p:stCondLst>
+                                        </p:cTn>
+                                        <p:tgtEl>
+                                          <p:spTgt spid="5">
+                                            <p:txEl>
+                                              <p:pRg st="5" end="5"/>
+                                            </p:txEl>
+                                          </p:spTgt>
+                                        </p:tgtEl>
+                                        <p:attrNameLst>
+                                          <p:attrName>style.visibility</p:attrName>
+                                        </p:attrNameLst>
+                                      </p:cBhvr>
+                                      <p:to>
+                                        <p:strVal val="visible"/>
+                                      </p:to>
+                                    </p:set>
+                                    <p:animEffect transition="in" filter="fade">
+                                      <p:cBhvr>
+                                        <p:cTn id="28" dur="1000"/>
+                                        <p:tgtEl>
+                                          <p:spTgt spid="5">
+                                            <p:txEl>
+                                              <p:pRg st="5" end="5"/>
+                                            </p:txEl>
+                                          </p:spTgt>
+                                        </p:tgtEl>
+                                      </p:cBhvr>
+                                    </p:animEffect>
+                                    <p:anim calcmode="lin" valueType="num">
+                                      <p:cBhvr>
+                                        <p:cTn id="29" dur="1000" fill="hold"/>
+                                        <p:tgtEl>
+                                          <p:spTgt spid="5">
+                                            <p:txEl>
+                                              <p:pRg st="5" end="5"/>
+                                            </p:txEl>
+                                          </p:spTgt>
+                                        </p:tgtEl>
+                                        <p:attrNameLst>
+                                          <p:attrName>ppt_x</p:attrName>
+                                        </p:attrNameLst>
+                                      </p:cBhvr>
+                                      <p:tavLst>
+                                        <p:tav tm="0">
+                                          <p:val>
+                                            <p:strVal val="#ppt_x"/>
+                                          </p:val>
+                                        </p:tav>
+                                        <p:tav tm="100000">
+                                          <p:val>
+                                            <p:strVal val="#ppt_x"/>
+                                          </p:val>
+                                        </p:tav>
+                                      </p:tavLst>
+                                    </p:anim>
+                                    <p:anim calcmode="lin" valueType="num">
+                                      <p:cBhvr>
+                                        <p:cTn id="30" dur="1000" fill="hold"/>
+                                        <p:tgtEl>
+                                          <p:spTgt spid="5">
+                                            <p:txEl>
+                                              <p:pRg st="5" end="5"/>
+                                            </p:txEl>
+                                          </p:spTgt>
+                                        </p:tgtEl>
+                                        <p:attrNameLst>
+                                          <p:attrName>ppt_y</p:attrName>
+                                        </p:attrNameLst>
+                                      </p:cBhvr>
+                                      <p:tavLst>
+                                        <p:tav tm="0">
+                                          <p:val>
+                                            <p:strVal val="#ppt_y+.1"/>
+                                          </p:val>
+                                        </p:tav>
+                                        <p:tav tm="100000">
+                                          <p:val>
+                                            <p:strVal val="#ppt_y"/>
+                                          </p:val>
+                                        </p:tav>
+                                      </p:tavLst>
+                                    </p:anim>
+                                  </p:childTnLst>
+                                </p:cTn>
+                              </p:par>
+                              <p:par>
+                                <p:cTn id="31" presetID="42" presetClass="entr" presetSubtype="0" fill="hold" nodeType="withEffect">
+                                  <p:stCondLst>
+                                    <p:cond delay="0"/>
+                                  </p:stCondLst>
+                                  <p:childTnLst>
+                                    <p:set>
+                                      <p:cBhvr>
+                                        <p:cTn id="32" dur="1" fill="hold">
+                                          <p:stCondLst>
+                                            <p:cond delay="0"/>
+                                          </p:stCondLst>
+                                        </p:cTn>
+                                        <p:tgtEl>
+                                          <p:spTgt spid="5">
+                                            <p:txEl>
+                                              <p:pRg st="6" end="6"/>
+                                            </p:txEl>
+                                          </p:spTgt>
+                                        </p:tgtEl>
+                                        <p:attrNameLst>
+                                          <p:attrName>style.visibility</p:attrName>
+                                        </p:attrNameLst>
+                                      </p:cBhvr>
+                                      <p:to>
+                                        <p:strVal val="visible"/>
+                                      </p:to>
+                                    </p:set>
+                                    <p:animEffect transition="in" filter="fade">
+                                      <p:cBhvr>
+                                        <p:cTn id="33" dur="1000"/>
+                                        <p:tgtEl>
+                                          <p:spTgt spid="5">
+                                            <p:txEl>
+                                              <p:pRg st="6" end="6"/>
+                                            </p:txEl>
+                                          </p:spTgt>
+                                        </p:tgtEl>
+                                      </p:cBhvr>
+                                    </p:animEffect>
+                                    <p:anim calcmode="lin" valueType="num">
+                                      <p:cBhvr>
+                                        <p:cTn id="34" dur="1000" fill="hold"/>
+                                        <p:tgtEl>
+                                          <p:spTgt spid="5">
+                                            <p:txEl>
+                                              <p:pRg st="6" end="6"/>
+                                            </p:txEl>
+                                          </p:spTgt>
+                                        </p:tgtEl>
+                                        <p:attrNameLst>
+                                          <p:attrName>ppt_x</p:attrName>
+                                        </p:attrNameLst>
+                                      </p:cBhvr>
+                                      <p:tavLst>
+                                        <p:tav tm="0">
+                                          <p:val>
+                                            <p:strVal val="#ppt_x"/>
+                                          </p:val>
+                                        </p:tav>
+                                        <p:tav tm="100000">
+                                          <p:val>
+                                            <p:strVal val="#ppt_x"/>
+                                          </p:val>
+                                        </p:tav>
+                                      </p:tavLst>
+                                    </p:anim>
+                                    <p:anim calcmode="lin" valueType="num">
+                                      <p:cBhvr>
+                                        <p:cTn id="35" dur="1000" fill="hold"/>
+                                        <p:tgtEl>
+                                          <p:spTgt spid="5">
+                                            <p:txEl>
+                                              <p:pRg st="6" end="6"/>
+                                            </p:txEl>
+                                          </p:spTgt>
+                                        </p:tgtEl>
+                                        <p:attrNameLst>
+                                          <p:attrName>ppt_y</p:attrName>
+                                        </p:attrNameLst>
+                                      </p:cBhvr>
+                                      <p:tavLst>
+                                        <p:tav tm="0">
+                                          <p:val>
+                                            <p:strVal val="#ppt_y+.1"/>
+                                          </p:val>
+                                        </p:tav>
+                                        <p:tav tm="100000">
+                                          <p:val>
+                                            <p:strVal val="#ppt_y"/>
+                                          </p:val>
+                                        </p:tav>
+                                      </p:tavLst>
+                                    </p:anim>
+                                  </p:childTnLst>
+                                </p:cTn>
+                              </p:par>
+                              <p:par>
+                                <p:cTn id="36" presetID="42" presetClass="entr" presetSubtype="0" fill="hold" nodeType="withEffect">
+                                  <p:stCondLst>
+                                    <p:cond delay="0"/>
+                                  </p:stCondLst>
+                                  <p:childTnLst>
+                                    <p:set>
+                                      <p:cBhvr>
+                                        <p:cTn id="37" dur="1" fill="hold">
+                                          <p:stCondLst>
+                                            <p:cond delay="0"/>
+                                          </p:stCondLst>
+                                        </p:cTn>
+                                        <p:tgtEl>
+                                          <p:spTgt spid="5">
+                                            <p:txEl>
+                                              <p:pRg st="7" end="7"/>
+                                            </p:txEl>
+                                          </p:spTgt>
+                                        </p:tgtEl>
+                                        <p:attrNameLst>
+                                          <p:attrName>style.visibility</p:attrName>
+                                        </p:attrNameLst>
+                                      </p:cBhvr>
+                                      <p:to>
+                                        <p:strVal val="visible"/>
+                                      </p:to>
+                                    </p:set>
+                                    <p:animEffect transition="in" filter="fade">
+                                      <p:cBhvr>
+                                        <p:cTn id="38" dur="1000"/>
+                                        <p:tgtEl>
+                                          <p:spTgt spid="5">
+                                            <p:txEl>
+                                              <p:pRg st="7" end="7"/>
+                                            </p:txEl>
+                                          </p:spTgt>
+                                        </p:tgtEl>
+                                      </p:cBhvr>
+                                    </p:animEffect>
+                                    <p:anim calcmode="lin" valueType="num">
+                                      <p:cBhvr>
+                                        <p:cTn id="39" dur="1000" fill="hold"/>
+                                        <p:tgtEl>
+                                          <p:spTgt spid="5">
+                                            <p:txEl>
+                                              <p:pRg st="7" end="7"/>
+                                            </p:txEl>
+                                          </p:spTgt>
+                                        </p:tgtEl>
+                                        <p:attrNameLst>
+                                          <p:attrName>ppt_x</p:attrName>
+                                        </p:attrNameLst>
+                                      </p:cBhvr>
+                                      <p:tavLst>
+                                        <p:tav tm="0">
+                                          <p:val>
+                                            <p:strVal val="#ppt_x"/>
+                                          </p:val>
+                                        </p:tav>
+                                        <p:tav tm="100000">
+                                          <p:val>
+                                            <p:strVal val="#ppt_x"/>
+                                          </p:val>
+                                        </p:tav>
+                                      </p:tavLst>
+                                    </p:anim>
+                                    <p:anim calcmode="lin" valueType="num">
+                                      <p:cBhvr>
+                                        <p:cTn id="40" dur="1000" fill="hold"/>
+                                        <p:tgtEl>
+                                          <p:spTgt spid="5">
+                                            <p:txEl>
+                                              <p:pRg st="7" end="7"/>
+                                            </p:txEl>
+                                          </p:spTgt>
+                                        </p:tgtEl>
+                                        <p:attrNameLst>
+                                          <p:attrName>ppt_y</p:attrName>
+                                        </p:attrNameLst>
+                                      </p:cBhvr>
+                                      <p:tavLst>
+                                        <p:tav tm="0">
+                                          <p:val>
+                                            <p:strVal val="#ppt_y+.1"/>
+                                          </p:val>
+                                        </p:tav>
+                                        <p:tav tm="100000">
+                                          <p:val>
+                                            <p:strVal val="#ppt_y"/>
+                                          </p:val>
+                                        </p:tav>
+                                      </p:tavLst>
+                                    </p:anim>
+                                  </p:childTnLst>
+                                </p:cTn>
+                              </p:par>
+                              <p:par>
+                                <p:cTn id="41" presetID="42" presetClass="entr" presetSubtype="0" fill="hold" nodeType="withEffect">
+                                  <p:stCondLst>
+                                    <p:cond delay="0"/>
+                                  </p:stCondLst>
+                                  <p:childTnLst>
+                                    <p:set>
+                                      <p:cBhvr>
+                                        <p:cTn id="42" dur="1" fill="hold">
+                                          <p:stCondLst>
+                                            <p:cond delay="0"/>
+                                          </p:stCondLst>
+                                        </p:cTn>
+                                        <p:tgtEl>
+                                          <p:spTgt spid="5">
+                                            <p:txEl>
+                                              <p:pRg st="8" end="8"/>
+                                            </p:txEl>
+                                          </p:spTgt>
+                                        </p:tgtEl>
+                                        <p:attrNameLst>
+                                          <p:attrName>style.visibility</p:attrName>
+                                        </p:attrNameLst>
+                                      </p:cBhvr>
+                                      <p:to>
+                                        <p:strVal val="visible"/>
+                                      </p:to>
+                                    </p:set>
+                                    <p:animEffect transition="in" filter="fade">
+                                      <p:cBhvr>
+                                        <p:cTn id="43" dur="1000"/>
+                                        <p:tgtEl>
+                                          <p:spTgt spid="5">
+                                            <p:txEl>
+                                              <p:pRg st="8" end="8"/>
+                                            </p:txEl>
+                                          </p:spTgt>
+                                        </p:tgtEl>
+                                      </p:cBhvr>
+                                    </p:animEffect>
+                                    <p:anim calcmode="lin" valueType="num">
+                                      <p:cBhvr>
+                                        <p:cTn id="44" dur="1000" fill="hold"/>
+                                        <p:tgtEl>
+                                          <p:spTgt spid="5">
+                                            <p:txEl>
+                                              <p:pRg st="8" end="8"/>
+                                            </p:txEl>
+                                          </p:spTgt>
+                                        </p:tgtEl>
+                                        <p:attrNameLst>
+                                          <p:attrName>ppt_x</p:attrName>
+                                        </p:attrNameLst>
+                                      </p:cBhvr>
+                                      <p:tavLst>
+                                        <p:tav tm="0">
+                                          <p:val>
+                                            <p:strVal val="#ppt_x"/>
+                                          </p:val>
+                                        </p:tav>
+                                        <p:tav tm="100000">
+                                          <p:val>
+                                            <p:strVal val="#ppt_x"/>
+                                          </p:val>
+                                        </p:tav>
+                                      </p:tavLst>
+                                    </p:anim>
+                                    <p:anim calcmode="lin" valueType="num">
+                                      <p:cBhvr>
+                                        <p:cTn id="45" dur="1000" fill="hold"/>
+                                        <p:tgtEl>
+                                          <p:spTgt spid="5">
+                                            <p:txEl>
+                                              <p:pRg st="8" end="8"/>
+                                            </p:txEl>
+                                          </p:spTgt>
+                                        </p:tgtEl>
+                                        <p:attrNameLst>
+                                          <p:attrName>ppt_y</p:attrName>
+                                        </p:attrNameLst>
+                                      </p:cBhvr>
+                                      <p:tavLst>
+                                        <p:tav tm="0">
+                                          <p:val>
+                                            <p:strVal val="#ppt_y+.1"/>
+                                          </p:val>
+                                        </p:tav>
+                                        <p:tav tm="100000">
+                                          <p:val>
+                                            <p:strVal val="#ppt_y"/>
+                                          </p:val>
+                                        </p:tav>
+                                      </p:tavLst>
+                                    </p:anim>
+                                  </p:childTnLst>
+                                </p:cTn>
+                              </p:par>
+                            </p:childTnLst>
+                          </p:cTn>
+                        </p:par>
+                      </p:childTnLst>
+                    </p:cTn>
+                  </p:par>
+                </p:childTnLst>
+              </p:cTn>
+              <p:prevCondLst>
+                <p:cond evt="onPrev" delay="0">
+                  <p:tgtEl>
+                    <p:sldTgt/>
+                  </p:tgtEl>
+                </p:cond>
+              </p:prevCondLst>
+              <p:nextCondLst>
+                <p:cond evt="onNext" delay="0">
+                  <p:tgtEl>
+                    <p:sldTgt/>
+                  </p:tgtEl>
+                </p:cond>
+              </p:nextCondLst>
+            </p:seq>
+          </p:childTnLst>
+        </p:cTn>
+      </p:par>
+    </p:tnLst>
+  </p:timing>
 </p:sld>
 </file>
 
@@ -26320,7 +27483,7 @@
           <p:cNvPr id="2" name="Title 1">
             <a:extLst>
               <a:ext uri="{FF2B5EF4-FFF2-40B4-BE49-F238E27FC236}">
-                <a16:creationId xmlns:a16="http://schemas.microsoft.com/office/drawing/2014/main" id="{D6992A09-D2F2-4F60-A6B0-438108E1AE74}"/>
+                <a16:creationId xmlns:a16="http://schemas.microsoft.com/office/drawing/2014/main" id="{C64594C5-655F-4241-9927-8E5FDC98886E}"/>
               </a:ext>
             </a:extLst>
           </p:cNvPr>
@@ -26347,10 +27510,10 @@
       </p:sp>
       <p:sp>
         <p:nvSpPr>
-          <p:cNvPr id="5" name="Content Placeholder 4">
-            <a:extLst>
-              <a:ext uri="{FF2B5EF4-FFF2-40B4-BE49-F238E27FC236}">
-                <a16:creationId xmlns:a16="http://schemas.microsoft.com/office/drawing/2014/main" id="{0E7D642F-1B48-48C8-8009-C46D1BBF142F}"/>
+          <p:cNvPr id="3" name="Content Placeholder 2">
+            <a:extLst>
+              <a:ext uri="{FF2B5EF4-FFF2-40B4-BE49-F238E27FC236}">
+                <a16:creationId xmlns:a16="http://schemas.microsoft.com/office/drawing/2014/main" id="{B4DC9531-CA12-4B1E-8CFD-DB12C6FBD4AC}"/>
               </a:ext>
             </a:extLst>
           </p:cNvPr>
@@ -26363,10 +27526,9 @@
         </p:nvSpPr>
         <p:spPr>
           <a:xfrm>
-            <a:off x="457200" y="1066800"/>
-            <a:ext cx="8229600" cy="5105400"/>
+            <a:off x="457200" y="1143000"/>
+            <a:ext cx="8229600" cy="2667000"/>
           </a:xfrm>
-          <a:noFill/>
         </p:spPr>
         <p:txBody>
           <a:bodyPr/>
@@ -26377,138 +27539,96 @@
             </a:pPr>
             <a:r>
               <a:rPr lang="en-US" dirty="0"/>
-              <a:t>Loglinear models [</a:t>
-            </a:r>
-            <a:r>
-              <a:rPr lang="en-US" dirty="0" err="1"/>
-              <a:t>loglm</a:t>
-            </a:r>
-            <a:r>
-              <a:rPr lang="en-US" dirty="0"/>
-              <a:t>()]</a:t>
-            </a:r>
-          </a:p>
-          <a:p>
+              <a:t>Example: UC Berkeley data</a:t>
+            </a:r>
+          </a:p>
+          <a:p>
+            <a:r>
+              <a:rPr lang="en-US" sz="2000" dirty="0">
+                <a:solidFill>
+                  <a:srgbClr val="0070C0"/>
+                </a:solidFill>
+              </a:rPr>
+              <a:t>Mutual</a:t>
+            </a:r>
             <a:r>
               <a:rPr lang="en-US" sz="2000" dirty="0"/>
-              <a:t>Generalize the Pearson </a:t>
-            </a:r>
-            <a:r>
-              <a:rPr lang="el-GR" sz="2000" dirty="0"/>
-              <a:t>χ</a:t>
+              <a:t> independence: [Admit][Gender][Dept]                      = ~ A + G + D</a:t>
+            </a:r>
+          </a:p>
+          <a:p>
+            <a:r>
+              <a:rPr lang="en-US" sz="2000" dirty="0">
+                <a:solidFill>
+                  <a:srgbClr val="0070C0"/>
+                </a:solidFill>
+              </a:rPr>
+              <a:t>Joint</a:t>
+            </a:r>
+            <a:r>
+              <a:rPr lang="en-US" sz="2000" dirty="0"/>
+              <a:t> independence: [Admit][Gender  Dept]                            = ~ A + G * D</a:t>
+            </a:r>
+          </a:p>
+          <a:p>
+            <a:r>
+              <a:rPr lang="en-US" sz="2000" dirty="0">
+                <a:solidFill>
+                  <a:srgbClr val="0070C0"/>
+                </a:solidFill>
+              </a:rPr>
+              <a:t>Conditional</a:t>
+            </a:r>
+            <a:r>
+              <a:rPr lang="en-US" sz="2000" dirty="0"/>
+              <a:t> independence: [D Admit][D  Gender]                  = ~ D * (A + G)</a:t>
+            </a:r>
+          </a:p>
+          <a:p>
+            <a:pPr lvl="1"/>
+            <a:r>
+              <a:rPr lang="en-US" sz="1800" dirty="0"/>
+              <a:t>Specific test of absence of gender bias, </a:t>
+            </a:r>
+            <a:r>
+              <a:rPr lang="en-US" sz="1800" dirty="0">
+                <a:solidFill>
+                  <a:srgbClr val="00B0F0"/>
+                </a:solidFill>
+              </a:rPr>
+              <a:t>controlling</a:t>
+            </a:r>
+            <a:r>
+              <a:rPr lang="en-US" sz="1800" dirty="0"/>
+              <a:t> for department</a:t>
+            </a:r>
+          </a:p>
+          <a:p>
+            <a:r>
+              <a:rPr lang="en-US" sz="2000" dirty="0">
+                <a:solidFill>
+                  <a:srgbClr val="0070C0"/>
+                </a:solidFill>
+              </a:rPr>
+              <a:t>No three-way </a:t>
+            </a:r>
+            <a:r>
+              <a:rPr lang="en-US" sz="2000" dirty="0"/>
+              <a:t>association: [A  G][A  D][G D]                             = ~ (A + D + G)</a:t>
             </a:r>
             <a:r>
               <a:rPr lang="en-US" sz="2000" baseline="30000" dirty="0"/>
               <a:t>2</a:t>
             </a:r>
-            <a:r>
-              <a:rPr lang="en-US" sz="2000" dirty="0"/>
-              <a:t> and LR G</a:t>
-            </a:r>
-            <a:r>
-              <a:rPr lang="en-US" sz="2000" baseline="30000" dirty="0"/>
-              <a:t>2</a:t>
-            </a:r>
-            <a:r>
-              <a:rPr lang="en-US" sz="2000" dirty="0"/>
-              <a:t> tests of association to 3-way and larger tables.</a:t>
-            </a:r>
-          </a:p>
-          <a:p>
-            <a:r>
-              <a:rPr lang="en-US" sz="2000" dirty="0"/>
-              <a:t>Allows a range of models from mutual independence ([A] [B] [C]) to the saturated model ([ABC])</a:t>
-            </a:r>
-          </a:p>
-          <a:p>
-            <a:r>
-              <a:rPr lang="en-US" sz="2000" dirty="0"/>
-              <a:t>Intermediate models address questions of conditional independence, controlling for some factors</a:t>
-            </a:r>
-          </a:p>
-          <a:p>
-            <a:r>
-              <a:rPr lang="en-US" sz="2000" dirty="0"/>
-              <a:t>Can test associations in 2-way, 3-way, … terms, analogously to tests of interactions in ANOVA</a:t>
-            </a:r>
-          </a:p>
-          <a:p>
-            <a:pPr marL="0" indent="0">
-              <a:buNone/>
-            </a:pPr>
-            <a:r>
-              <a:rPr lang="en-US" dirty="0"/>
-              <a:t>Generalized linear models [</a:t>
-            </a:r>
-            <a:r>
-              <a:rPr lang="en-US" dirty="0" err="1"/>
-              <a:t>glm</a:t>
-            </a:r>
-            <a:r>
-              <a:rPr lang="en-US" dirty="0"/>
-              <a:t>()]</a:t>
-            </a:r>
-          </a:p>
-          <a:p>
-            <a:r>
-              <a:rPr lang="en-US" sz="2000" dirty="0"/>
-              <a:t>Similar to ordinary </a:t>
-            </a:r>
-            <a:r>
-              <a:rPr lang="en-US" sz="2000" dirty="0" err="1"/>
-              <a:t>lm</a:t>
-            </a:r>
-            <a:r>
-              <a:rPr lang="en-US" sz="2000" dirty="0"/>
-              <a:t>(), but w/ Poisson </a:t>
-            </a:r>
-            <a:r>
-              <a:rPr lang="en-US" sz="2000" dirty="0" err="1"/>
-              <a:t>dist</a:t>
-            </a:r>
-            <a:r>
-              <a:rPr lang="en-US" sz="2000" baseline="30000" dirty="0" err="1"/>
-              <a:t>n</a:t>
-            </a:r>
-            <a:r>
-              <a:rPr lang="en-US" sz="2000" dirty="0"/>
-              <a:t> of counts: family=“</a:t>
-            </a:r>
-            <a:r>
-              <a:rPr lang="en-US" sz="2000" dirty="0" err="1"/>
-              <a:t>poisson</a:t>
-            </a:r>
-            <a:r>
-              <a:rPr lang="en-US" sz="2000" dirty="0"/>
-              <a:t>”</a:t>
-            </a:r>
-          </a:p>
-          <a:p>
-            <a:r>
-              <a:rPr lang="en-US" sz="2000" dirty="0"/>
-              <a:t>Formula notation: Freq ~ A + B + C; Freq ~ (A + B + C)^2 </a:t>
-            </a:r>
-          </a:p>
-          <a:p>
-            <a:r>
-              <a:rPr lang="en-US" sz="2000" dirty="0"/>
-              <a:t>Familiar diagnostic methods &amp; plots (outliers, influence) </a:t>
-            </a:r>
-          </a:p>
-          <a:p>
-            <a:pPr marL="0" indent="0">
-              <a:buNone/>
-            </a:pPr>
-            <a:endParaRPr lang="en-US" dirty="0"/>
-          </a:p>
-        </p:txBody>
-      </p:sp>
-      <p:sp>
-        <p:nvSpPr>
-          <p:cNvPr id="3" name="Slide Number Placeholder 2">
-            <a:extLst>
-              <a:ext uri="{FF2B5EF4-FFF2-40B4-BE49-F238E27FC236}">
-                <a16:creationId xmlns:a16="http://schemas.microsoft.com/office/drawing/2014/main" id="{DE0CE8AF-A75F-4F79-B7DA-0EA295473162}"/>
+          </a:p>
+        </p:txBody>
+      </p:sp>
+      <p:sp>
+        <p:nvSpPr>
+          <p:cNvPr id="4" name="Slide Number Placeholder 3">
+            <a:extLst>
+              <a:ext uri="{FF2B5EF4-FFF2-40B4-BE49-F238E27FC236}">
+                <a16:creationId xmlns:a16="http://schemas.microsoft.com/office/drawing/2014/main" id="{C09353EB-AC23-42AB-8BE2-F7BAA67B9CED}"/>
               </a:ext>
             </a:extLst>
           </p:cNvPr>
@@ -26532,16 +27652,653 @@
           </a:p>
         </p:txBody>
       </p:sp>
+      <p:sp>
+        <p:nvSpPr>
+          <p:cNvPr id="5" name="TextBox 4">
+            <a:extLst>
+              <a:ext uri="{FF2B5EF4-FFF2-40B4-BE49-F238E27FC236}">
+                <a16:creationId xmlns:a16="http://schemas.microsoft.com/office/drawing/2014/main" id="{AD6194BC-5D5C-43A5-B6B1-2D38F5362C1E}"/>
+              </a:ext>
+            </a:extLst>
+          </p:cNvPr>
+          <p:cNvSpPr txBox="1"/>
+          <p:nvPr/>
+        </p:nvSpPr>
+        <p:spPr>
+          <a:xfrm>
+            <a:off x="457200" y="3886200"/>
+            <a:ext cx="8229600" cy="1015663"/>
+          </a:xfrm>
+          <a:prstGeom prst="rect">
+            <a:avLst/>
+          </a:prstGeom>
+          <a:solidFill>
+            <a:schemeClr val="accent6">
+              <a:lumMod val="20000"/>
+              <a:lumOff val="80000"/>
+              <a:alpha val="60000"/>
+            </a:schemeClr>
+          </a:solidFill>
+        </p:spPr>
+        <p:txBody>
+          <a:bodyPr wrap="square" rtlCol="0">
+            <a:spAutoFit/>
+          </a:bodyPr>
+          <a:lstStyle/>
+          <a:p>
+            <a:r>
+              <a:rPr lang="en-US" sz="1200" dirty="0">
+                <a:latin typeface="Courier New" panose="02070309020205020404" pitchFamily="49" charset="0"/>
+                <a:cs typeface="Courier New" panose="02070309020205020404" pitchFamily="49" charset="0"/>
+              </a:rPr>
+              <a:t>library(MASS)</a:t>
+            </a:r>
+          </a:p>
+          <a:p>
+            <a:r>
+              <a:rPr lang="en-US" sz="1200" dirty="0" err="1">
+                <a:latin typeface="Courier New" panose="02070309020205020404" pitchFamily="49" charset="0"/>
+                <a:cs typeface="Courier New" panose="02070309020205020404" pitchFamily="49" charset="0"/>
+              </a:rPr>
+              <a:t>loglm</a:t>
+            </a:r>
+            <a:r>
+              <a:rPr lang="en-US" sz="1200" dirty="0">
+                <a:latin typeface="Courier New" panose="02070309020205020404" pitchFamily="49" charset="0"/>
+                <a:cs typeface="Courier New" panose="02070309020205020404" pitchFamily="49" charset="0"/>
+              </a:rPr>
+              <a:t>(~ Admit + Dept + Gender, data=</a:t>
+            </a:r>
+            <a:r>
+              <a:rPr lang="en-US" sz="1200" dirty="0" err="1">
+                <a:latin typeface="Courier New" panose="02070309020205020404" pitchFamily="49" charset="0"/>
+                <a:cs typeface="Courier New" panose="02070309020205020404" pitchFamily="49" charset="0"/>
+              </a:rPr>
+              <a:t>UCBAdmissions</a:t>
+            </a:r>
+            <a:r>
+              <a:rPr lang="en-US" sz="1200" dirty="0">
+                <a:latin typeface="Courier New" panose="02070309020205020404" pitchFamily="49" charset="0"/>
+                <a:cs typeface="Courier New" panose="02070309020205020404" pitchFamily="49" charset="0"/>
+              </a:rPr>
+              <a:t>)      </a:t>
+            </a:r>
+            <a:r>
+              <a:rPr lang="en-US" sz="1200" dirty="0">
+                <a:solidFill>
+                  <a:srgbClr val="00B050"/>
+                </a:solidFill>
+                <a:latin typeface="Courier New" panose="02070309020205020404" pitchFamily="49" charset="0"/>
+                <a:cs typeface="Courier New" panose="02070309020205020404" pitchFamily="49" charset="0"/>
+              </a:rPr>
+              <a:t># mutual independence</a:t>
+            </a:r>
+          </a:p>
+          <a:p>
+            <a:r>
+              <a:rPr lang="en-US" sz="1200" dirty="0" err="1">
+                <a:latin typeface="Courier New" panose="02070309020205020404" pitchFamily="49" charset="0"/>
+                <a:cs typeface="Courier New" panose="02070309020205020404" pitchFamily="49" charset="0"/>
+              </a:rPr>
+              <a:t>loglm</a:t>
+            </a:r>
+            <a:r>
+              <a:rPr lang="en-US" sz="1200" dirty="0">
+                <a:latin typeface="Courier New" panose="02070309020205020404" pitchFamily="49" charset="0"/>
+                <a:cs typeface="Courier New" panose="02070309020205020404" pitchFamily="49" charset="0"/>
+              </a:rPr>
+              <a:t>(~ Admit + Dept * Gender, data=</a:t>
+            </a:r>
+            <a:r>
+              <a:rPr lang="en-US" sz="1200" dirty="0" err="1">
+                <a:latin typeface="Courier New" panose="02070309020205020404" pitchFamily="49" charset="0"/>
+                <a:cs typeface="Courier New" panose="02070309020205020404" pitchFamily="49" charset="0"/>
+              </a:rPr>
+              <a:t>UCBAdmissions</a:t>
+            </a:r>
+            <a:r>
+              <a:rPr lang="en-US" sz="1200" dirty="0">
+                <a:latin typeface="Courier New" panose="02070309020205020404" pitchFamily="49" charset="0"/>
+                <a:cs typeface="Courier New" panose="02070309020205020404" pitchFamily="49" charset="0"/>
+              </a:rPr>
+              <a:t>)      </a:t>
+            </a:r>
+            <a:r>
+              <a:rPr lang="en-US" sz="1200" dirty="0">
+                <a:solidFill>
+                  <a:srgbClr val="00B050"/>
+                </a:solidFill>
+                <a:latin typeface="Courier New" panose="02070309020205020404" pitchFamily="49" charset="0"/>
+                <a:cs typeface="Courier New" panose="02070309020205020404" pitchFamily="49" charset="0"/>
+              </a:rPr>
+              <a:t># joint independence</a:t>
+            </a:r>
+          </a:p>
+          <a:p>
+            <a:r>
+              <a:rPr lang="en-US" sz="1200" dirty="0" err="1">
+                <a:latin typeface="Courier New" panose="02070309020205020404" pitchFamily="49" charset="0"/>
+                <a:cs typeface="Courier New" panose="02070309020205020404" pitchFamily="49" charset="0"/>
+              </a:rPr>
+              <a:t>loglm</a:t>
+            </a:r>
+            <a:r>
+              <a:rPr lang="en-US" sz="1200" dirty="0">
+                <a:latin typeface="Courier New" panose="02070309020205020404" pitchFamily="49" charset="0"/>
+                <a:cs typeface="Courier New" panose="02070309020205020404" pitchFamily="49" charset="0"/>
+              </a:rPr>
+              <a:t>(~ Dept * (Admit + Gender), data=</a:t>
+            </a:r>
+            <a:r>
+              <a:rPr lang="en-US" sz="1200" dirty="0" err="1">
+                <a:latin typeface="Courier New" panose="02070309020205020404" pitchFamily="49" charset="0"/>
+                <a:cs typeface="Courier New" panose="02070309020205020404" pitchFamily="49" charset="0"/>
+              </a:rPr>
+              <a:t>UCBAdmissions</a:t>
+            </a:r>
+            <a:r>
+              <a:rPr lang="en-US" sz="1200" dirty="0">
+                <a:latin typeface="Courier New" panose="02070309020205020404" pitchFamily="49" charset="0"/>
+                <a:cs typeface="Courier New" panose="02070309020205020404" pitchFamily="49" charset="0"/>
+              </a:rPr>
+              <a:t>)    </a:t>
+            </a:r>
+            <a:r>
+              <a:rPr lang="en-US" sz="1200" dirty="0">
+                <a:solidFill>
+                  <a:srgbClr val="00B050"/>
+                </a:solidFill>
+                <a:latin typeface="Courier New" panose="02070309020205020404" pitchFamily="49" charset="0"/>
+                <a:cs typeface="Courier New" panose="02070309020205020404" pitchFamily="49" charset="0"/>
+              </a:rPr>
+              <a:t># conditional independence</a:t>
+            </a:r>
+          </a:p>
+          <a:p>
+            <a:r>
+              <a:rPr lang="en-US" sz="1200" dirty="0" err="1">
+                <a:latin typeface="Courier New" panose="02070309020205020404" pitchFamily="49" charset="0"/>
+                <a:cs typeface="Courier New" panose="02070309020205020404" pitchFamily="49" charset="0"/>
+              </a:rPr>
+              <a:t>loglm</a:t>
+            </a:r>
+            <a:r>
+              <a:rPr lang="en-US" sz="1200" dirty="0">
+                <a:latin typeface="Courier New" panose="02070309020205020404" pitchFamily="49" charset="0"/>
+                <a:cs typeface="Courier New" panose="02070309020205020404" pitchFamily="49" charset="0"/>
+              </a:rPr>
+              <a:t>(~ (Admit + Gender + Dept )^2, data=</a:t>
+            </a:r>
+            <a:r>
+              <a:rPr lang="en-US" sz="1200" dirty="0" err="1">
+                <a:latin typeface="Courier New" panose="02070309020205020404" pitchFamily="49" charset="0"/>
+                <a:cs typeface="Courier New" panose="02070309020205020404" pitchFamily="49" charset="0"/>
+              </a:rPr>
+              <a:t>UCBAdmissions</a:t>
+            </a:r>
+            <a:r>
+              <a:rPr lang="en-US" sz="1200" dirty="0">
+                <a:latin typeface="Courier New" panose="02070309020205020404" pitchFamily="49" charset="0"/>
+                <a:cs typeface="Courier New" panose="02070309020205020404" pitchFamily="49" charset="0"/>
+              </a:rPr>
+              <a:t>) </a:t>
+            </a:r>
+            <a:r>
+              <a:rPr lang="en-US" sz="1200" dirty="0">
+                <a:solidFill>
+                  <a:srgbClr val="00B050"/>
+                </a:solidFill>
+                <a:latin typeface="Courier New" panose="02070309020205020404" pitchFamily="49" charset="0"/>
+                <a:cs typeface="Courier New" panose="02070309020205020404" pitchFamily="49" charset="0"/>
+              </a:rPr>
+              <a:t># all two-way, no three-way</a:t>
+            </a:r>
+          </a:p>
+        </p:txBody>
+      </p:sp>
+      <p:sp>
+        <p:nvSpPr>
+          <p:cNvPr id="6" name="TextBox 5">
+            <a:extLst>
+              <a:ext uri="{FF2B5EF4-FFF2-40B4-BE49-F238E27FC236}">
+                <a16:creationId xmlns:a16="http://schemas.microsoft.com/office/drawing/2014/main" id="{7421BCF8-5332-4828-8E67-E3FF5CDAE21C}"/>
+              </a:ext>
+            </a:extLst>
+          </p:cNvPr>
+          <p:cNvSpPr txBox="1"/>
+          <p:nvPr/>
+        </p:nvSpPr>
+        <p:spPr>
+          <a:xfrm>
+            <a:off x="533400" y="5181600"/>
+            <a:ext cx="8153400" cy="1200329"/>
+          </a:xfrm>
+          <a:prstGeom prst="rect">
+            <a:avLst/>
+          </a:prstGeom>
+          <a:noFill/>
+        </p:spPr>
+        <p:txBody>
+          <a:bodyPr wrap="square" rtlCol="0">
+            <a:spAutoFit/>
+          </a:bodyPr>
+          <a:lstStyle/>
+          <a:p>
+            <a:r>
+              <a:rPr lang="en-US" dirty="0">
+                <a:solidFill>
+                  <a:srgbClr val="FF0000"/>
+                </a:solidFill>
+              </a:rPr>
+              <a:t>Bracket notation:</a:t>
+            </a:r>
+          </a:p>
+          <a:p>
+            <a:pPr marL="285750" indent="-285750">
+              <a:buClr>
+                <a:srgbClr val="0070C0"/>
+              </a:buClr>
+              <a:buSzPct val="110000"/>
+              <a:buFont typeface="Arial" panose="020B0604020202020204" pitchFamily="34" charset="0"/>
+              <a:buChar char="•"/>
+            </a:pPr>
+            <a:r>
+              <a:rPr lang="en-US" dirty="0"/>
+              <a:t>terms in the </a:t>
+            </a:r>
+            <a:r>
+              <a:rPr lang="en-US" dirty="0">
+                <a:solidFill>
+                  <a:srgbClr val="0070C0"/>
+                </a:solidFill>
+              </a:rPr>
+              <a:t>same</a:t>
+            </a:r>
+            <a:r>
+              <a:rPr lang="en-US" dirty="0"/>
+              <a:t> bracket are allowed to be </a:t>
+            </a:r>
+            <a:r>
+              <a:rPr lang="en-US" dirty="0">
+                <a:solidFill>
+                  <a:srgbClr val="0070C0"/>
+                </a:solidFill>
+              </a:rPr>
+              <a:t>associated</a:t>
+            </a:r>
+            <a:r>
+              <a:rPr lang="en-US" dirty="0"/>
+              <a:t>           [A G]   </a:t>
+            </a:r>
+            <a:r>
+              <a:rPr lang="en-US" dirty="0">
+                <a:sym typeface="Symbol MT" panose="05050102010706020507" pitchFamily="18" charset="2"/>
+              </a:rPr>
+              <a:t> A * G</a:t>
+            </a:r>
+            <a:endParaRPr lang="en-US" dirty="0"/>
+          </a:p>
+          <a:p>
+            <a:pPr marL="285750" indent="-285750">
+              <a:buClr>
+                <a:srgbClr val="0070C0"/>
+              </a:buClr>
+              <a:buSzPct val="110000"/>
+              <a:buFont typeface="Arial" panose="020B0604020202020204" pitchFamily="34" charset="0"/>
+              <a:buChar char="•"/>
+            </a:pPr>
+            <a:r>
+              <a:rPr lang="en-US" dirty="0"/>
+              <a:t>terms in </a:t>
+            </a:r>
+            <a:r>
+              <a:rPr lang="en-US" dirty="0">
+                <a:solidFill>
+                  <a:srgbClr val="0070C0"/>
+                </a:solidFill>
+              </a:rPr>
+              <a:t>separate</a:t>
+            </a:r>
+            <a:r>
+              <a:rPr lang="en-US" dirty="0"/>
+              <a:t> brackets are asserted to be </a:t>
+            </a:r>
+            <a:r>
+              <a:rPr lang="en-US" dirty="0">
+                <a:solidFill>
+                  <a:srgbClr val="0070C0"/>
+                </a:solidFill>
+              </a:rPr>
+              <a:t>independent</a:t>
+            </a:r>
+            <a:r>
+              <a:rPr lang="en-US" dirty="0"/>
+              <a:t>     [A] [G] </a:t>
+            </a:r>
+            <a:r>
+              <a:rPr lang="en-US" dirty="0">
+                <a:sym typeface="Symbol MT" panose="05050102010706020507" pitchFamily="18" charset="2"/>
+              </a:rPr>
+              <a:t> A + G</a:t>
+            </a:r>
+            <a:endParaRPr lang="en-US" dirty="0"/>
+          </a:p>
+          <a:p>
+            <a:endParaRPr lang="en-US" dirty="0"/>
+          </a:p>
+        </p:txBody>
+      </p:sp>
     </p:spTree>
     <p:extLst>
       <p:ext uri="{BB962C8B-B14F-4D97-AF65-F5344CB8AC3E}">
-        <p14:creationId xmlns:p14="http://schemas.microsoft.com/office/powerpoint/2010/main" val="1216021584"/>
+        <p14:creationId xmlns:p14="http://schemas.microsoft.com/office/powerpoint/2010/main" val="3843966359"/>
       </p:ext>
     </p:extLst>
   </p:cSld>
   <p:clrMapOvr>
     <a:masterClrMapping/>
   </p:clrMapOvr>
+  <p:timing>
+    <p:tnLst>
+      <p:par>
+        <p:cTn id="1" dur="indefinite" restart="never" nodeType="tmRoot">
+          <p:childTnLst>
+            <p:seq concurrent="1" nextAc="seek">
+              <p:cTn id="2" dur="indefinite" nodeType="mainSeq">
+                <p:childTnLst>
+                  <p:par>
+                    <p:cTn id="3" fill="hold">
+                      <p:stCondLst>
+                        <p:cond delay="indefinite"/>
+                      </p:stCondLst>
+                      <p:childTnLst>
+                        <p:par>
+                          <p:cTn id="4" fill="hold">
+                            <p:stCondLst>
+                              <p:cond delay="0"/>
+                            </p:stCondLst>
+                            <p:childTnLst>
+                              <p:par>
+                                <p:cTn id="5" presetID="1" presetClass="entr" presetSubtype="0" fill="hold" nodeType="clickEffect">
+                                  <p:stCondLst>
+                                    <p:cond delay="0"/>
+                                  </p:stCondLst>
+                                  <p:childTnLst>
+                                    <p:set>
+                                      <p:cBhvr>
+                                        <p:cTn id="6" dur="1" fill="hold">
+                                          <p:stCondLst>
+                                            <p:cond delay="0"/>
+                                          </p:stCondLst>
+                                        </p:cTn>
+                                        <p:tgtEl>
+                                          <p:spTgt spid="3">
+                                            <p:txEl>
+                                              <p:pRg st="2" end="2"/>
+                                            </p:txEl>
+                                          </p:spTgt>
+                                        </p:tgtEl>
+                                        <p:attrNameLst>
+                                          <p:attrName>style.visibility</p:attrName>
+                                        </p:attrNameLst>
+                                      </p:cBhvr>
+                                      <p:to>
+                                        <p:strVal val="visible"/>
+                                      </p:to>
+                                    </p:set>
+                                  </p:childTnLst>
+                                </p:cTn>
+                              </p:par>
+                              <p:par>
+                                <p:cTn id="7" presetID="1" presetClass="entr" presetSubtype="0" fill="hold" nodeType="withEffect">
+                                  <p:stCondLst>
+                                    <p:cond delay="0"/>
+                                  </p:stCondLst>
+                                  <p:childTnLst>
+                                    <p:set>
+                                      <p:cBhvr>
+                                        <p:cTn id="8" dur="1" fill="hold">
+                                          <p:stCondLst>
+                                            <p:cond delay="0"/>
+                                          </p:stCondLst>
+                                        </p:cTn>
+                                        <p:tgtEl>
+                                          <p:spTgt spid="5">
+                                            <p:txEl>
+                                              <p:pRg st="2" end="2"/>
+                                            </p:txEl>
+                                          </p:spTgt>
+                                        </p:tgtEl>
+                                        <p:attrNameLst>
+                                          <p:attrName>style.visibility</p:attrName>
+                                        </p:attrNameLst>
+                                      </p:cBhvr>
+                                      <p:to>
+                                        <p:strVal val="visible"/>
+                                      </p:to>
+                                    </p:set>
+                                  </p:childTnLst>
+                                </p:cTn>
+                              </p:par>
+                            </p:childTnLst>
+                          </p:cTn>
+                        </p:par>
+                      </p:childTnLst>
+                    </p:cTn>
+                  </p:par>
+                  <p:par>
+                    <p:cTn id="9" fill="hold">
+                      <p:stCondLst>
+                        <p:cond delay="indefinite"/>
+                      </p:stCondLst>
+                      <p:childTnLst>
+                        <p:par>
+                          <p:cTn id="10" fill="hold">
+                            <p:stCondLst>
+                              <p:cond delay="0"/>
+                            </p:stCondLst>
+                            <p:childTnLst>
+                              <p:par>
+                                <p:cTn id="11" presetID="1" presetClass="entr" presetSubtype="0" fill="hold" nodeType="clickEffect">
+                                  <p:stCondLst>
+                                    <p:cond delay="0"/>
+                                  </p:stCondLst>
+                                  <p:childTnLst>
+                                    <p:set>
+                                      <p:cBhvr>
+                                        <p:cTn id="12" dur="1" fill="hold">
+                                          <p:stCondLst>
+                                            <p:cond delay="0"/>
+                                          </p:stCondLst>
+                                        </p:cTn>
+                                        <p:tgtEl>
+                                          <p:spTgt spid="3">
+                                            <p:txEl>
+                                              <p:pRg st="3" end="3"/>
+                                            </p:txEl>
+                                          </p:spTgt>
+                                        </p:tgtEl>
+                                        <p:attrNameLst>
+                                          <p:attrName>style.visibility</p:attrName>
+                                        </p:attrNameLst>
+                                      </p:cBhvr>
+                                      <p:to>
+                                        <p:strVal val="visible"/>
+                                      </p:to>
+                                    </p:set>
+                                  </p:childTnLst>
+                                </p:cTn>
+                              </p:par>
+                              <p:par>
+                                <p:cTn id="13" presetID="1" presetClass="entr" presetSubtype="0" fill="hold" nodeType="withEffect">
+                                  <p:stCondLst>
+                                    <p:cond delay="0"/>
+                                  </p:stCondLst>
+                                  <p:childTnLst>
+                                    <p:set>
+                                      <p:cBhvr>
+                                        <p:cTn id="14" dur="1" fill="hold">
+                                          <p:stCondLst>
+                                            <p:cond delay="0"/>
+                                          </p:stCondLst>
+                                        </p:cTn>
+                                        <p:tgtEl>
+                                          <p:spTgt spid="3">
+                                            <p:txEl>
+                                              <p:pRg st="4" end="4"/>
+                                            </p:txEl>
+                                          </p:spTgt>
+                                        </p:tgtEl>
+                                        <p:attrNameLst>
+                                          <p:attrName>style.visibility</p:attrName>
+                                        </p:attrNameLst>
+                                      </p:cBhvr>
+                                      <p:to>
+                                        <p:strVal val="visible"/>
+                                      </p:to>
+                                    </p:set>
+                                  </p:childTnLst>
+                                </p:cTn>
+                              </p:par>
+                              <p:par>
+                                <p:cTn id="15" presetID="1" presetClass="entr" presetSubtype="0" fill="hold" nodeType="withEffect">
+                                  <p:stCondLst>
+                                    <p:cond delay="0"/>
+                                  </p:stCondLst>
+                                  <p:childTnLst>
+                                    <p:set>
+                                      <p:cBhvr>
+                                        <p:cTn id="16" dur="1" fill="hold">
+                                          <p:stCondLst>
+                                            <p:cond delay="0"/>
+                                          </p:stCondLst>
+                                        </p:cTn>
+                                        <p:tgtEl>
+                                          <p:spTgt spid="5">
+                                            <p:txEl>
+                                              <p:pRg st="3" end="3"/>
+                                            </p:txEl>
+                                          </p:spTgt>
+                                        </p:tgtEl>
+                                        <p:attrNameLst>
+                                          <p:attrName>style.visibility</p:attrName>
+                                        </p:attrNameLst>
+                                      </p:cBhvr>
+                                      <p:to>
+                                        <p:strVal val="visible"/>
+                                      </p:to>
+                                    </p:set>
+                                  </p:childTnLst>
+                                </p:cTn>
+                              </p:par>
+                            </p:childTnLst>
+                          </p:cTn>
+                        </p:par>
+                      </p:childTnLst>
+                    </p:cTn>
+                  </p:par>
+                  <p:par>
+                    <p:cTn id="17" fill="hold">
+                      <p:stCondLst>
+                        <p:cond delay="indefinite"/>
+                      </p:stCondLst>
+                      <p:childTnLst>
+                        <p:par>
+                          <p:cTn id="18" fill="hold">
+                            <p:stCondLst>
+                              <p:cond delay="0"/>
+                            </p:stCondLst>
+                            <p:childTnLst>
+                              <p:par>
+                                <p:cTn id="19" presetID="1" presetClass="entr" presetSubtype="0" fill="hold" nodeType="clickEffect">
+                                  <p:stCondLst>
+                                    <p:cond delay="0"/>
+                                  </p:stCondLst>
+                                  <p:childTnLst>
+                                    <p:set>
+                                      <p:cBhvr>
+                                        <p:cTn id="20" dur="1" fill="hold">
+                                          <p:stCondLst>
+                                            <p:cond delay="0"/>
+                                          </p:stCondLst>
+                                        </p:cTn>
+                                        <p:tgtEl>
+                                          <p:spTgt spid="3">
+                                            <p:txEl>
+                                              <p:pRg st="5" end="5"/>
+                                            </p:txEl>
+                                          </p:spTgt>
+                                        </p:tgtEl>
+                                        <p:attrNameLst>
+                                          <p:attrName>style.visibility</p:attrName>
+                                        </p:attrNameLst>
+                                      </p:cBhvr>
+                                      <p:to>
+                                        <p:strVal val="visible"/>
+                                      </p:to>
+                                    </p:set>
+                                  </p:childTnLst>
+                                </p:cTn>
+                              </p:par>
+                              <p:par>
+                                <p:cTn id="21" presetID="1" presetClass="entr" presetSubtype="0" fill="hold" nodeType="withEffect">
+                                  <p:stCondLst>
+                                    <p:cond delay="0"/>
+                                  </p:stCondLst>
+                                  <p:childTnLst>
+                                    <p:set>
+                                      <p:cBhvr>
+                                        <p:cTn id="22" dur="1" fill="hold">
+                                          <p:stCondLst>
+                                            <p:cond delay="0"/>
+                                          </p:stCondLst>
+                                        </p:cTn>
+                                        <p:tgtEl>
+                                          <p:spTgt spid="5">
+                                            <p:txEl>
+                                              <p:pRg st="4" end="4"/>
+                                            </p:txEl>
+                                          </p:spTgt>
+                                        </p:tgtEl>
+                                        <p:attrNameLst>
+                                          <p:attrName>style.visibility</p:attrName>
+                                        </p:attrNameLst>
+                                      </p:cBhvr>
+                                      <p:to>
+                                        <p:strVal val="visible"/>
+                                      </p:to>
+                                    </p:set>
+                                  </p:childTnLst>
+                                </p:cTn>
+                              </p:par>
+                            </p:childTnLst>
+                          </p:cTn>
+                        </p:par>
+                      </p:childTnLst>
+                    </p:cTn>
+                  </p:par>
+                </p:childTnLst>
+              </p:cTn>
+              <p:prevCondLst>
+                <p:cond evt="onPrev" delay="0">
+                  <p:tgtEl>
+                    <p:sldTgt/>
+                  </p:tgtEl>
+                </p:cond>
+              </p:prevCondLst>
+              <p:nextCondLst>
+                <p:cond evt="onNext" delay="0">
+                  <p:tgtEl>
+                    <p:sldTgt/>
+                  </p:tgtEl>
+                </p:cond>
+              </p:nextCondLst>
+            </p:seq>
+          </p:childTnLst>
+        </p:cTn>
+      </p:par>
+    </p:tnLst>
+  </p:timing>
 </p:sld>
 </file>
 
@@ -26839,7 +28596,7 @@
           <p:cNvPr id="2" name="Title 1">
             <a:extLst>
               <a:ext uri="{FF2B5EF4-FFF2-40B4-BE49-F238E27FC236}">
-                <a16:creationId xmlns:a16="http://schemas.microsoft.com/office/drawing/2014/main" id="{C64594C5-655F-4241-9927-8E5FDC98886E}"/>
+                <a16:creationId xmlns:a16="http://schemas.microsoft.com/office/drawing/2014/main" id="{ED9049ED-0267-4764-BD0F-9FC56076BA55}"/>
               </a:ext>
             </a:extLst>
           </p:cNvPr>
@@ -26859,17 +28616,17 @@
           <a:p>
             <a:r>
               <a:rPr lang="en-US" dirty="0"/>
-              <a:t>Looking ahead: Models</a:t>
-            </a:r>
-          </a:p>
-        </p:txBody>
-      </p:sp>
-      <p:sp>
-        <p:nvSpPr>
-          <p:cNvPr id="3" name="Content Placeholder 2">
-            <a:extLst>
-              <a:ext uri="{FF2B5EF4-FFF2-40B4-BE49-F238E27FC236}">
-                <a16:creationId xmlns:a16="http://schemas.microsoft.com/office/drawing/2014/main" id="{B4DC9531-CA12-4B1E-8CFD-DB12C6FBD4AC}"/>
+              <a:t>Looking ahead: Mosaic plots</a:t>
+            </a:r>
+          </a:p>
+        </p:txBody>
+      </p:sp>
+      <p:sp>
+        <p:nvSpPr>
+          <p:cNvPr id="5" name="Content Placeholder 4">
+            <a:extLst>
+              <a:ext uri="{FF2B5EF4-FFF2-40B4-BE49-F238E27FC236}">
+                <a16:creationId xmlns:a16="http://schemas.microsoft.com/office/drawing/2014/main" id="{B6B21B7D-22A3-4CA1-8F20-C65B317BF5FA}"/>
               </a:ext>
             </a:extLst>
           </p:cNvPr>
@@ -26883,100 +28640,55 @@
         <p:spPr>
           <a:xfrm>
             <a:off x="457200" y="1143000"/>
-            <a:ext cx="8229600" cy="2667000"/>
+            <a:ext cx="8229600" cy="1752600"/>
           </a:xfrm>
         </p:spPr>
         <p:txBody>
-          <a:bodyPr/>
+          <a:bodyPr>
+            <a:normAutofit/>
+          </a:bodyPr>
           <a:lstStyle/>
           <a:p>
             <a:pPr marL="0" indent="0">
               <a:buNone/>
             </a:pPr>
             <a:r>
-              <a:rPr lang="en-US" dirty="0"/>
-              <a:t>Example: UC Berkeley data</a:t>
-            </a:r>
-          </a:p>
-          <a:p>
-            <a:r>
-              <a:rPr lang="en-US" sz="2000" dirty="0">
-                <a:solidFill>
-                  <a:srgbClr val="00B0F0"/>
-                </a:solidFill>
-              </a:rPr>
-              <a:t>Mutua</a:t>
-            </a:r>
-            <a:r>
-              <a:rPr lang="en-US" sz="2000" dirty="0"/>
-              <a:t>l independence: [Admit][Gender][Dept]                      = ~ A + G + D</a:t>
-            </a:r>
-          </a:p>
-          <a:p>
-            <a:r>
-              <a:rPr lang="en-US" sz="2000" dirty="0">
-                <a:solidFill>
-                  <a:srgbClr val="00B0F0"/>
-                </a:solidFill>
-              </a:rPr>
-              <a:t>Joint</a:t>
-            </a:r>
-            <a:r>
-              <a:rPr lang="en-US" sz="2000" dirty="0"/>
-              <a:t> independence: [Admit][Gender  Dept]                            = ~ A + G * D</a:t>
-            </a:r>
-          </a:p>
-          <a:p>
-            <a:r>
-              <a:rPr lang="en-US" sz="2000" dirty="0">
-                <a:solidFill>
-                  <a:srgbClr val="00B0F0"/>
-                </a:solidFill>
-              </a:rPr>
-              <a:t>Conditional</a:t>
-            </a:r>
-            <a:r>
-              <a:rPr lang="en-US" sz="2000" dirty="0"/>
-              <a:t> independence: [D Admit][D  Gender]                  = ~ D * (A + G)</a:t>
-            </a:r>
-          </a:p>
-          <a:p>
-            <a:pPr lvl="1"/>
+              <a:rPr lang="en-US" sz="2200" dirty="0"/>
+              <a:t>Mosaic plots provide visualizations of associations in 2+ way tables</a:t>
+            </a:r>
+          </a:p>
+          <a:p>
             <a:r>
               <a:rPr lang="en-US" sz="1800" dirty="0"/>
-              <a:t>Specific test of absence of gender bias, </a:t>
-            </a:r>
-            <a:r>
-              <a:rPr lang="en-US" sz="1800" dirty="0">
-                <a:solidFill>
-                  <a:srgbClr val="00B0F0"/>
-                </a:solidFill>
-              </a:rPr>
-              <a:t>controlling</a:t>
-            </a:r>
+              <a:t>Tiles ~ frequency; conditioned by A, then B, then C, …</a:t>
+            </a:r>
+          </a:p>
+          <a:p>
             <a:r>
               <a:rPr lang="en-US" sz="1800" dirty="0"/>
-              <a:t> for department</a:t>
-            </a:r>
-          </a:p>
-          <a:p>
-            <a:r>
-              <a:rPr lang="en-US" sz="2000" dirty="0">
-                <a:solidFill>
-                  <a:srgbClr val="00B0F0"/>
-                </a:solidFill>
-              </a:rPr>
-              <a:t>No three-way </a:t>
-            </a:r>
-            <a:r>
-              <a:rPr lang="en-US" sz="2000" dirty="0"/>
-              <a:t>association: [A  G][A  D][G D]                             = ~ (A + D + G)</a:t>
-            </a:r>
-            <a:r>
-              <a:rPr lang="en-US" sz="2000" baseline="30000" dirty="0"/>
+              <a:t>Fit: any loglinear model [A][B][C], [AB][C], [AB][AC], …, [ABC]</a:t>
+            </a:r>
+          </a:p>
+          <a:p>
+            <a:r>
+              <a:rPr lang="en-US" sz="1800" dirty="0"/>
+              <a:t>Shading: ~ residuals, contributions to </a:t>
+            </a:r>
+            <a:r>
+              <a:rPr lang="el-GR" sz="1800" dirty="0"/>
+              <a:t>χ</a:t>
+            </a:r>
+            <a:r>
+              <a:rPr lang="en-US" sz="1800" baseline="30000" dirty="0"/>
               <a:t>2</a:t>
             </a:r>
           </a:p>
+          <a:p>
+            <a:r>
+              <a:rPr lang="en-US" sz="1800" dirty="0"/>
+              <a:t>Show: associations not accounted for by model</a:t>
+            </a:r>
+          </a:p>
         </p:txBody>
       </p:sp>
       <p:sp>
@@ -26984,7 +28696,7 @@
           <p:cNvPr id="4" name="Slide Number Placeholder 3">
             <a:extLst>
               <a:ext uri="{FF2B5EF4-FFF2-40B4-BE49-F238E27FC236}">
-                <a16:creationId xmlns:a16="http://schemas.microsoft.com/office/drawing/2014/main" id="{C09353EB-AC23-42AB-8BE2-F7BAA67B9CED}"/>
+                <a16:creationId xmlns:a16="http://schemas.microsoft.com/office/drawing/2014/main" id="{D37B7B30-2A70-4936-BCCA-960ABCAE191D}"/>
               </a:ext>
             </a:extLst>
           </p:cNvPr>
@@ -27003,323 +28715,6 @@
             <a:fld id="{621225AB-15B9-4C79-A121-04D1DC7E2307}" type="slidenum">
               <a:rPr lang="en-US" smtClean="0"/>
               <a:t>70</a:t>
-            </a:fld>
-            <a:endParaRPr lang="en-US"/>
-          </a:p>
-        </p:txBody>
-      </p:sp>
-      <p:sp>
-        <p:nvSpPr>
-          <p:cNvPr id="5" name="TextBox 4">
-            <a:extLst>
-              <a:ext uri="{FF2B5EF4-FFF2-40B4-BE49-F238E27FC236}">
-                <a16:creationId xmlns:a16="http://schemas.microsoft.com/office/drawing/2014/main" id="{AD6194BC-5D5C-43A5-B6B1-2D38F5362C1E}"/>
-              </a:ext>
-            </a:extLst>
-          </p:cNvPr>
-          <p:cNvSpPr txBox="1"/>
-          <p:nvPr/>
-        </p:nvSpPr>
-        <p:spPr>
-          <a:xfrm>
-            <a:off x="457200" y="4267200"/>
-            <a:ext cx="8229600" cy="1015663"/>
-          </a:xfrm>
-          <a:prstGeom prst="rect">
-            <a:avLst/>
-          </a:prstGeom>
-          <a:noFill/>
-        </p:spPr>
-        <p:txBody>
-          <a:bodyPr wrap="square" rtlCol="0">
-            <a:spAutoFit/>
-          </a:bodyPr>
-          <a:lstStyle/>
-          <a:p>
-            <a:r>
-              <a:rPr lang="en-US" sz="1200" dirty="0">
-                <a:latin typeface="Courier New" panose="02070309020205020404" pitchFamily="49" charset="0"/>
-                <a:cs typeface="Courier New" panose="02070309020205020404" pitchFamily="49" charset="0"/>
-              </a:rPr>
-              <a:t>library(MASS)</a:t>
-            </a:r>
-          </a:p>
-          <a:p>
-            <a:r>
-              <a:rPr lang="en-US" sz="1200" dirty="0" err="1">
-                <a:latin typeface="Courier New" panose="02070309020205020404" pitchFamily="49" charset="0"/>
-                <a:cs typeface="Courier New" panose="02070309020205020404" pitchFamily="49" charset="0"/>
-              </a:rPr>
-              <a:t>loglm</a:t>
-            </a:r>
-            <a:r>
-              <a:rPr lang="en-US" sz="1200" dirty="0">
-                <a:latin typeface="Courier New" panose="02070309020205020404" pitchFamily="49" charset="0"/>
-                <a:cs typeface="Courier New" panose="02070309020205020404" pitchFamily="49" charset="0"/>
-              </a:rPr>
-              <a:t>(~ Admit + Dept + Gender, data=</a:t>
-            </a:r>
-            <a:r>
-              <a:rPr lang="en-US" sz="1200" dirty="0" err="1">
-                <a:latin typeface="Courier New" panose="02070309020205020404" pitchFamily="49" charset="0"/>
-                <a:cs typeface="Courier New" panose="02070309020205020404" pitchFamily="49" charset="0"/>
-              </a:rPr>
-              <a:t>UCBAdmissions</a:t>
-            </a:r>
-            <a:r>
-              <a:rPr lang="en-US" sz="1200" dirty="0">
-                <a:latin typeface="Courier New" panose="02070309020205020404" pitchFamily="49" charset="0"/>
-                <a:cs typeface="Courier New" panose="02070309020205020404" pitchFamily="49" charset="0"/>
-              </a:rPr>
-              <a:t>)      # mutual independence</a:t>
-            </a:r>
-          </a:p>
-          <a:p>
-            <a:r>
-              <a:rPr lang="en-US" sz="1200" dirty="0" err="1">
-                <a:latin typeface="Courier New" panose="02070309020205020404" pitchFamily="49" charset="0"/>
-                <a:cs typeface="Courier New" panose="02070309020205020404" pitchFamily="49" charset="0"/>
-              </a:rPr>
-              <a:t>loglm</a:t>
-            </a:r>
-            <a:r>
-              <a:rPr lang="en-US" sz="1200" dirty="0">
-                <a:latin typeface="Courier New" panose="02070309020205020404" pitchFamily="49" charset="0"/>
-                <a:cs typeface="Courier New" panose="02070309020205020404" pitchFamily="49" charset="0"/>
-              </a:rPr>
-              <a:t>(~ Admit + Dept * Gender, data=</a:t>
-            </a:r>
-            <a:r>
-              <a:rPr lang="en-US" sz="1200" dirty="0" err="1">
-                <a:latin typeface="Courier New" panose="02070309020205020404" pitchFamily="49" charset="0"/>
-                <a:cs typeface="Courier New" panose="02070309020205020404" pitchFamily="49" charset="0"/>
-              </a:rPr>
-              <a:t>UCBAdmissions</a:t>
-            </a:r>
-            <a:r>
-              <a:rPr lang="en-US" sz="1200" dirty="0">
-                <a:latin typeface="Courier New" panose="02070309020205020404" pitchFamily="49" charset="0"/>
-                <a:cs typeface="Courier New" panose="02070309020205020404" pitchFamily="49" charset="0"/>
-              </a:rPr>
-              <a:t>)      # joint independence</a:t>
-            </a:r>
-          </a:p>
-          <a:p>
-            <a:r>
-              <a:rPr lang="en-US" sz="1200" dirty="0" err="1">
-                <a:latin typeface="Courier New" panose="02070309020205020404" pitchFamily="49" charset="0"/>
-                <a:cs typeface="Courier New" panose="02070309020205020404" pitchFamily="49" charset="0"/>
-              </a:rPr>
-              <a:t>loglm</a:t>
-            </a:r>
-            <a:r>
-              <a:rPr lang="en-US" sz="1200" dirty="0">
-                <a:latin typeface="Courier New" panose="02070309020205020404" pitchFamily="49" charset="0"/>
-                <a:cs typeface="Courier New" panose="02070309020205020404" pitchFamily="49" charset="0"/>
-              </a:rPr>
-              <a:t>(~ Dept * (Admit + Gender), data=</a:t>
-            </a:r>
-            <a:r>
-              <a:rPr lang="en-US" sz="1200" dirty="0" err="1">
-                <a:latin typeface="Courier New" panose="02070309020205020404" pitchFamily="49" charset="0"/>
-                <a:cs typeface="Courier New" panose="02070309020205020404" pitchFamily="49" charset="0"/>
-              </a:rPr>
-              <a:t>UCBAdmissions</a:t>
-            </a:r>
-            <a:r>
-              <a:rPr lang="en-US" sz="1200" dirty="0">
-                <a:latin typeface="Courier New" panose="02070309020205020404" pitchFamily="49" charset="0"/>
-                <a:cs typeface="Courier New" panose="02070309020205020404" pitchFamily="49" charset="0"/>
-              </a:rPr>
-              <a:t>)    # conditional independence</a:t>
-            </a:r>
-          </a:p>
-          <a:p>
-            <a:r>
-              <a:rPr lang="en-US" sz="1200" dirty="0" err="1">
-                <a:latin typeface="Courier New" panose="02070309020205020404" pitchFamily="49" charset="0"/>
-                <a:cs typeface="Courier New" panose="02070309020205020404" pitchFamily="49" charset="0"/>
-              </a:rPr>
-              <a:t>loglm</a:t>
-            </a:r>
-            <a:r>
-              <a:rPr lang="en-US" sz="1200" dirty="0">
-                <a:latin typeface="Courier New" panose="02070309020205020404" pitchFamily="49" charset="0"/>
-                <a:cs typeface="Courier New" panose="02070309020205020404" pitchFamily="49" charset="0"/>
-              </a:rPr>
-              <a:t>(~ (Admit + Gender + Dept )^2, data=</a:t>
-            </a:r>
-            <a:r>
-              <a:rPr lang="en-US" sz="1200" dirty="0" err="1">
-                <a:latin typeface="Courier New" panose="02070309020205020404" pitchFamily="49" charset="0"/>
-                <a:cs typeface="Courier New" panose="02070309020205020404" pitchFamily="49" charset="0"/>
-              </a:rPr>
-              <a:t>UCBAdmissions</a:t>
-            </a:r>
-            <a:r>
-              <a:rPr lang="en-US" sz="1200" dirty="0">
-                <a:latin typeface="Courier New" panose="02070309020205020404" pitchFamily="49" charset="0"/>
-                <a:cs typeface="Courier New" panose="02070309020205020404" pitchFamily="49" charset="0"/>
-              </a:rPr>
-              <a:t>) # all two-way, no three-way</a:t>
-            </a:r>
-          </a:p>
-        </p:txBody>
-      </p:sp>
-    </p:spTree>
-    <p:extLst>
-      <p:ext uri="{BB962C8B-B14F-4D97-AF65-F5344CB8AC3E}">
-        <p14:creationId xmlns:p14="http://schemas.microsoft.com/office/powerpoint/2010/main" val="3843966359"/>
-      </p:ext>
-    </p:extLst>
-  </p:cSld>
-  <p:clrMapOvr>
-    <a:masterClrMapping/>
-  </p:clrMapOvr>
-</p:sld>
-</file>
-
-<file path=ppt/slides/slide71.xml><?xml version="1.0" encoding="utf-8"?>
-<p:sld xmlns:a="http://schemas.openxmlformats.org/drawingml/2006/main" xmlns:r="http://schemas.openxmlformats.org/officeDocument/2006/relationships" xmlns:p="http://schemas.openxmlformats.org/presentationml/2006/main">
-  <p:cSld>
-    <p:spTree>
-      <p:nvGrpSpPr>
-        <p:cNvPr id="1" name=""/>
-        <p:cNvGrpSpPr/>
-        <p:nvPr/>
-      </p:nvGrpSpPr>
-      <p:grpSpPr>
-        <a:xfrm>
-          <a:off x="0" y="0"/>
-          <a:ext cx="0" cy="0"/>
-          <a:chOff x="0" y="0"/>
-          <a:chExt cx="0" cy="0"/>
-        </a:xfrm>
-      </p:grpSpPr>
-      <p:sp>
-        <p:nvSpPr>
-          <p:cNvPr id="2" name="Title 1">
-            <a:extLst>
-              <a:ext uri="{FF2B5EF4-FFF2-40B4-BE49-F238E27FC236}">
-                <a16:creationId xmlns:a16="http://schemas.microsoft.com/office/drawing/2014/main" id="{ED9049ED-0267-4764-BD0F-9FC56076BA55}"/>
-              </a:ext>
-            </a:extLst>
-          </p:cNvPr>
-          <p:cNvSpPr>
-            <a:spLocks noGrp="1"/>
-          </p:cNvSpPr>
-          <p:nvPr>
-            <p:ph type="title"/>
-          </p:nvPr>
-        </p:nvSpPr>
-        <p:spPr/>
-        <p:txBody>
-          <a:bodyPr>
-            <a:normAutofit fontScale="90000"/>
-          </a:bodyPr>
-          <a:lstStyle/>
-          <a:p>
-            <a:r>
-              <a:rPr lang="en-US" dirty="0"/>
-              <a:t>Looking ahead: Mosaic plots</a:t>
-            </a:r>
-          </a:p>
-        </p:txBody>
-      </p:sp>
-      <p:sp>
-        <p:nvSpPr>
-          <p:cNvPr id="5" name="Content Placeholder 4">
-            <a:extLst>
-              <a:ext uri="{FF2B5EF4-FFF2-40B4-BE49-F238E27FC236}">
-                <a16:creationId xmlns:a16="http://schemas.microsoft.com/office/drawing/2014/main" id="{B6B21B7D-22A3-4CA1-8F20-C65B317BF5FA}"/>
-              </a:ext>
-            </a:extLst>
-          </p:cNvPr>
-          <p:cNvSpPr>
-            <a:spLocks noGrp="1"/>
-          </p:cNvSpPr>
-          <p:nvPr>
-            <p:ph idx="1"/>
-          </p:nvPr>
-        </p:nvSpPr>
-        <p:spPr>
-          <a:xfrm>
-            <a:off x="457200" y="1143000"/>
-            <a:ext cx="8229600" cy="1752600"/>
-          </a:xfrm>
-        </p:spPr>
-        <p:txBody>
-          <a:bodyPr>
-            <a:normAutofit/>
-          </a:bodyPr>
-          <a:lstStyle/>
-          <a:p>
-            <a:pPr marL="0" indent="0">
-              <a:buNone/>
-            </a:pPr>
-            <a:r>
-              <a:rPr lang="en-US" sz="2200" dirty="0"/>
-              <a:t>Mosaic plots provide visualizations of associations in 2+ way tables</a:t>
-            </a:r>
-          </a:p>
-          <a:p>
-            <a:r>
-              <a:rPr lang="en-US" sz="1800" dirty="0"/>
-              <a:t>Tiles ~ frequency; conditioned by A, then B, then C, …</a:t>
-            </a:r>
-          </a:p>
-          <a:p>
-            <a:r>
-              <a:rPr lang="en-US" sz="1800" dirty="0"/>
-              <a:t>Fit: any loglinear model [A][B][C], [AB][C], [AB][AC], …, [ABC]</a:t>
-            </a:r>
-          </a:p>
-          <a:p>
-            <a:r>
-              <a:rPr lang="en-US" sz="1800" dirty="0"/>
-              <a:t>Shading: ~ residuals, contributions to </a:t>
-            </a:r>
-            <a:r>
-              <a:rPr lang="el-GR" sz="1800" dirty="0"/>
-              <a:t>χ</a:t>
-            </a:r>
-            <a:r>
-              <a:rPr lang="en-US" sz="1800" baseline="30000" dirty="0"/>
-              <a:t>2</a:t>
-            </a:r>
-          </a:p>
-          <a:p>
-            <a:r>
-              <a:rPr lang="en-US" sz="1800" dirty="0"/>
-              <a:t>Show: associations not accounted for by model</a:t>
-            </a:r>
-          </a:p>
-        </p:txBody>
-      </p:sp>
-      <p:sp>
-        <p:nvSpPr>
-          <p:cNvPr id="4" name="Slide Number Placeholder 3">
-            <a:extLst>
-              <a:ext uri="{FF2B5EF4-FFF2-40B4-BE49-F238E27FC236}">
-                <a16:creationId xmlns:a16="http://schemas.microsoft.com/office/drawing/2014/main" id="{D37B7B30-2A70-4936-BCCA-960ABCAE191D}"/>
-              </a:ext>
-            </a:extLst>
-          </p:cNvPr>
-          <p:cNvSpPr>
-            <a:spLocks noGrp="1"/>
-          </p:cNvSpPr>
-          <p:nvPr>
-            <p:ph type="sldNum" sz="quarter" idx="12"/>
-          </p:nvPr>
-        </p:nvSpPr>
-        <p:spPr/>
-        <p:txBody>
-          <a:bodyPr/>
-          <a:lstStyle/>
-          <a:p>
-            <a:fld id="{621225AB-15B9-4C79-A121-04D1DC7E2307}" type="slidenum">
-              <a:rPr lang="en-US" smtClean="0"/>
-              <a:t>71</a:t>
             </a:fld>
             <a:endParaRPr lang="en-US"/>
           </a:p>
@@ -27368,7 +28763,7 @@
 </p:sld>
 </file>
 
-<file path=ppt/slides/slide72.xml><?xml version="1.0" encoding="utf-8"?>
+<file path=ppt/slides/slide71.xml><?xml version="1.0" encoding="utf-8"?>
 <p:sld xmlns:a="http://schemas.openxmlformats.org/drawingml/2006/main" xmlns:r="http://schemas.openxmlformats.org/officeDocument/2006/relationships" xmlns:p="http://schemas.openxmlformats.org/presentationml/2006/main">
   <p:cSld>
     <p:spTree>
@@ -27504,7 +28899,7 @@
           <a:p>
             <a:fld id="{621225AB-15B9-4C79-A121-04D1DC7E2307}" type="slidenum">
               <a:rPr lang="en-US" smtClean="0"/>
-              <a:t>72</a:t>
+              <a:t>71</a:t>
             </a:fld>
             <a:endParaRPr lang="en-US"/>
           </a:p>
@@ -27821,7 +29216,7 @@
 </p:sld>
 </file>
 
-<file path=ppt/slides/slide73.xml><?xml version="1.0" encoding="utf-8"?>
+<file path=ppt/slides/slide72.xml><?xml version="1.0" encoding="utf-8"?>
 <p:sld xmlns:a="http://schemas.openxmlformats.org/drawingml/2006/main" xmlns:r="http://schemas.openxmlformats.org/officeDocument/2006/relationships" xmlns:p="http://schemas.openxmlformats.org/presentationml/2006/main">
   <p:cSld>
     <p:spTree>
@@ -28004,7 +29399,7 @@
           <a:p>
             <a:fld id="{621225AB-15B9-4C79-A121-04D1DC7E2307}" type="slidenum">
               <a:rPr lang="en-US" smtClean="0"/>
-              <a:t>73</a:t>
+              <a:t>72</a:t>
             </a:fld>
             <a:endParaRPr lang="en-US"/>
           </a:p>

--- a/docs/lectures/03-Twoway1.pptx
+++ b/docs/lectures/03-Twoway1.pptx
@@ -5,10 +5,10 @@
     <p:sldMasterId id="2147483660" r:id="rId1"/>
   </p:sldMasterIdLst>
   <p:notesMasterIdLst>
-    <p:notesMasterId r:id="rId74"/>
+    <p:notesMasterId r:id="rId75"/>
   </p:notesMasterIdLst>
   <p:handoutMasterIdLst>
-    <p:handoutMasterId r:id="rId75"/>
+    <p:handoutMasterId r:id="rId76"/>
   </p:handoutMasterIdLst>
   <p:sldIdLst>
     <p:sldId id="256" r:id="rId2"/>
@@ -78,11 +78,12 @@
     <p:sldId id="352" r:id="rId66"/>
     <p:sldId id="353" r:id="rId67"/>
     <p:sldId id="354" r:id="rId68"/>
-    <p:sldId id="356" r:id="rId69"/>
-    <p:sldId id="357" r:id="rId70"/>
-    <p:sldId id="358" r:id="rId71"/>
-    <p:sldId id="359" r:id="rId72"/>
-    <p:sldId id="360" r:id="rId73"/>
+    <p:sldId id="359" r:id="rId69"/>
+    <p:sldId id="364" r:id="rId70"/>
+    <p:sldId id="356" r:id="rId71"/>
+    <p:sldId id="357" r:id="rId72"/>
+    <p:sldId id="358" r:id="rId73"/>
+    <p:sldId id="360" r:id="rId74"/>
   </p:sldIdLst>
   <p:sldSz cx="9144000" cy="6858000" type="screen4x3"/>
   <p:notesSz cx="6858000" cy="9144000"/>
@@ -285,10 +286,11 @@
         </p14:section>
         <p14:section name="Looking ahead" id="{EC73E7FA-94E3-46D7-8ADB-2F571EF86FB8}">
           <p14:sldIdLst>
+            <p14:sldId id="359"/>
+            <p14:sldId id="364"/>
             <p14:sldId id="356"/>
             <p14:sldId id="357"/>
             <p14:sldId id="358"/>
-            <p14:sldId id="359"/>
             <p14:sldId id="360"/>
           </p14:sldIdLst>
         </p14:section>
@@ -408,7 +410,7 @@
           <a:p>
             <a:fld id="{08BD4FA9-F3CE-45B3-A980-C331C6F1EF65}" type="datetimeFigureOut">
               <a:rPr lang="en-US" smtClean="0"/>
-              <a:t>12/24/2022</a:t>
+              <a:t>12/30/2022</a:t>
             </a:fld>
             <a:endParaRPr lang="en-US"/>
           </a:p>
@@ -573,7 +575,7 @@
           <a:p>
             <a:fld id="{B1271872-C532-4BFE-903F-C7072979174B}" type="datetimeFigureOut">
               <a:rPr lang="en-US" smtClean="0"/>
-              <a:t>12/24/2022</a:t>
+              <a:t>12/30/2022</a:t>
             </a:fld>
             <a:endParaRPr lang="en-US"/>
           </a:p>
@@ -1114,7 +1116,7 @@
           <a:p>
             <a:fld id="{EAAD3657-2200-4D14-82C0-10C39B0F0F06}" type="datetime1">
               <a:rPr lang="en-US" smtClean="0"/>
-              <a:t>12/24/2022</a:t>
+              <a:t>12/30/2022</a:t>
             </a:fld>
             <a:endParaRPr lang="en-US"/>
           </a:p>
@@ -1282,7 +1284,7 @@
           <a:p>
             <a:fld id="{11BBAF55-A85E-4993-914E-FC1E5AA7DF24}" type="datetime1">
               <a:rPr lang="en-US" smtClean="0"/>
-              <a:t>12/24/2022</a:t>
+              <a:t>12/30/2022</a:t>
             </a:fld>
             <a:endParaRPr lang="en-US"/>
           </a:p>
@@ -1460,7 +1462,7 @@
           <a:p>
             <a:fld id="{39816E07-E1DB-44A4-A5E5-9F4B54E8C933}" type="datetime1">
               <a:rPr lang="en-US" smtClean="0"/>
-              <a:t>12/24/2022</a:t>
+              <a:t>12/30/2022</a:t>
             </a:fld>
             <a:endParaRPr lang="en-US"/>
           </a:p>
@@ -1645,7 +1647,7 @@
           <a:p>
             <a:fld id="{C2B1AD17-B813-4477-8AFE-B1860CC59113}" type="datetime1">
               <a:rPr lang="en-US" smtClean="0"/>
-              <a:t>12/24/2022</a:t>
+              <a:t>12/30/2022</a:t>
             </a:fld>
             <a:endParaRPr lang="en-US"/>
           </a:p>
@@ -1890,7 +1892,7 @@
           <a:p>
             <a:fld id="{D0975C0D-5C9E-48CC-8D31-F42D19FA8F7A}" type="datetime1">
               <a:rPr lang="en-US" smtClean="0"/>
-              <a:t>12/24/2022</a:t>
+              <a:t>12/30/2022</a:t>
             </a:fld>
             <a:endParaRPr lang="en-US"/>
           </a:p>
@@ -2175,7 +2177,7 @@
           <a:p>
             <a:fld id="{28657551-0F2B-4F09-86FD-F7994CE83DC5}" type="datetime1">
               <a:rPr lang="en-US" smtClean="0"/>
-              <a:t>12/24/2022</a:t>
+              <a:t>12/30/2022</a:t>
             </a:fld>
             <a:endParaRPr lang="en-US"/>
           </a:p>
@@ -2594,7 +2596,7 @@
           <a:p>
             <a:fld id="{3929D2B2-4200-46B9-96C3-02A55D5FAA00}" type="datetime1">
               <a:rPr lang="en-US" smtClean="0"/>
-              <a:t>12/24/2022</a:t>
+              <a:t>12/30/2022</a:t>
             </a:fld>
             <a:endParaRPr lang="en-US"/>
           </a:p>
@@ -2711,7 +2713,7 @@
           <a:p>
             <a:fld id="{41FF7722-74E8-497F-A072-89677A2C2373}" type="datetime1">
               <a:rPr lang="en-US" smtClean="0"/>
-              <a:t>12/24/2022</a:t>
+              <a:t>12/30/2022</a:t>
             </a:fld>
             <a:endParaRPr lang="en-US"/>
           </a:p>
@@ -2806,7 +2808,7 @@
           <a:p>
             <a:fld id="{BD26212E-B46B-426F-AE59-AA326827D9E0}" type="datetime1">
               <a:rPr lang="en-US" smtClean="0"/>
-              <a:t>12/24/2022</a:t>
+              <a:t>12/30/2022</a:t>
             </a:fld>
             <a:endParaRPr lang="en-US"/>
           </a:p>
@@ -3081,7 +3083,7 @@
           <a:p>
             <a:fld id="{FB9B81E8-09EA-4684-A39F-38DE1E49D20C}" type="datetime1">
               <a:rPr lang="en-US" smtClean="0"/>
-              <a:t>12/24/2022</a:t>
+              <a:t>12/30/2022</a:t>
             </a:fld>
             <a:endParaRPr lang="en-US"/>
           </a:p>
@@ -3333,7 +3335,7 @@
           <a:p>
             <a:fld id="{35C5CC5F-056C-4047-9A5C-9F5B4BED129B}" type="datetime1">
               <a:rPr lang="en-US" smtClean="0"/>
-              <a:t>12/24/2022</a:t>
+              <a:t>12/30/2022</a:t>
             </a:fld>
             <a:endParaRPr lang="en-US"/>
           </a:p>
@@ -3547,7 +3549,7 @@
           <a:p>
             <a:fld id="{E8171053-07BD-4A17-AC24-0A22EAA36098}" type="datetime1">
               <a:rPr lang="en-US" smtClean="0"/>
-              <a:t>12/24/2022</a:t>
+              <a:t>12/30/2022</a:t>
             </a:fld>
             <a:endParaRPr lang="en-US"/>
           </a:p>
@@ -4804,7 +4806,7 @@
               <a:t>The data is contained in </a:t>
             </a:r>
             <a:r>
-              <a:rPr lang="en-US" dirty="0" err="1">
+              <a:rPr lang="en-US" b="1" dirty="0" err="1">
                 <a:solidFill>
                   <a:schemeClr val="accent2">
                     <a:lumMod val="75000"/>
@@ -4816,7 +4818,7 @@
               <a:t>vcdExtra</a:t>
             </a:r>
             <a:r>
-              <a:rPr lang="en-US" dirty="0">
+              <a:rPr lang="en-US" b="1" dirty="0">
                 <a:solidFill>
                   <a:schemeClr val="accent2">
                     <a:lumMod val="75000"/>
@@ -6581,13 +6583,13 @@
   <p:clrMapOvr>
     <a:masterClrMapping/>
   </p:clrMapOvr>
-  <mc:AlternateContent xmlns:mc="http://schemas.openxmlformats.org/markup-compatibility/2006">
-    <mc:Choice xmlns:p14="http://schemas.microsoft.com/office/powerpoint/2010/main" Requires="p14">
+  <mc:AlternateContent xmlns:mc="http://schemas.openxmlformats.org/markup-compatibility/2006" xmlns:p14="http://schemas.microsoft.com/office/powerpoint/2010/main">
+    <mc:Choice Requires="p14">
       <p:transition spd="slow" p14:dur="1300">
         <p14:pan dir="u"/>
       </p:transition>
     </mc:Choice>
-    <mc:Fallback>
+    <mc:Fallback xmlns="">
       <p:transition spd="slow">
         <p:fade/>
       </p:transition>
@@ -9315,12 +9317,12 @@
           <a:graphicData uri="http://schemas.openxmlformats.org/presentationml/2006/ole">
             <mc:AlternateContent xmlns:mc="http://schemas.openxmlformats.org/markup-compatibility/2006">
               <mc:Choice xmlns:v="urn:schemas-microsoft-com:vml" Requires="v">
-                <p:oleObj spid="_x0000_s1030" name="Equation" r:id="rId3" imgW="2082600" imgH="482400" progId="Equation.DSMT4">
+                <p:oleObj name="Equation" r:id="rId2" imgW="2082600" imgH="482400" progId="Equation.DSMT4">
                   <p:embed/>
                 </p:oleObj>
               </mc:Choice>
               <mc:Fallback>
-                <p:oleObj name="Equation" r:id="rId3" imgW="2082600" imgH="482400" progId="Equation.DSMT4">
+                <p:oleObj name="Equation" r:id="rId2" imgW="2082600" imgH="482400" progId="Equation.DSMT4">
                   <p:embed/>
                   <p:pic>
                     <p:nvPicPr>
@@ -9329,7 +9331,7 @@
                       <p:nvPr/>
                     </p:nvPicPr>
                     <p:blipFill>
-                      <a:blip r:embed="rId4"/>
+                      <a:blip r:embed="rId3"/>
                       <a:stretch>
                         <a:fillRect/>
                       </a:stretch>
@@ -10476,13 +10478,13 @@
   <p:clrMapOvr>
     <a:masterClrMapping/>
   </p:clrMapOvr>
-  <mc:AlternateContent xmlns:mc="http://schemas.openxmlformats.org/markup-compatibility/2006">
-    <mc:Choice xmlns:p14="http://schemas.microsoft.com/office/powerpoint/2010/main" Requires="p14">
+  <mc:AlternateContent xmlns:mc="http://schemas.openxmlformats.org/markup-compatibility/2006" xmlns:p14="http://schemas.microsoft.com/office/powerpoint/2010/main">
+    <mc:Choice Requires="p14">
       <p:transition spd="slow" p14:dur="2000">
         <p14:prism isContent="1"/>
       </p:transition>
     </mc:Choice>
-    <mc:Fallback>
+    <mc:Fallback xmlns="">
       <p:transition spd="slow">
         <p:fade/>
       </p:transition>
@@ -11029,7 +11031,7 @@
         </p:blipFill>
         <p:spPr>
           <a:xfrm>
-            <a:off x="496324" y="4181152"/>
+            <a:off x="496324" y="4191000"/>
             <a:ext cx="8190476" cy="1733333"/>
           </a:xfrm>
           <a:prstGeom prst="rect">
@@ -11216,7 +11218,7 @@
           <p:nvPr/>
         </p:nvPicPr>
         <p:blipFill>
-          <a:blip r:embed="rId3"/>
+          <a:blip r:embed="rId2"/>
           <a:stretch>
             <a:fillRect/>
           </a:stretch>
@@ -11259,12 +11261,12 @@
           <a:graphicData uri="http://schemas.openxmlformats.org/presentationml/2006/ole">
             <mc:AlternateContent xmlns:mc="http://schemas.openxmlformats.org/markup-compatibility/2006">
               <mc:Choice xmlns:v="urn:schemas-microsoft-com:vml" Requires="v">
-                <p:oleObj spid="_x0000_s2054" name="Equation" r:id="rId4" imgW="1320480" imgH="304560" progId="Equation.DSMT4">
+                <p:oleObj name="Equation" r:id="rId3" imgW="1320480" imgH="304560" progId="Equation.DSMT4">
                   <p:embed/>
                 </p:oleObj>
               </mc:Choice>
               <mc:Fallback>
-                <p:oleObj name="Equation" r:id="rId4" imgW="1320480" imgH="304560" progId="Equation.DSMT4">
+                <p:oleObj name="Equation" r:id="rId3" imgW="1320480" imgH="304560" progId="Equation.DSMT4">
                   <p:embed/>
                   <p:pic>
                     <p:nvPicPr>
@@ -11273,7 +11275,7 @@
                       <p:nvPr/>
                     </p:nvPicPr>
                     <p:blipFill>
-                      <a:blip r:embed="rId5"/>
+                      <a:blip r:embed="rId4"/>
                       <a:stretch>
                         <a:fillRect/>
                       </a:stretch>
@@ -12382,13 +12384,13 @@
   <p:clrMapOvr>
     <a:masterClrMapping/>
   </p:clrMapOvr>
-  <mc:AlternateContent xmlns:mc="http://schemas.openxmlformats.org/markup-compatibility/2006">
-    <mc:Choice xmlns:p14="http://schemas.microsoft.com/office/powerpoint/2010/main" Requires="p14">
+  <mc:AlternateContent xmlns:mc="http://schemas.openxmlformats.org/markup-compatibility/2006" xmlns:p14="http://schemas.microsoft.com/office/powerpoint/2010/main">
+    <mc:Choice Requires="p14">
       <p:transition spd="slow" p14:dur="2000">
         <p14:prism isContent="1"/>
       </p:transition>
     </mc:Choice>
-    <mc:Fallback>
+    <mc:Fallback xmlns="">
       <p:transition spd="slow">
         <p:fade/>
       </p:transition>
@@ -26361,7 +26363,7 @@
           <p:cNvPr id="2" name="Title 1">
             <a:extLst>
               <a:ext uri="{FF2B5EF4-FFF2-40B4-BE49-F238E27FC236}">
-                <a16:creationId xmlns:a16="http://schemas.microsoft.com/office/drawing/2014/main" id="{D6992A09-D2F2-4F60-A6B0-438108E1AE74}"/>
+                <a16:creationId xmlns:a16="http://schemas.microsoft.com/office/drawing/2014/main" id="{EA32FE17-D1E6-4FBD-A142-7945520B5E52}"/>
               </a:ext>
             </a:extLst>
           </p:cNvPr>
@@ -26375,23 +26377,23 @@
         <p:spPr/>
         <p:txBody>
           <a:bodyPr>
-            <a:normAutofit fontScale="90000"/>
+            <a:normAutofit/>
           </a:bodyPr>
           <a:lstStyle/>
           <a:p>
             <a:r>
-              <a:rPr lang="en-US" dirty="0"/>
-              <a:t>Looking ahead: Models</a:t>
-            </a:r>
-          </a:p>
-        </p:txBody>
-      </p:sp>
-      <p:sp>
-        <p:nvSpPr>
-          <p:cNvPr id="5" name="Content Placeholder 4">
-            <a:extLst>
-              <a:ext uri="{FF2B5EF4-FFF2-40B4-BE49-F238E27FC236}">
-                <a16:creationId xmlns:a16="http://schemas.microsoft.com/office/drawing/2014/main" id="{0E7D642F-1B48-48C8-8009-C46D1BBF142F}"/>
+              <a:rPr lang="en-US" sz="3600" dirty="0"/>
+              <a:t>Looking ahead: Correspondence analysis</a:t>
+            </a:r>
+          </a:p>
+        </p:txBody>
+      </p:sp>
+      <p:sp>
+        <p:nvSpPr>
+          <p:cNvPr id="3" name="Content Placeholder 2">
+            <a:extLst>
+              <a:ext uri="{FF2B5EF4-FFF2-40B4-BE49-F238E27FC236}">
+                <a16:creationId xmlns:a16="http://schemas.microsoft.com/office/drawing/2014/main" id="{5746F07F-FBBD-4981-BC44-0FCF088F2474}"/>
               </a:ext>
             </a:extLst>
           </p:cNvPr>
@@ -26404,20 +26406,9 @@
         </p:nvSpPr>
         <p:spPr>
           <a:xfrm>
-            <a:off x="457200" y="1066800"/>
-            <a:ext cx="8229600" cy="5105400"/>
+            <a:off x="457200" y="1143000"/>
+            <a:ext cx="8229600" cy="1676400"/>
           </a:xfrm>
-          <a:pattFill prst="pct30">
-            <a:fgClr>
-              <a:schemeClr val="accent3">
-                <a:lumMod val="60000"/>
-                <a:lumOff val="40000"/>
-              </a:schemeClr>
-            </a:fgClr>
-            <a:bgClr>
-              <a:schemeClr val="bg1"/>
-            </a:bgClr>
-          </a:pattFill>
         </p:spPr>
         <p:txBody>
           <a:bodyPr/>
@@ -26427,34 +26418,14 @@
               <a:buNone/>
             </a:pPr>
             <a:r>
-              <a:rPr lang="en-US" dirty="0">
-                <a:highlight>
-                  <a:srgbClr val="FFFF00"/>
-                </a:highlight>
-              </a:rPr>
-              <a:t>Loglinear models [</a:t>
-            </a:r>
-            <a:r>
-              <a:rPr lang="en-US" dirty="0" err="1">
-                <a:highlight>
-                  <a:srgbClr val="FFFF00"/>
-                </a:highlight>
-              </a:rPr>
-              <a:t>loglm</a:t>
-            </a:r>
-            <a:r>
-              <a:rPr lang="en-US" dirty="0">
-                <a:highlight>
-                  <a:srgbClr val="FFFF00"/>
-                </a:highlight>
-              </a:rPr>
-              <a:t>()]</a:t>
+              <a:rPr lang="en-US" dirty="0"/>
+              <a:t>Like PCA for categorical data</a:t>
             </a:r>
           </a:p>
           <a:p>
             <a:r>
               <a:rPr lang="en-US" sz="2000" dirty="0"/>
-              <a:t>Generalize the Pearson </a:t>
+              <a:t>Account for max % of </a:t>
             </a:r>
             <a:r>
               <a:rPr lang="el-GR" sz="2000" dirty="0"/>
@@ -26466,172 +26437,29 @@
             </a:r>
             <a:r>
               <a:rPr lang="en-US" sz="2000" dirty="0"/>
-              <a:t> and LR G</a:t>
-            </a:r>
-            <a:r>
-              <a:rPr lang="en-US" sz="2000" baseline="30000" dirty="0"/>
-              <a:t>2</a:t>
-            </a:r>
+              <a:t> in few (2-3) dimensions</a:t>
+            </a:r>
+          </a:p>
+          <a:p>
             <a:r>
               <a:rPr lang="en-US" sz="2000" dirty="0"/>
-              <a:t> tests of association to 3-way and larger tables.</a:t>
+              <a:t>Finds scores for row and col categories</a:t>
             </a:r>
           </a:p>
           <a:p>
             <a:r>
               <a:rPr lang="en-US" sz="2000" dirty="0"/>
-              <a:t>Allows a range of models from </a:t>
-            </a:r>
-            <a:r>
-              <a:rPr lang="en-US" sz="2000" dirty="0">
-                <a:solidFill>
-                  <a:srgbClr val="0070C0"/>
-                </a:solidFill>
-              </a:rPr>
-              <a:t>mutual independence </a:t>
-            </a:r>
-            <a:r>
-              <a:rPr lang="en-US" sz="2000" dirty="0"/>
-              <a:t>([A] [B] [C]) to the </a:t>
-            </a:r>
-            <a:r>
-              <a:rPr lang="en-US" sz="2000" dirty="0">
-                <a:solidFill>
-                  <a:srgbClr val="0070C0"/>
-                </a:solidFill>
-              </a:rPr>
-              <a:t>saturated model </a:t>
-            </a:r>
-            <a:r>
-              <a:rPr lang="en-US" sz="2000" dirty="0"/>
-              <a:t>([ABC])</a:t>
-            </a:r>
-          </a:p>
-          <a:p>
-            <a:r>
-              <a:rPr lang="en-US" sz="2000" dirty="0"/>
-              <a:t>Intermediate models address questions of </a:t>
-            </a:r>
-            <a:r>
-              <a:rPr lang="en-US" sz="2000" dirty="0">
-                <a:solidFill>
-                  <a:srgbClr val="0070C0"/>
-                </a:solidFill>
-              </a:rPr>
-              <a:t>conditional</a:t>
-            </a:r>
-            <a:r>
-              <a:rPr lang="en-US" sz="2000" dirty="0"/>
-              <a:t> independence, controlling for some factors</a:t>
-            </a:r>
-          </a:p>
-          <a:p>
-            <a:r>
-              <a:rPr lang="en-US" sz="2000" dirty="0"/>
-              <a:t>Can test associations in 2-way, 3-way, … terms, analogously to tests of </a:t>
-            </a:r>
-            <a:r>
-              <a:rPr lang="en-US" sz="2000" dirty="0">
-                <a:solidFill>
-                  <a:srgbClr val="0070C0"/>
-                </a:solidFill>
-              </a:rPr>
-              <a:t>interactions</a:t>
-            </a:r>
-            <a:r>
-              <a:rPr lang="en-US" sz="2000" dirty="0"/>
-              <a:t> in ANOVA</a:t>
-            </a:r>
-          </a:p>
-          <a:p>
-            <a:pPr marL="0" indent="0">
-              <a:buNone/>
-            </a:pPr>
-            <a:r>
-              <a:rPr lang="en-US" dirty="0">
-                <a:highlight>
-                  <a:srgbClr val="FFFF00"/>
-                </a:highlight>
-              </a:rPr>
-              <a:t>Generalized linear models [</a:t>
-            </a:r>
-            <a:r>
-              <a:rPr lang="en-US" dirty="0" err="1">
-                <a:highlight>
-                  <a:srgbClr val="FFFF00"/>
-                </a:highlight>
-              </a:rPr>
-              <a:t>glm</a:t>
-            </a:r>
-            <a:r>
-              <a:rPr lang="en-US" dirty="0">
-                <a:highlight>
-                  <a:srgbClr val="FFFF00"/>
-                </a:highlight>
-              </a:rPr>
-              <a:t>()]</a:t>
-            </a:r>
-          </a:p>
-          <a:p>
-            <a:r>
-              <a:rPr lang="en-US" sz="2000" dirty="0"/>
-              <a:t>Similar to ordinary </a:t>
-            </a:r>
-            <a:r>
-              <a:rPr lang="en-US" sz="2000" dirty="0" err="1"/>
-              <a:t>lm</a:t>
-            </a:r>
-            <a:r>
-              <a:rPr lang="en-US" sz="2000" dirty="0"/>
-              <a:t>(), but w/ Poisson </a:t>
-            </a:r>
-            <a:r>
-              <a:rPr lang="en-US" sz="2000" dirty="0" err="1"/>
-              <a:t>dist</a:t>
-            </a:r>
-            <a:r>
-              <a:rPr lang="en-US" sz="2000" baseline="30000" dirty="0" err="1"/>
-              <a:t>n</a:t>
-            </a:r>
-            <a:r>
-              <a:rPr lang="en-US" sz="2000" dirty="0"/>
-              <a:t> of counts: family=“</a:t>
-            </a:r>
-            <a:r>
-              <a:rPr lang="en-US" sz="2000" dirty="0" err="1"/>
-              <a:t>poisson</a:t>
-            </a:r>
-            <a:r>
-              <a:rPr lang="en-US" sz="2000" dirty="0"/>
-              <a:t>”</a:t>
-            </a:r>
-          </a:p>
-          <a:p>
-            <a:r>
-              <a:rPr lang="en-US" sz="2000" dirty="0"/>
-              <a:t>Formula notation: Freq ~ A + B + C; Freq ~ (A + B + C)^2 </a:t>
-            </a:r>
-          </a:p>
-          <a:p>
-            <a:r>
-              <a:rPr lang="en-US" sz="2000" dirty="0"/>
-              <a:t>Familiar diagnostic methods &amp; plots (outliers, influence) </a:t>
-            </a:r>
-          </a:p>
-          <a:p>
-            <a:pPr marL="0" indent="0">
-              <a:buNone/>
-            </a:pPr>
-            <a:endParaRPr lang="en-US" dirty="0"/>
-          </a:p>
-        </p:txBody>
-      </p:sp>
-      <p:sp>
-        <p:nvSpPr>
-          <p:cNvPr id="3" name="Slide Number Placeholder 2">
-            <a:extLst>
-              <a:ext uri="{FF2B5EF4-FFF2-40B4-BE49-F238E27FC236}">
-                <a16:creationId xmlns:a16="http://schemas.microsoft.com/office/drawing/2014/main" id="{DE0CE8AF-A75F-4F79-B7DA-0EA295473162}"/>
+              <a:t>Plot of row/col scores shows associations</a:t>
+            </a:r>
+          </a:p>
+        </p:txBody>
+      </p:sp>
+      <p:sp>
+        <p:nvSpPr>
+          <p:cNvPr id="4" name="Slide Number Placeholder 3">
+            <a:extLst>
+              <a:ext uri="{FF2B5EF4-FFF2-40B4-BE49-F238E27FC236}">
+                <a16:creationId xmlns:a16="http://schemas.microsoft.com/office/drawing/2014/main" id="{908224BD-5CF6-4191-BF62-436459B1652C}"/>
               </a:ext>
             </a:extLst>
           </p:cNvPr>
@@ -26650,6 +26478,1102 @@
             <a:fld id="{621225AB-15B9-4C79-A121-04D1DC7E2307}" type="slidenum">
               <a:rPr lang="en-US" smtClean="0"/>
               <a:t>68</a:t>
+            </a:fld>
+            <a:endParaRPr lang="en-US"/>
+          </a:p>
+        </p:txBody>
+      </p:sp>
+      <p:sp>
+        <p:nvSpPr>
+          <p:cNvPr id="10" name="TextBox 9">
+            <a:extLst>
+              <a:ext uri="{FF2B5EF4-FFF2-40B4-BE49-F238E27FC236}">
+                <a16:creationId xmlns:a16="http://schemas.microsoft.com/office/drawing/2014/main" id="{E58E0708-E341-4A2A-8E48-A1D7108C2E80}"/>
+              </a:ext>
+            </a:extLst>
+          </p:cNvPr>
+          <p:cNvSpPr txBox="1"/>
+          <p:nvPr/>
+        </p:nvSpPr>
+        <p:spPr>
+          <a:xfrm>
+            <a:off x="609600" y="3505200"/>
+            <a:ext cx="3200400" cy="923330"/>
+          </a:xfrm>
+          <a:prstGeom prst="rect">
+            <a:avLst/>
+          </a:prstGeom>
+          <a:noFill/>
+        </p:spPr>
+        <p:txBody>
+          <a:bodyPr wrap="square" rtlCol="0">
+            <a:spAutoFit/>
+          </a:bodyPr>
+          <a:lstStyle/>
+          <a:p>
+            <a:r>
+              <a:rPr lang="en-US" dirty="0"/>
+              <a:t>Dim 1: dark to light </a:t>
+            </a:r>
+          </a:p>
+          <a:p>
+            <a:r>
+              <a:rPr lang="en-US" dirty="0"/>
+              <a:t>Dim 2: something about red hair, green eyes?</a:t>
+            </a:r>
+          </a:p>
+        </p:txBody>
+      </p:sp>
+      <p:pic>
+        <p:nvPicPr>
+          <p:cNvPr id="11" name="Picture 10" descr="Chart, line chart, scatter chart&#10;&#10;Description automatically generated">
+            <a:extLst>
+              <a:ext uri="{FF2B5EF4-FFF2-40B4-BE49-F238E27FC236}">
+                <a16:creationId xmlns:a16="http://schemas.microsoft.com/office/drawing/2014/main" id="{E8532AEA-6C56-3FF3-E34A-3615E1E5040D}"/>
+              </a:ext>
+            </a:extLst>
+          </p:cNvPr>
+          <p:cNvPicPr>
+            <a:picLocks noChangeAspect="1"/>
+          </p:cNvPicPr>
+          <p:nvPr/>
+        </p:nvPicPr>
+        <p:blipFill>
+          <a:blip r:embed="rId2">
+            <a:extLst>
+              <a:ext uri="{28A0092B-C50C-407E-A947-70E740481C1C}">
+                <a14:useLocalDpi xmlns:a14="http://schemas.microsoft.com/office/drawing/2010/main" val="0"/>
+              </a:ext>
+            </a:extLst>
+          </a:blip>
+          <a:stretch>
+            <a:fillRect/>
+          </a:stretch>
+        </p:blipFill>
+        <p:spPr>
+          <a:xfrm>
+            <a:off x="3810000" y="3013061"/>
+            <a:ext cx="4642156" cy="3331271"/>
+          </a:xfrm>
+          <a:prstGeom prst="rect">
+            <a:avLst/>
+          </a:prstGeom>
+        </p:spPr>
+      </p:pic>
+    </p:spTree>
+    <p:extLst>
+      <p:ext uri="{BB962C8B-B14F-4D97-AF65-F5344CB8AC3E}">
+        <p14:creationId xmlns:p14="http://schemas.microsoft.com/office/powerpoint/2010/main" val="1064820914"/>
+      </p:ext>
+    </p:extLst>
+  </p:cSld>
+  <p:clrMapOvr>
+    <a:masterClrMapping/>
+  </p:clrMapOvr>
+</p:sld>
+</file>
+
+<file path=ppt/slides/slide69.xml><?xml version="1.0" encoding="utf-8"?>
+<p:sld xmlns:a="http://schemas.openxmlformats.org/drawingml/2006/main" xmlns:r="http://schemas.openxmlformats.org/officeDocument/2006/relationships" xmlns:p="http://schemas.openxmlformats.org/presentationml/2006/main">
+  <p:cSld>
+    <p:spTree>
+      <p:nvGrpSpPr>
+        <p:cNvPr id="1" name=""/>
+        <p:cNvGrpSpPr/>
+        <p:nvPr/>
+      </p:nvGrpSpPr>
+      <p:grpSpPr>
+        <a:xfrm>
+          <a:off x="0" y="0"/>
+          <a:ext cx="0" cy="0"/>
+          <a:chOff x="0" y="0"/>
+          <a:chExt cx="0" cy="0"/>
+        </a:xfrm>
+      </p:grpSpPr>
+      <p:sp>
+        <p:nvSpPr>
+          <p:cNvPr id="2" name="Title 1">
+            <a:extLst>
+              <a:ext uri="{FF2B5EF4-FFF2-40B4-BE49-F238E27FC236}">
+                <a16:creationId xmlns:a16="http://schemas.microsoft.com/office/drawing/2014/main" id="{89ED0CDB-6C71-6B12-7559-F0F73928A6F0}"/>
+              </a:ext>
+            </a:extLst>
+          </p:cNvPr>
+          <p:cNvSpPr>
+            <a:spLocks noGrp="1"/>
+          </p:cNvSpPr>
+          <p:nvPr>
+            <p:ph type="title"/>
+          </p:nvPr>
+        </p:nvSpPr>
+        <p:spPr/>
+        <p:txBody>
+          <a:bodyPr>
+            <a:normAutofit/>
+          </a:bodyPr>
+          <a:lstStyle/>
+          <a:p>
+            <a:r>
+              <a:rPr lang="en-CA" sz="3600" dirty="0"/>
+              <a:t>Looking ahead: Correspondence analysis</a:t>
+            </a:r>
+          </a:p>
+        </p:txBody>
+      </p:sp>
+      <p:sp>
+        <p:nvSpPr>
+          <p:cNvPr id="4" name="Slide Number Placeholder 3">
+            <a:extLst>
+              <a:ext uri="{FF2B5EF4-FFF2-40B4-BE49-F238E27FC236}">
+                <a16:creationId xmlns:a16="http://schemas.microsoft.com/office/drawing/2014/main" id="{62C945A2-A6A2-2E9E-7558-FA4F58199B46}"/>
+              </a:ext>
+            </a:extLst>
+          </p:cNvPr>
+          <p:cNvSpPr>
+            <a:spLocks noGrp="1"/>
+          </p:cNvSpPr>
+          <p:nvPr>
+            <p:ph type="sldNum" sz="quarter" idx="12"/>
+          </p:nvPr>
+        </p:nvSpPr>
+        <p:spPr/>
+        <p:txBody>
+          <a:bodyPr/>
+          <a:lstStyle/>
+          <a:p>
+            <a:fld id="{621225AB-15B9-4C79-A121-04D1DC7E2307}" type="slidenum">
+              <a:rPr lang="en-US" smtClean="0"/>
+              <a:t>69</a:t>
+            </a:fld>
+            <a:endParaRPr lang="en-US"/>
+          </a:p>
+        </p:txBody>
+      </p:sp>
+      <p:grpSp>
+        <p:nvGrpSpPr>
+          <p:cNvPr id="11" name="Group 10">
+            <a:extLst>
+              <a:ext uri="{FF2B5EF4-FFF2-40B4-BE49-F238E27FC236}">
+                <a16:creationId xmlns:a16="http://schemas.microsoft.com/office/drawing/2014/main" id="{626036CF-0CFE-9807-4CF9-823F70E089B1}"/>
+              </a:ext>
+            </a:extLst>
+          </p:cNvPr>
+          <p:cNvGrpSpPr/>
+          <p:nvPr/>
+        </p:nvGrpSpPr>
+        <p:grpSpPr>
+          <a:xfrm>
+            <a:off x="4708991" y="2806754"/>
+            <a:ext cx="3970411" cy="2908246"/>
+            <a:chOff x="4748940" y="2819400"/>
+            <a:chExt cx="3970411" cy="2908246"/>
+          </a:xfrm>
+        </p:grpSpPr>
+        <p:pic>
+          <p:nvPicPr>
+            <p:cNvPr id="6" name="Picture 5">
+              <a:extLst>
+                <a:ext uri="{FF2B5EF4-FFF2-40B4-BE49-F238E27FC236}">
+                  <a16:creationId xmlns:a16="http://schemas.microsoft.com/office/drawing/2014/main" id="{4C383177-4BC9-3878-92BE-4DC0ACF23C0D}"/>
+                </a:ext>
+              </a:extLst>
+            </p:cNvPr>
+            <p:cNvPicPr>
+              <a:picLocks noChangeAspect="1"/>
+            </p:cNvPicPr>
+            <p:nvPr/>
+          </p:nvPicPr>
+          <p:blipFill>
+            <a:blip r:embed="rId2"/>
+            <a:stretch>
+              <a:fillRect/>
+            </a:stretch>
+          </p:blipFill>
+          <p:spPr>
+            <a:xfrm>
+              <a:off x="4748940" y="3124200"/>
+              <a:ext cx="3970411" cy="2603446"/>
+            </a:xfrm>
+            <a:prstGeom prst="rect">
+              <a:avLst/>
+            </a:prstGeom>
+          </p:spPr>
+        </p:pic>
+        <p:sp>
+          <p:nvSpPr>
+            <p:cNvPr id="9" name="TextBox 8">
+              <a:extLst>
+                <a:ext uri="{FF2B5EF4-FFF2-40B4-BE49-F238E27FC236}">
+                  <a16:creationId xmlns:a16="http://schemas.microsoft.com/office/drawing/2014/main" id="{1284A486-EA8F-DDBE-F6C7-C310D4BDC7F4}"/>
+                </a:ext>
+              </a:extLst>
+            </p:cNvPr>
+            <p:cNvSpPr txBox="1"/>
+            <p:nvPr/>
+          </p:nvSpPr>
+          <p:spPr>
+            <a:xfrm>
+              <a:off x="5181600" y="2819400"/>
+              <a:ext cx="2133600" cy="338554"/>
+            </a:xfrm>
+            <a:prstGeom prst="rect">
+              <a:avLst/>
+            </a:prstGeom>
+            <a:noFill/>
+          </p:spPr>
+          <p:txBody>
+            <a:bodyPr wrap="square" rtlCol="0">
+              <a:spAutoFit/>
+            </a:bodyPr>
+            <a:lstStyle/>
+            <a:p>
+              <a:r>
+                <a:rPr lang="en-CA" sz="1600" dirty="0" err="1"/>
+                <a:t>UCBadmissions</a:t>
+              </a:r>
+              <a:r>
+                <a:rPr lang="en-CA" sz="1600" dirty="0"/>
+                <a:t>  data</a:t>
+              </a:r>
+            </a:p>
+          </p:txBody>
+        </p:sp>
+      </p:grpSp>
+      <p:sp>
+        <p:nvSpPr>
+          <p:cNvPr id="12" name="TextBox 11">
+            <a:extLst>
+              <a:ext uri="{FF2B5EF4-FFF2-40B4-BE49-F238E27FC236}">
+                <a16:creationId xmlns:a16="http://schemas.microsoft.com/office/drawing/2014/main" id="{20E9B5CB-04D5-CD8C-8D4C-E5EAF235E733}"/>
+              </a:ext>
+            </a:extLst>
+          </p:cNvPr>
+          <p:cNvSpPr txBox="1"/>
+          <p:nvPr/>
+        </p:nvSpPr>
+        <p:spPr>
+          <a:xfrm>
+            <a:off x="457200" y="1143000"/>
+            <a:ext cx="8229600" cy="1015663"/>
+          </a:xfrm>
+          <a:prstGeom prst="rect">
+            <a:avLst/>
+          </a:prstGeom>
+          <a:noFill/>
+        </p:spPr>
+        <p:txBody>
+          <a:bodyPr wrap="square" rtlCol="0">
+            <a:spAutoFit/>
+          </a:bodyPr>
+          <a:lstStyle/>
+          <a:p>
+            <a:r>
+              <a:rPr lang="en-CA" sz="2400" dirty="0"/>
+              <a:t>Multiple correspondence analysis  extends this to 3+ way tables</a:t>
+            </a:r>
+          </a:p>
+          <a:p>
+            <a:pPr marL="342900" indent="-342900">
+              <a:buFont typeface="Arial" panose="020B0604020202020204" pitchFamily="34" charset="0"/>
+              <a:buChar char="•"/>
+            </a:pPr>
+            <a:r>
+              <a:rPr lang="en-CA" dirty="0"/>
+              <a:t>Analyses </a:t>
+            </a:r>
+            <a:r>
+              <a:rPr lang="en-CA" dirty="0">
+                <a:solidFill>
+                  <a:srgbClr val="0070C0"/>
+                </a:solidFill>
+              </a:rPr>
+              <a:t>all two-way </a:t>
+            </a:r>
+            <a:r>
+              <a:rPr lang="en-CA" dirty="0"/>
+              <a:t>associations together</a:t>
+            </a:r>
+          </a:p>
+          <a:p>
+            <a:pPr marL="342900" indent="-342900">
+              <a:buFont typeface="Arial" panose="020B0604020202020204" pitchFamily="34" charset="0"/>
+              <a:buChar char="•"/>
+            </a:pPr>
+            <a:r>
+              <a:rPr lang="en-CA" dirty="0"/>
+              <a:t>Category points: nearness indicates positive associations </a:t>
+            </a:r>
+          </a:p>
+        </p:txBody>
+      </p:sp>
+      <p:sp>
+        <p:nvSpPr>
+          <p:cNvPr id="13" name="TextBox 12">
+            <a:extLst>
+              <a:ext uri="{FF2B5EF4-FFF2-40B4-BE49-F238E27FC236}">
+                <a16:creationId xmlns:a16="http://schemas.microsoft.com/office/drawing/2014/main" id="{DC70E576-F172-DDE2-D147-E75EFF8D96F4}"/>
+              </a:ext>
+            </a:extLst>
+          </p:cNvPr>
+          <p:cNvSpPr txBox="1"/>
+          <p:nvPr/>
+        </p:nvSpPr>
+        <p:spPr>
+          <a:xfrm>
+            <a:off x="609600" y="2971800"/>
+            <a:ext cx="3733800" cy="1477328"/>
+          </a:xfrm>
+          <a:prstGeom prst="rect">
+            <a:avLst/>
+          </a:prstGeom>
+          <a:noFill/>
+        </p:spPr>
+        <p:txBody>
+          <a:bodyPr wrap="square" rtlCol="0">
+            <a:spAutoFit/>
+          </a:bodyPr>
+          <a:lstStyle/>
+          <a:p>
+            <a:r>
+              <a:rPr lang="en-CA" dirty="0"/>
+              <a:t>Dim 1: Admission</a:t>
+            </a:r>
+          </a:p>
+          <a:p>
+            <a:r>
+              <a:rPr lang="en-CA" dirty="0"/>
+              <a:t>Dim 2: ??? (only 4%)</a:t>
+            </a:r>
+          </a:p>
+          <a:p>
+            <a:endParaRPr lang="en-CA" dirty="0"/>
+          </a:p>
+          <a:p>
+            <a:r>
+              <a:rPr lang="en-CA" dirty="0"/>
+              <a:t>The relations of Dept to Gender and Admit are easy to interpret</a:t>
+            </a:r>
+          </a:p>
+        </p:txBody>
+      </p:sp>
+    </p:spTree>
+    <p:extLst>
+      <p:ext uri="{BB962C8B-B14F-4D97-AF65-F5344CB8AC3E}">
+        <p14:creationId xmlns:p14="http://schemas.microsoft.com/office/powerpoint/2010/main" val="3046961793"/>
+      </p:ext>
+    </p:extLst>
+  </p:cSld>
+  <p:clrMapOvr>
+    <a:masterClrMapping/>
+  </p:clrMapOvr>
+  <p:timing>
+    <p:tnLst>
+      <p:par>
+        <p:cTn id="1" dur="indefinite" restart="never" nodeType="tmRoot">
+          <p:childTnLst>
+            <p:seq concurrent="1" nextAc="seek">
+              <p:cTn id="2" dur="indefinite" nodeType="mainSeq">
+                <p:childTnLst>
+                  <p:par>
+                    <p:cTn id="3" fill="hold">
+                      <p:stCondLst>
+                        <p:cond delay="indefinite"/>
+                        <p:cond evt="onBegin" delay="0">
+                          <p:tn val="2"/>
+                        </p:cond>
+                      </p:stCondLst>
+                      <p:childTnLst>
+                        <p:par>
+                          <p:cTn id="4" fill="hold">
+                            <p:stCondLst>
+                              <p:cond delay="0"/>
+                            </p:stCondLst>
+                            <p:childTnLst>
+                              <p:par>
+                                <p:cTn id="5" presetID="42" presetClass="entr" presetSubtype="0" fill="hold" nodeType="withEffect">
+                                  <p:stCondLst>
+                                    <p:cond delay="0"/>
+                                  </p:stCondLst>
+                                  <p:childTnLst>
+                                    <p:set>
+                                      <p:cBhvr>
+                                        <p:cTn id="6" dur="1" fill="hold">
+                                          <p:stCondLst>
+                                            <p:cond delay="0"/>
+                                          </p:stCondLst>
+                                        </p:cTn>
+                                        <p:tgtEl>
+                                          <p:spTgt spid="11"/>
+                                        </p:tgtEl>
+                                        <p:attrNameLst>
+                                          <p:attrName>style.visibility</p:attrName>
+                                        </p:attrNameLst>
+                                      </p:cBhvr>
+                                      <p:to>
+                                        <p:strVal val="visible"/>
+                                      </p:to>
+                                    </p:set>
+                                    <p:animEffect transition="in" filter="fade">
+                                      <p:cBhvr>
+                                        <p:cTn id="7" dur="1000"/>
+                                        <p:tgtEl>
+                                          <p:spTgt spid="11"/>
+                                        </p:tgtEl>
+                                      </p:cBhvr>
+                                    </p:animEffect>
+                                    <p:anim calcmode="lin" valueType="num">
+                                      <p:cBhvr>
+                                        <p:cTn id="8" dur="1000" fill="hold"/>
+                                        <p:tgtEl>
+                                          <p:spTgt spid="11"/>
+                                        </p:tgtEl>
+                                        <p:attrNameLst>
+                                          <p:attrName>ppt_x</p:attrName>
+                                        </p:attrNameLst>
+                                      </p:cBhvr>
+                                      <p:tavLst>
+                                        <p:tav tm="0">
+                                          <p:val>
+                                            <p:strVal val="#ppt_x"/>
+                                          </p:val>
+                                        </p:tav>
+                                        <p:tav tm="100000">
+                                          <p:val>
+                                            <p:strVal val="#ppt_x"/>
+                                          </p:val>
+                                        </p:tav>
+                                      </p:tavLst>
+                                    </p:anim>
+                                    <p:anim calcmode="lin" valueType="num">
+                                      <p:cBhvr>
+                                        <p:cTn id="9" dur="1000" fill="hold"/>
+                                        <p:tgtEl>
+                                          <p:spTgt spid="11"/>
+                                        </p:tgtEl>
+                                        <p:attrNameLst>
+                                          <p:attrName>ppt_y</p:attrName>
+                                        </p:attrNameLst>
+                                      </p:cBhvr>
+                                      <p:tavLst>
+                                        <p:tav tm="0">
+                                          <p:val>
+                                            <p:strVal val="#ppt_y+.1"/>
+                                          </p:val>
+                                        </p:tav>
+                                        <p:tav tm="100000">
+                                          <p:val>
+                                            <p:strVal val="#ppt_y"/>
+                                          </p:val>
+                                        </p:tav>
+                                      </p:tavLst>
+                                    </p:anim>
+                                  </p:childTnLst>
+                                </p:cTn>
+                              </p:par>
+                            </p:childTnLst>
+                          </p:cTn>
+                        </p:par>
+                      </p:childTnLst>
+                    </p:cTn>
+                  </p:par>
+                </p:childTnLst>
+              </p:cTn>
+              <p:prevCondLst>
+                <p:cond evt="onPrev" delay="0">
+                  <p:tgtEl>
+                    <p:sldTgt/>
+                  </p:tgtEl>
+                </p:cond>
+              </p:prevCondLst>
+              <p:nextCondLst>
+                <p:cond evt="onNext" delay="0">
+                  <p:tgtEl>
+                    <p:sldTgt/>
+                  </p:tgtEl>
+                </p:cond>
+              </p:nextCondLst>
+            </p:seq>
+          </p:childTnLst>
+        </p:cTn>
+      </p:par>
+    </p:tnLst>
+  </p:timing>
+</p:sld>
+</file>
+
+<file path=ppt/slides/slide7.xml><?xml version="1.0" encoding="utf-8"?>
+<p:sld xmlns:a="http://schemas.openxmlformats.org/drawingml/2006/main" xmlns:r="http://schemas.openxmlformats.org/officeDocument/2006/relationships" xmlns:p="http://schemas.openxmlformats.org/presentationml/2006/main">
+  <p:cSld>
+    <p:spTree>
+      <p:nvGrpSpPr>
+        <p:cNvPr id="1" name=""/>
+        <p:cNvGrpSpPr/>
+        <p:nvPr/>
+      </p:nvGrpSpPr>
+      <p:grpSpPr>
+        <a:xfrm>
+          <a:off x="0" y="0"/>
+          <a:ext cx="0" cy="0"/>
+          <a:chOff x="0" y="0"/>
+          <a:chExt cx="0" cy="0"/>
+        </a:xfrm>
+      </p:grpSpPr>
+      <p:sp>
+        <p:nvSpPr>
+          <p:cNvPr id="3" name="Title 2">
+            <a:extLst>
+              <a:ext uri="{FF2B5EF4-FFF2-40B4-BE49-F238E27FC236}">
+                <a16:creationId xmlns:a16="http://schemas.microsoft.com/office/drawing/2014/main" id="{F0AAC678-6008-431A-B023-2CD159304376}"/>
+              </a:ext>
+            </a:extLst>
+          </p:cNvPr>
+          <p:cNvSpPr>
+            <a:spLocks noGrp="1"/>
+          </p:cNvSpPr>
+          <p:nvPr>
+            <p:ph type="title"/>
+          </p:nvPr>
+        </p:nvSpPr>
+        <p:spPr/>
+        <p:txBody>
+          <a:bodyPr>
+            <a:normAutofit fontScale="90000"/>
+          </a:bodyPr>
+          <a:lstStyle/>
+          <a:p>
+            <a:r>
+              <a:rPr lang="en-US" dirty="0"/>
+              <a:t>r × c Example: Hair color, eye color</a:t>
+            </a:r>
+          </a:p>
+        </p:txBody>
+      </p:sp>
+      <p:sp>
+        <p:nvSpPr>
+          <p:cNvPr id="2" name="Slide Number Placeholder 1">
+            <a:extLst>
+              <a:ext uri="{FF2B5EF4-FFF2-40B4-BE49-F238E27FC236}">
+                <a16:creationId xmlns:a16="http://schemas.microsoft.com/office/drawing/2014/main" id="{E6BBE898-6D27-420F-8ECB-2625F72242E3}"/>
+              </a:ext>
+            </a:extLst>
+          </p:cNvPr>
+          <p:cNvSpPr>
+            <a:spLocks noGrp="1"/>
+          </p:cNvSpPr>
+          <p:nvPr>
+            <p:ph type="sldNum" sz="quarter" idx="12"/>
+          </p:nvPr>
+        </p:nvSpPr>
+        <p:spPr/>
+        <p:txBody>
+          <a:bodyPr/>
+          <a:lstStyle/>
+          <a:p>
+            <a:fld id="{621225AB-15B9-4C79-A121-04D1DC7E2307}" type="slidenum">
+              <a:rPr lang="en-US" smtClean="0"/>
+              <a:t>7</a:t>
+            </a:fld>
+            <a:endParaRPr lang="en-US"/>
+          </a:p>
+        </p:txBody>
+      </p:sp>
+      <p:pic>
+        <p:nvPicPr>
+          <p:cNvPr id="4" name="Picture 3">
+            <a:extLst>
+              <a:ext uri="{FF2B5EF4-FFF2-40B4-BE49-F238E27FC236}">
+                <a16:creationId xmlns:a16="http://schemas.microsoft.com/office/drawing/2014/main" id="{8A9852AF-A337-4BD0-B52B-4BAD8D5D8F7A}"/>
+              </a:ext>
+            </a:extLst>
+          </p:cNvPr>
+          <p:cNvPicPr>
+            <a:picLocks noChangeAspect="1"/>
+          </p:cNvPicPr>
+          <p:nvPr/>
+        </p:nvPicPr>
+        <p:blipFill>
+          <a:blip r:embed="rId2"/>
+          <a:stretch>
+            <a:fillRect/>
+          </a:stretch>
+        </p:blipFill>
+        <p:spPr>
+          <a:xfrm>
+            <a:off x="1752600" y="1613111"/>
+            <a:ext cx="5285714" cy="2504762"/>
+          </a:xfrm>
+          <a:prstGeom prst="rect">
+            <a:avLst/>
+          </a:prstGeom>
+        </p:spPr>
+      </p:pic>
+      <p:sp>
+        <p:nvSpPr>
+          <p:cNvPr id="5" name="TextBox 4">
+            <a:extLst>
+              <a:ext uri="{FF2B5EF4-FFF2-40B4-BE49-F238E27FC236}">
+                <a16:creationId xmlns:a16="http://schemas.microsoft.com/office/drawing/2014/main" id="{5528C1B0-23F0-4FA3-A81A-366D44A47494}"/>
+              </a:ext>
+            </a:extLst>
+          </p:cNvPr>
+          <p:cNvSpPr txBox="1"/>
+          <p:nvPr/>
+        </p:nvSpPr>
+        <p:spPr>
+          <a:xfrm>
+            <a:off x="457200" y="1143000"/>
+            <a:ext cx="8229600" cy="369332"/>
+          </a:xfrm>
+          <a:prstGeom prst="rect">
+            <a:avLst/>
+          </a:prstGeom>
+          <a:noFill/>
+        </p:spPr>
+        <p:txBody>
+          <a:bodyPr wrap="square" rtlCol="0">
+            <a:spAutoFit/>
+          </a:bodyPr>
+          <a:lstStyle/>
+          <a:p>
+            <a:r>
+              <a:rPr lang="en-US" dirty="0"/>
+              <a:t>Data from 592 students in a statistics class</a:t>
+            </a:r>
+          </a:p>
+        </p:txBody>
+      </p:sp>
+      <p:sp>
+        <p:nvSpPr>
+          <p:cNvPr id="6" name="TextBox 5">
+            <a:extLst>
+              <a:ext uri="{FF2B5EF4-FFF2-40B4-BE49-F238E27FC236}">
+                <a16:creationId xmlns:a16="http://schemas.microsoft.com/office/drawing/2014/main" id="{9FA47873-2952-4F48-BE13-7D61F40BD582}"/>
+              </a:ext>
+            </a:extLst>
+          </p:cNvPr>
+          <p:cNvSpPr txBox="1"/>
+          <p:nvPr/>
+        </p:nvSpPr>
+        <p:spPr>
+          <a:xfrm>
+            <a:off x="609600" y="4495800"/>
+            <a:ext cx="8077200" cy="1477328"/>
+          </a:xfrm>
+          <a:prstGeom prst="rect">
+            <a:avLst/>
+          </a:prstGeom>
+          <a:noFill/>
+        </p:spPr>
+        <p:txBody>
+          <a:bodyPr wrap="square" rtlCol="0">
+            <a:spAutoFit/>
+          </a:bodyPr>
+          <a:lstStyle/>
+          <a:p>
+            <a:pPr marL="285750" indent="-285750">
+              <a:buClr>
+                <a:srgbClr val="FF0000"/>
+              </a:buClr>
+              <a:buFont typeface="Wingdings" panose="05000000000000000000" pitchFamily="2" charset="2"/>
+              <a:buChar char="v"/>
+            </a:pPr>
+            <a:r>
+              <a:rPr lang="en-US" dirty="0"/>
+              <a:t>Is there an association between hair color and eye color?</a:t>
+            </a:r>
+          </a:p>
+          <a:p>
+            <a:pPr marL="285750" indent="-285750">
+              <a:buClr>
+                <a:srgbClr val="FF0000"/>
+              </a:buClr>
+              <a:buFont typeface="Wingdings" panose="05000000000000000000" pitchFamily="2" charset="2"/>
+              <a:buChar char="v"/>
+            </a:pPr>
+            <a:r>
+              <a:rPr lang="en-US" dirty="0"/>
+              <a:t>How to measure </a:t>
+            </a:r>
+            <a:r>
+              <a:rPr lang="en-US" dirty="0">
+                <a:solidFill>
+                  <a:srgbClr val="0070C0"/>
+                </a:solidFill>
+              </a:rPr>
+              <a:t>strength</a:t>
+            </a:r>
+            <a:r>
+              <a:rPr lang="en-US" dirty="0"/>
+              <a:t> of association?</a:t>
+            </a:r>
+          </a:p>
+          <a:p>
+            <a:pPr marL="285750" indent="-285750">
+              <a:buClr>
+                <a:srgbClr val="FF0000"/>
+              </a:buClr>
+              <a:buFont typeface="Wingdings" panose="05000000000000000000" pitchFamily="2" charset="2"/>
+              <a:buChar char="v"/>
+            </a:pPr>
+            <a:r>
+              <a:rPr lang="en-US" dirty="0"/>
+              <a:t>How to test for significance?</a:t>
+            </a:r>
+          </a:p>
+          <a:p>
+            <a:pPr marL="285750" indent="-285750">
+              <a:buClr>
+                <a:srgbClr val="FF0000"/>
+              </a:buClr>
+              <a:buFont typeface="Wingdings" panose="05000000000000000000" pitchFamily="2" charset="2"/>
+              <a:buChar char="v"/>
+            </a:pPr>
+            <a:r>
+              <a:rPr lang="en-US" dirty="0"/>
+              <a:t>How to visualize?</a:t>
+            </a:r>
+          </a:p>
+          <a:p>
+            <a:pPr marL="285750" indent="-285750">
+              <a:buClr>
+                <a:srgbClr val="FF0000"/>
+              </a:buClr>
+              <a:buFont typeface="Wingdings" panose="05000000000000000000" pitchFamily="2" charset="2"/>
+              <a:buChar char="v"/>
+            </a:pPr>
+            <a:r>
+              <a:rPr lang="en-US" dirty="0"/>
+              <a:t>How to understand the </a:t>
+            </a:r>
+            <a:r>
+              <a:rPr lang="en-US" dirty="0">
+                <a:solidFill>
+                  <a:srgbClr val="0070C0"/>
+                </a:solidFill>
+              </a:rPr>
+              <a:t>pattern</a:t>
+            </a:r>
+            <a:r>
+              <a:rPr lang="en-US" dirty="0"/>
+              <a:t> (nature) of association?</a:t>
+            </a:r>
+          </a:p>
+        </p:txBody>
+      </p:sp>
+    </p:spTree>
+    <p:extLst>
+      <p:ext uri="{BB962C8B-B14F-4D97-AF65-F5344CB8AC3E}">
+        <p14:creationId xmlns:p14="http://schemas.microsoft.com/office/powerpoint/2010/main" val="3698372233"/>
+      </p:ext>
+    </p:extLst>
+  </p:cSld>
+  <p:clrMapOvr>
+    <a:masterClrMapping/>
+  </p:clrMapOvr>
+</p:sld>
+</file>
+
+<file path=ppt/slides/slide70.xml><?xml version="1.0" encoding="utf-8"?>
+<p:sld xmlns:a="http://schemas.openxmlformats.org/drawingml/2006/main" xmlns:r="http://schemas.openxmlformats.org/officeDocument/2006/relationships" xmlns:p="http://schemas.openxmlformats.org/presentationml/2006/main">
+  <p:cSld>
+    <p:spTree>
+      <p:nvGrpSpPr>
+        <p:cNvPr id="1" name=""/>
+        <p:cNvGrpSpPr/>
+        <p:nvPr/>
+      </p:nvGrpSpPr>
+      <p:grpSpPr>
+        <a:xfrm>
+          <a:off x="0" y="0"/>
+          <a:ext cx="0" cy="0"/>
+          <a:chOff x="0" y="0"/>
+          <a:chExt cx="0" cy="0"/>
+        </a:xfrm>
+      </p:grpSpPr>
+      <p:sp>
+        <p:nvSpPr>
+          <p:cNvPr id="2" name="Title 1">
+            <a:extLst>
+              <a:ext uri="{FF2B5EF4-FFF2-40B4-BE49-F238E27FC236}">
+                <a16:creationId xmlns:a16="http://schemas.microsoft.com/office/drawing/2014/main" id="{D6992A09-D2F2-4F60-A6B0-438108E1AE74}"/>
+              </a:ext>
+            </a:extLst>
+          </p:cNvPr>
+          <p:cNvSpPr>
+            <a:spLocks noGrp="1"/>
+          </p:cNvSpPr>
+          <p:nvPr>
+            <p:ph type="title"/>
+          </p:nvPr>
+        </p:nvSpPr>
+        <p:spPr/>
+        <p:txBody>
+          <a:bodyPr>
+            <a:normAutofit fontScale="90000"/>
+          </a:bodyPr>
+          <a:lstStyle/>
+          <a:p>
+            <a:r>
+              <a:rPr lang="en-US" dirty="0"/>
+              <a:t>Looking ahead: Models</a:t>
+            </a:r>
+          </a:p>
+        </p:txBody>
+      </p:sp>
+      <p:sp>
+        <p:nvSpPr>
+          <p:cNvPr id="5" name="Content Placeholder 4">
+            <a:extLst>
+              <a:ext uri="{FF2B5EF4-FFF2-40B4-BE49-F238E27FC236}">
+                <a16:creationId xmlns:a16="http://schemas.microsoft.com/office/drawing/2014/main" id="{0E7D642F-1B48-48C8-8009-C46D1BBF142F}"/>
+              </a:ext>
+            </a:extLst>
+          </p:cNvPr>
+          <p:cNvSpPr>
+            <a:spLocks noGrp="1"/>
+          </p:cNvSpPr>
+          <p:nvPr>
+            <p:ph idx="1"/>
+          </p:nvPr>
+        </p:nvSpPr>
+        <p:spPr>
+          <a:xfrm>
+            <a:off x="457200" y="1066800"/>
+            <a:ext cx="8229600" cy="5105400"/>
+          </a:xfrm>
+          <a:noFill/>
+        </p:spPr>
+        <p:txBody>
+          <a:bodyPr/>
+          <a:lstStyle/>
+          <a:p>
+            <a:pPr marL="0" indent="0">
+              <a:buNone/>
+            </a:pPr>
+            <a:r>
+              <a:rPr lang="en-US" dirty="0">
+                <a:highlight>
+                  <a:srgbClr val="FFFF00"/>
+                </a:highlight>
+              </a:rPr>
+              <a:t>Loglinear models [</a:t>
+            </a:r>
+            <a:r>
+              <a:rPr lang="en-US" dirty="0" err="1">
+                <a:highlight>
+                  <a:srgbClr val="FFFF00"/>
+                </a:highlight>
+              </a:rPr>
+              <a:t>loglm</a:t>
+            </a:r>
+            <a:r>
+              <a:rPr lang="en-US" dirty="0">
+                <a:highlight>
+                  <a:srgbClr val="FFFF00"/>
+                </a:highlight>
+              </a:rPr>
+              <a:t>()]</a:t>
+            </a:r>
+          </a:p>
+          <a:p>
+            <a:r>
+              <a:rPr lang="en-US" sz="2000" dirty="0"/>
+              <a:t>Generalize the Pearson </a:t>
+            </a:r>
+            <a:r>
+              <a:rPr lang="el-GR" sz="2000" dirty="0"/>
+              <a:t>χ</a:t>
+            </a:r>
+            <a:r>
+              <a:rPr lang="en-US" sz="2000" baseline="30000" dirty="0"/>
+              <a:t>2</a:t>
+            </a:r>
+            <a:r>
+              <a:rPr lang="en-US" sz="2000" dirty="0"/>
+              <a:t> and LR G</a:t>
+            </a:r>
+            <a:r>
+              <a:rPr lang="en-US" sz="2000" baseline="30000" dirty="0"/>
+              <a:t>2</a:t>
+            </a:r>
+            <a:r>
+              <a:rPr lang="en-US" sz="2000" dirty="0"/>
+              <a:t> tests of association to 3-way and larger tables.</a:t>
+            </a:r>
+          </a:p>
+          <a:p>
+            <a:r>
+              <a:rPr lang="en-US" sz="2000" dirty="0"/>
+              <a:t>Allows a range of models from </a:t>
+            </a:r>
+            <a:r>
+              <a:rPr lang="en-US" sz="2000" dirty="0">
+                <a:solidFill>
+                  <a:srgbClr val="0070C0"/>
+                </a:solidFill>
+              </a:rPr>
+              <a:t>mutual independence </a:t>
+            </a:r>
+            <a:r>
+              <a:rPr lang="en-US" sz="2000" dirty="0"/>
+              <a:t>([A] [B] [C]) to the </a:t>
+            </a:r>
+            <a:r>
+              <a:rPr lang="en-US" sz="2000" dirty="0">
+                <a:solidFill>
+                  <a:srgbClr val="0070C0"/>
+                </a:solidFill>
+              </a:rPr>
+              <a:t>saturated model </a:t>
+            </a:r>
+            <a:r>
+              <a:rPr lang="en-US" sz="2000" dirty="0"/>
+              <a:t>([ABC])</a:t>
+            </a:r>
+          </a:p>
+          <a:p>
+            <a:r>
+              <a:rPr lang="en-US" sz="2000" dirty="0"/>
+              <a:t>Intermediate models address questions of </a:t>
+            </a:r>
+            <a:r>
+              <a:rPr lang="en-US" sz="2000" dirty="0">
+                <a:solidFill>
+                  <a:srgbClr val="0070C0"/>
+                </a:solidFill>
+              </a:rPr>
+              <a:t>conditional</a:t>
+            </a:r>
+            <a:r>
+              <a:rPr lang="en-US" sz="2000" dirty="0"/>
+              <a:t> independence, controlling for some factors</a:t>
+            </a:r>
+          </a:p>
+          <a:p>
+            <a:r>
+              <a:rPr lang="en-US" sz="2000" dirty="0"/>
+              <a:t>Can test associations in 2-way, 3-way, … terms, analogously to tests of </a:t>
+            </a:r>
+            <a:r>
+              <a:rPr lang="en-US" sz="2000" dirty="0">
+                <a:solidFill>
+                  <a:srgbClr val="0070C0"/>
+                </a:solidFill>
+              </a:rPr>
+              <a:t>interactions</a:t>
+            </a:r>
+            <a:r>
+              <a:rPr lang="en-US" sz="2000" dirty="0"/>
+              <a:t> in ANOVA</a:t>
+            </a:r>
+          </a:p>
+          <a:p>
+            <a:pPr marL="0" indent="0">
+              <a:buNone/>
+            </a:pPr>
+            <a:r>
+              <a:rPr lang="en-US" dirty="0">
+                <a:highlight>
+                  <a:srgbClr val="FFFF00"/>
+                </a:highlight>
+              </a:rPr>
+              <a:t>Generalized linear models [</a:t>
+            </a:r>
+            <a:r>
+              <a:rPr lang="en-US" dirty="0" err="1">
+                <a:highlight>
+                  <a:srgbClr val="FFFF00"/>
+                </a:highlight>
+              </a:rPr>
+              <a:t>glm</a:t>
+            </a:r>
+            <a:r>
+              <a:rPr lang="en-US" dirty="0">
+                <a:highlight>
+                  <a:srgbClr val="FFFF00"/>
+                </a:highlight>
+              </a:rPr>
+              <a:t>()]</a:t>
+            </a:r>
+          </a:p>
+          <a:p>
+            <a:r>
+              <a:rPr lang="en-US" sz="2000" dirty="0"/>
+              <a:t>Similar to ordinary </a:t>
+            </a:r>
+            <a:r>
+              <a:rPr lang="en-US" sz="2000" dirty="0" err="1"/>
+              <a:t>lm</a:t>
+            </a:r>
+            <a:r>
+              <a:rPr lang="en-US" sz="2000" dirty="0"/>
+              <a:t>(), but w/ Poisson </a:t>
+            </a:r>
+            <a:r>
+              <a:rPr lang="en-US" sz="2000" dirty="0" err="1"/>
+              <a:t>dist</a:t>
+            </a:r>
+            <a:r>
+              <a:rPr lang="en-US" sz="2000" baseline="30000" dirty="0" err="1"/>
+              <a:t>n</a:t>
+            </a:r>
+            <a:r>
+              <a:rPr lang="en-US" sz="2000" dirty="0"/>
+              <a:t> of counts: family=“</a:t>
+            </a:r>
+            <a:r>
+              <a:rPr lang="en-US" sz="2000" dirty="0" err="1"/>
+              <a:t>poisson</a:t>
+            </a:r>
+            <a:r>
+              <a:rPr lang="en-US" sz="2000" dirty="0"/>
+              <a:t>”</a:t>
+            </a:r>
+          </a:p>
+          <a:p>
+            <a:r>
+              <a:rPr lang="en-US" sz="2000" dirty="0"/>
+              <a:t>Formula notation: Freq ~ A + B + C; Freq ~ (A + B + C)^2 </a:t>
+            </a:r>
+          </a:p>
+          <a:p>
+            <a:r>
+              <a:rPr lang="en-US" sz="2000" dirty="0"/>
+              <a:t>Familiar diagnostic methods &amp; plots (outliers, influence) </a:t>
+            </a:r>
+          </a:p>
+          <a:p>
+            <a:pPr marL="0" indent="0">
+              <a:buNone/>
+            </a:pPr>
+            <a:endParaRPr lang="en-US" dirty="0"/>
+          </a:p>
+        </p:txBody>
+      </p:sp>
+      <p:sp>
+        <p:nvSpPr>
+          <p:cNvPr id="3" name="Slide Number Placeholder 2">
+            <a:extLst>
+              <a:ext uri="{FF2B5EF4-FFF2-40B4-BE49-F238E27FC236}">
+                <a16:creationId xmlns:a16="http://schemas.microsoft.com/office/drawing/2014/main" id="{DE0CE8AF-A75F-4F79-B7DA-0EA295473162}"/>
+              </a:ext>
+            </a:extLst>
+          </p:cNvPr>
+          <p:cNvSpPr>
+            <a:spLocks noGrp="1"/>
+          </p:cNvSpPr>
+          <p:nvPr>
+            <p:ph type="sldNum" sz="quarter" idx="12"/>
+          </p:nvPr>
+        </p:nvSpPr>
+        <p:spPr/>
+        <p:txBody>
+          <a:bodyPr/>
+          <a:lstStyle/>
+          <a:p>
+            <a:fld id="{621225AB-15B9-4C79-A121-04D1DC7E2307}" type="slidenum">
+              <a:rPr lang="en-US" smtClean="0"/>
+              <a:t>70</a:t>
             </a:fld>
             <a:endParaRPr lang="en-US" dirty="0"/>
           </a:p>
@@ -26665,13 +27589,13 @@
   <p:clrMapOvr>
     <a:masterClrMapping/>
   </p:clrMapOvr>
-  <mc:AlternateContent xmlns:mc="http://schemas.openxmlformats.org/markup-compatibility/2006">
-    <mc:Choice xmlns:p14="http://schemas.microsoft.com/office/powerpoint/2010/main" Requires="p14">
+  <mc:AlternateContent xmlns:mc="http://schemas.openxmlformats.org/markup-compatibility/2006" xmlns:p14="http://schemas.microsoft.com/office/powerpoint/2010/main">
+    <mc:Choice Requires="p14">
       <p:transition spd="slow" p14:dur="2000">
         <p14:prism isContent="1"/>
       </p:transition>
     </mc:Choice>
-    <mc:Fallback>
+    <mc:Fallback xmlns="">
       <p:transition spd="slow">
         <p:fade/>
       </p:transition>
@@ -27461,7 +28385,7 @@
 </p:sld>
 </file>
 
-<file path=ppt/slides/slide69.xml><?xml version="1.0" encoding="utf-8"?>
+<file path=ppt/slides/slide71.xml><?xml version="1.0" encoding="utf-8"?>
 <p:sld xmlns:a="http://schemas.openxmlformats.org/drawingml/2006/main" xmlns:r="http://schemas.openxmlformats.org/officeDocument/2006/relationships" xmlns:p="http://schemas.openxmlformats.org/presentationml/2006/main">
   <p:cSld>
     <p:spTree>
@@ -27646,7 +28570,7 @@
           <a:p>
             <a:fld id="{621225AB-15B9-4C79-A121-04D1DC7E2307}" type="slidenum">
               <a:rPr lang="en-US" smtClean="0"/>
-              <a:t>69</a:t>
+              <a:t>71</a:t>
             </a:fld>
             <a:endParaRPr lang="en-US"/>
           </a:p>
@@ -28302,7 +29226,7 @@
 </p:sld>
 </file>
 
-<file path=ppt/slides/slide7.xml><?xml version="1.0" encoding="utf-8"?>
+<file path=ppt/slides/slide72.xml><?xml version="1.0" encoding="utf-8"?>
 <p:sld xmlns:a="http://schemas.openxmlformats.org/drawingml/2006/main" xmlns:r="http://schemas.openxmlformats.org/officeDocument/2006/relationships" xmlns:p="http://schemas.openxmlformats.org/presentationml/2006/main">
   <p:cSld>
     <p:spTree>
@@ -28321,10 +29245,10 @@
       </p:grpSpPr>
       <p:sp>
         <p:nvSpPr>
-          <p:cNvPr id="3" name="Title 2">
-            <a:extLst>
-              <a:ext uri="{FF2B5EF4-FFF2-40B4-BE49-F238E27FC236}">
-                <a16:creationId xmlns:a16="http://schemas.microsoft.com/office/drawing/2014/main" id="{F0AAC678-6008-431A-B023-2CD159304376}"/>
+          <p:cNvPr id="2" name="Title 1">
+            <a:extLst>
+              <a:ext uri="{FF2B5EF4-FFF2-40B4-BE49-F238E27FC236}">
+                <a16:creationId xmlns:a16="http://schemas.microsoft.com/office/drawing/2014/main" id="{ED9049ED-0267-4764-BD0F-9FC56076BA55}"/>
               </a:ext>
             </a:extLst>
           </p:cNvPr>
@@ -28344,17 +29268,123 @@
           <a:p>
             <a:r>
               <a:rPr lang="en-US" dirty="0"/>
-              <a:t>r × c Example: Hair color, eye color</a:t>
-            </a:r>
-          </a:p>
-        </p:txBody>
-      </p:sp>
-      <p:sp>
-        <p:nvSpPr>
-          <p:cNvPr id="2" name="Slide Number Placeholder 1">
-            <a:extLst>
-              <a:ext uri="{FF2B5EF4-FFF2-40B4-BE49-F238E27FC236}">
-                <a16:creationId xmlns:a16="http://schemas.microsoft.com/office/drawing/2014/main" id="{E6BBE898-6D27-420F-8ECB-2625F72242E3}"/>
+              <a:t>Looking ahead: Mosaic plots</a:t>
+            </a:r>
+          </a:p>
+        </p:txBody>
+      </p:sp>
+      <p:sp>
+        <p:nvSpPr>
+          <p:cNvPr id="5" name="Content Placeholder 4">
+            <a:extLst>
+              <a:ext uri="{FF2B5EF4-FFF2-40B4-BE49-F238E27FC236}">
+                <a16:creationId xmlns:a16="http://schemas.microsoft.com/office/drawing/2014/main" id="{B6B21B7D-22A3-4CA1-8F20-C65B317BF5FA}"/>
+              </a:ext>
+            </a:extLst>
+          </p:cNvPr>
+          <p:cNvSpPr>
+            <a:spLocks noGrp="1"/>
+          </p:cNvSpPr>
+          <p:nvPr>
+            <p:ph idx="1"/>
+          </p:nvPr>
+        </p:nvSpPr>
+        <p:spPr>
+          <a:xfrm>
+            <a:off x="457200" y="1143000"/>
+            <a:ext cx="8229600" cy="1752600"/>
+          </a:xfrm>
+        </p:spPr>
+        <p:txBody>
+          <a:bodyPr>
+            <a:normAutofit/>
+          </a:bodyPr>
+          <a:lstStyle/>
+          <a:p>
+            <a:pPr marL="0" indent="0">
+              <a:buNone/>
+            </a:pPr>
+            <a:r>
+              <a:rPr lang="en-US" sz="2200" dirty="0"/>
+              <a:t>Mosaic plots provide visualizations of associations in 2+ way tables</a:t>
+            </a:r>
+          </a:p>
+          <a:p>
+            <a:r>
+              <a:rPr lang="en-US" sz="1800" dirty="0"/>
+              <a:t>Tiles ~ </a:t>
+            </a:r>
+            <a:r>
+              <a:rPr lang="en-US" sz="1800" dirty="0">
+                <a:solidFill>
+                  <a:srgbClr val="0070C0"/>
+                </a:solidFill>
+              </a:rPr>
+              <a:t>frequency</a:t>
+            </a:r>
+            <a:r>
+              <a:rPr lang="en-US" sz="1800" dirty="0"/>
+              <a:t>; conditioned by A, then B, then C, …</a:t>
+            </a:r>
+          </a:p>
+          <a:p>
+            <a:r>
+              <a:rPr lang="en-US" sz="1800" dirty="0"/>
+              <a:t>Fit: any loglinear model [A][B][C], [AB][C], [AB][AC], …, [ABC]</a:t>
+            </a:r>
+          </a:p>
+          <a:p>
+            <a:r>
+              <a:rPr lang="en-US" sz="1800" dirty="0"/>
+              <a:t>Shading: ~ </a:t>
+            </a:r>
+            <a:r>
+              <a:rPr lang="en-US" sz="1800" dirty="0">
+                <a:solidFill>
+                  <a:srgbClr val="0070C0"/>
+                </a:solidFill>
+              </a:rPr>
+              <a:t>residuals</a:t>
+            </a:r>
+            <a:r>
+              <a:rPr lang="en-US" sz="1800" dirty="0"/>
+              <a:t>, contributions to </a:t>
+            </a:r>
+            <a:r>
+              <a:rPr lang="el-GR" sz="1800" dirty="0"/>
+              <a:t>χ</a:t>
+            </a:r>
+            <a:r>
+              <a:rPr lang="en-US" sz="1800" baseline="30000" dirty="0"/>
+              <a:t>2</a:t>
+            </a:r>
+          </a:p>
+          <a:p>
+            <a:r>
+              <a:rPr lang="en-US" sz="1800" dirty="0"/>
+              <a:t>Show: associations </a:t>
+            </a:r>
+            <a:r>
+              <a:rPr lang="en-US" sz="1800" dirty="0">
+                <a:solidFill>
+                  <a:srgbClr val="0070C0"/>
+                </a:solidFill>
+              </a:rPr>
+              <a:t>not accounted </a:t>
+            </a:r>
+            <a:r>
+              <a:rPr lang="en-US" sz="1800" dirty="0"/>
+              <a:t>for by model</a:t>
+            </a:r>
+          </a:p>
+        </p:txBody>
+      </p:sp>
+      <p:sp>
+        <p:nvSpPr>
+          <p:cNvPr id="4" name="Slide Number Placeholder 3">
+            <a:extLst>
+              <a:ext uri="{FF2B5EF4-FFF2-40B4-BE49-F238E27FC236}">
+                <a16:creationId xmlns:a16="http://schemas.microsoft.com/office/drawing/2014/main" id="{D37B7B30-2A70-4936-BCCA-960ABCAE191D}"/>
               </a:ext>
             </a:extLst>
           </p:cNvPr>
@@ -28372,349 +29402,7 @@
           <a:p>
             <a:fld id="{621225AB-15B9-4C79-A121-04D1DC7E2307}" type="slidenum">
               <a:rPr lang="en-US" smtClean="0"/>
-              <a:t>7</a:t>
-            </a:fld>
-            <a:endParaRPr lang="en-US"/>
-          </a:p>
-        </p:txBody>
-      </p:sp>
-      <p:pic>
-        <p:nvPicPr>
-          <p:cNvPr id="4" name="Picture 3">
-            <a:extLst>
-              <a:ext uri="{FF2B5EF4-FFF2-40B4-BE49-F238E27FC236}">
-                <a16:creationId xmlns:a16="http://schemas.microsoft.com/office/drawing/2014/main" id="{8A9852AF-A337-4BD0-B52B-4BAD8D5D8F7A}"/>
-              </a:ext>
-            </a:extLst>
-          </p:cNvPr>
-          <p:cNvPicPr>
-            <a:picLocks noChangeAspect="1"/>
-          </p:cNvPicPr>
-          <p:nvPr/>
-        </p:nvPicPr>
-        <p:blipFill>
-          <a:blip r:embed="rId2"/>
-          <a:stretch>
-            <a:fillRect/>
-          </a:stretch>
-        </p:blipFill>
-        <p:spPr>
-          <a:xfrm>
-            <a:off x="1752600" y="1613111"/>
-            <a:ext cx="5285714" cy="2504762"/>
-          </a:xfrm>
-          <a:prstGeom prst="rect">
-            <a:avLst/>
-          </a:prstGeom>
-        </p:spPr>
-      </p:pic>
-      <p:sp>
-        <p:nvSpPr>
-          <p:cNvPr id="5" name="TextBox 4">
-            <a:extLst>
-              <a:ext uri="{FF2B5EF4-FFF2-40B4-BE49-F238E27FC236}">
-                <a16:creationId xmlns:a16="http://schemas.microsoft.com/office/drawing/2014/main" id="{5528C1B0-23F0-4FA3-A81A-366D44A47494}"/>
-              </a:ext>
-            </a:extLst>
-          </p:cNvPr>
-          <p:cNvSpPr txBox="1"/>
-          <p:nvPr/>
-        </p:nvSpPr>
-        <p:spPr>
-          <a:xfrm>
-            <a:off x="457200" y="1143000"/>
-            <a:ext cx="8229600" cy="369332"/>
-          </a:xfrm>
-          <a:prstGeom prst="rect">
-            <a:avLst/>
-          </a:prstGeom>
-          <a:noFill/>
-        </p:spPr>
-        <p:txBody>
-          <a:bodyPr wrap="square" rtlCol="0">
-            <a:spAutoFit/>
-          </a:bodyPr>
-          <a:lstStyle/>
-          <a:p>
-            <a:r>
-              <a:rPr lang="en-US" dirty="0"/>
-              <a:t>Data from 592 students in a statistics class</a:t>
-            </a:r>
-          </a:p>
-        </p:txBody>
-      </p:sp>
-      <p:sp>
-        <p:nvSpPr>
-          <p:cNvPr id="6" name="TextBox 5">
-            <a:extLst>
-              <a:ext uri="{FF2B5EF4-FFF2-40B4-BE49-F238E27FC236}">
-                <a16:creationId xmlns:a16="http://schemas.microsoft.com/office/drawing/2014/main" id="{9FA47873-2952-4F48-BE13-7D61F40BD582}"/>
-              </a:ext>
-            </a:extLst>
-          </p:cNvPr>
-          <p:cNvSpPr txBox="1"/>
-          <p:nvPr/>
-        </p:nvSpPr>
-        <p:spPr>
-          <a:xfrm>
-            <a:off x="609600" y="4495800"/>
-            <a:ext cx="8077200" cy="1477328"/>
-          </a:xfrm>
-          <a:prstGeom prst="rect">
-            <a:avLst/>
-          </a:prstGeom>
-          <a:noFill/>
-        </p:spPr>
-        <p:txBody>
-          <a:bodyPr wrap="square" rtlCol="0">
-            <a:spAutoFit/>
-          </a:bodyPr>
-          <a:lstStyle/>
-          <a:p>
-            <a:pPr marL="285750" indent="-285750">
-              <a:buClr>
-                <a:srgbClr val="FF0000"/>
-              </a:buClr>
-              <a:buFont typeface="Wingdings" panose="05000000000000000000" pitchFamily="2" charset="2"/>
-              <a:buChar char="v"/>
-            </a:pPr>
-            <a:r>
-              <a:rPr lang="en-US" dirty="0"/>
-              <a:t>Is there an association between hair color and eye color?</a:t>
-            </a:r>
-          </a:p>
-          <a:p>
-            <a:pPr marL="285750" indent="-285750">
-              <a:buClr>
-                <a:srgbClr val="FF0000"/>
-              </a:buClr>
-              <a:buFont typeface="Wingdings" panose="05000000000000000000" pitchFamily="2" charset="2"/>
-              <a:buChar char="v"/>
-            </a:pPr>
-            <a:r>
-              <a:rPr lang="en-US" dirty="0"/>
-              <a:t>How to measure </a:t>
-            </a:r>
-            <a:r>
-              <a:rPr lang="en-US" dirty="0">
-                <a:solidFill>
-                  <a:srgbClr val="0070C0"/>
-                </a:solidFill>
-              </a:rPr>
-              <a:t>strength</a:t>
-            </a:r>
-            <a:r>
-              <a:rPr lang="en-US" dirty="0"/>
-              <a:t> of association?</a:t>
-            </a:r>
-          </a:p>
-          <a:p>
-            <a:pPr marL="285750" indent="-285750">
-              <a:buClr>
-                <a:srgbClr val="FF0000"/>
-              </a:buClr>
-              <a:buFont typeface="Wingdings" panose="05000000000000000000" pitchFamily="2" charset="2"/>
-              <a:buChar char="v"/>
-            </a:pPr>
-            <a:r>
-              <a:rPr lang="en-US" dirty="0"/>
-              <a:t>How to test for significance?</a:t>
-            </a:r>
-          </a:p>
-          <a:p>
-            <a:pPr marL="285750" indent="-285750">
-              <a:buClr>
-                <a:srgbClr val="FF0000"/>
-              </a:buClr>
-              <a:buFont typeface="Wingdings" panose="05000000000000000000" pitchFamily="2" charset="2"/>
-              <a:buChar char="v"/>
-            </a:pPr>
-            <a:r>
-              <a:rPr lang="en-US" dirty="0"/>
-              <a:t>How to visualize?</a:t>
-            </a:r>
-          </a:p>
-          <a:p>
-            <a:pPr marL="285750" indent="-285750">
-              <a:buClr>
-                <a:srgbClr val="FF0000"/>
-              </a:buClr>
-              <a:buFont typeface="Wingdings" panose="05000000000000000000" pitchFamily="2" charset="2"/>
-              <a:buChar char="v"/>
-            </a:pPr>
-            <a:r>
-              <a:rPr lang="en-US" dirty="0"/>
-              <a:t>How to understand the </a:t>
-            </a:r>
-            <a:r>
-              <a:rPr lang="en-US" dirty="0">
-                <a:solidFill>
-                  <a:srgbClr val="0070C0"/>
-                </a:solidFill>
-              </a:rPr>
-              <a:t>pattern</a:t>
-            </a:r>
-            <a:r>
-              <a:rPr lang="en-US" dirty="0"/>
-              <a:t> (nature) of association?</a:t>
-            </a:r>
-          </a:p>
-        </p:txBody>
-      </p:sp>
-    </p:spTree>
-    <p:extLst>
-      <p:ext uri="{BB962C8B-B14F-4D97-AF65-F5344CB8AC3E}">
-        <p14:creationId xmlns:p14="http://schemas.microsoft.com/office/powerpoint/2010/main" val="3698372233"/>
-      </p:ext>
-    </p:extLst>
-  </p:cSld>
-  <p:clrMapOvr>
-    <a:masterClrMapping/>
-  </p:clrMapOvr>
-</p:sld>
-</file>
-
-<file path=ppt/slides/slide70.xml><?xml version="1.0" encoding="utf-8"?>
-<p:sld xmlns:a="http://schemas.openxmlformats.org/drawingml/2006/main" xmlns:r="http://schemas.openxmlformats.org/officeDocument/2006/relationships" xmlns:p="http://schemas.openxmlformats.org/presentationml/2006/main">
-  <p:cSld>
-    <p:spTree>
-      <p:nvGrpSpPr>
-        <p:cNvPr id="1" name=""/>
-        <p:cNvGrpSpPr/>
-        <p:nvPr/>
-      </p:nvGrpSpPr>
-      <p:grpSpPr>
-        <a:xfrm>
-          <a:off x="0" y="0"/>
-          <a:ext cx="0" cy="0"/>
-          <a:chOff x="0" y="0"/>
-          <a:chExt cx="0" cy="0"/>
-        </a:xfrm>
-      </p:grpSpPr>
-      <p:sp>
-        <p:nvSpPr>
-          <p:cNvPr id="2" name="Title 1">
-            <a:extLst>
-              <a:ext uri="{FF2B5EF4-FFF2-40B4-BE49-F238E27FC236}">
-                <a16:creationId xmlns:a16="http://schemas.microsoft.com/office/drawing/2014/main" id="{ED9049ED-0267-4764-BD0F-9FC56076BA55}"/>
-              </a:ext>
-            </a:extLst>
-          </p:cNvPr>
-          <p:cNvSpPr>
-            <a:spLocks noGrp="1"/>
-          </p:cNvSpPr>
-          <p:nvPr>
-            <p:ph type="title"/>
-          </p:nvPr>
-        </p:nvSpPr>
-        <p:spPr/>
-        <p:txBody>
-          <a:bodyPr>
-            <a:normAutofit fontScale="90000"/>
-          </a:bodyPr>
-          <a:lstStyle/>
-          <a:p>
-            <a:r>
-              <a:rPr lang="en-US" dirty="0"/>
-              <a:t>Looking ahead: Mosaic plots</a:t>
-            </a:r>
-          </a:p>
-        </p:txBody>
-      </p:sp>
-      <p:sp>
-        <p:nvSpPr>
-          <p:cNvPr id="5" name="Content Placeholder 4">
-            <a:extLst>
-              <a:ext uri="{FF2B5EF4-FFF2-40B4-BE49-F238E27FC236}">
-                <a16:creationId xmlns:a16="http://schemas.microsoft.com/office/drawing/2014/main" id="{B6B21B7D-22A3-4CA1-8F20-C65B317BF5FA}"/>
-              </a:ext>
-            </a:extLst>
-          </p:cNvPr>
-          <p:cNvSpPr>
-            <a:spLocks noGrp="1"/>
-          </p:cNvSpPr>
-          <p:nvPr>
-            <p:ph idx="1"/>
-          </p:nvPr>
-        </p:nvSpPr>
-        <p:spPr>
-          <a:xfrm>
-            <a:off x="457200" y="1143000"/>
-            <a:ext cx="8229600" cy="1752600"/>
-          </a:xfrm>
-        </p:spPr>
-        <p:txBody>
-          <a:bodyPr>
-            <a:normAutofit/>
-          </a:bodyPr>
-          <a:lstStyle/>
-          <a:p>
-            <a:pPr marL="0" indent="0">
-              <a:buNone/>
-            </a:pPr>
-            <a:r>
-              <a:rPr lang="en-US" sz="2200" dirty="0"/>
-              <a:t>Mosaic plots provide visualizations of associations in 2+ way tables</a:t>
-            </a:r>
-          </a:p>
-          <a:p>
-            <a:r>
-              <a:rPr lang="en-US" sz="1800" dirty="0"/>
-              <a:t>Tiles ~ frequency; conditioned by A, then B, then C, …</a:t>
-            </a:r>
-          </a:p>
-          <a:p>
-            <a:r>
-              <a:rPr lang="en-US" sz="1800" dirty="0"/>
-              <a:t>Fit: any loglinear model [A][B][C], [AB][C], [AB][AC], …, [ABC]</a:t>
-            </a:r>
-          </a:p>
-          <a:p>
-            <a:r>
-              <a:rPr lang="en-US" sz="1800" dirty="0"/>
-              <a:t>Shading: ~ residuals, contributions to </a:t>
-            </a:r>
-            <a:r>
-              <a:rPr lang="el-GR" sz="1800" dirty="0"/>
-              <a:t>χ</a:t>
-            </a:r>
-            <a:r>
-              <a:rPr lang="en-US" sz="1800" baseline="30000" dirty="0"/>
-              <a:t>2</a:t>
-            </a:r>
-          </a:p>
-          <a:p>
-            <a:r>
-              <a:rPr lang="en-US" sz="1800" dirty="0"/>
-              <a:t>Show: associations not accounted for by model</a:t>
-            </a:r>
-          </a:p>
-        </p:txBody>
-      </p:sp>
-      <p:sp>
-        <p:nvSpPr>
-          <p:cNvPr id="4" name="Slide Number Placeholder 3">
-            <a:extLst>
-              <a:ext uri="{FF2B5EF4-FFF2-40B4-BE49-F238E27FC236}">
-                <a16:creationId xmlns:a16="http://schemas.microsoft.com/office/drawing/2014/main" id="{D37B7B30-2A70-4936-BCCA-960ABCAE191D}"/>
-              </a:ext>
-            </a:extLst>
-          </p:cNvPr>
-          <p:cNvSpPr>
-            <a:spLocks noGrp="1"/>
-          </p:cNvSpPr>
-          <p:nvPr>
-            <p:ph type="sldNum" sz="quarter" idx="12"/>
-          </p:nvPr>
-        </p:nvSpPr>
-        <p:spPr/>
-        <p:txBody>
-          <a:bodyPr/>
-          <a:lstStyle/>
-          <a:p>
-            <a:fld id="{621225AB-15B9-4C79-A121-04D1DC7E2307}" type="slidenum">
-              <a:rPr lang="en-US" smtClean="0"/>
-              <a:t>70</a:t>
+              <a:t>72</a:t>
             </a:fld>
             <a:endParaRPr lang="en-US"/>
           </a:p>
@@ -28763,7 +29451,7 @@
 </p:sld>
 </file>
 
-<file path=ppt/slides/slide71.xml><?xml version="1.0" encoding="utf-8"?>
+<file path=ppt/slides/slide73.xml><?xml version="1.0" encoding="utf-8"?>
 <p:sld xmlns:a="http://schemas.openxmlformats.org/drawingml/2006/main" xmlns:r="http://schemas.openxmlformats.org/officeDocument/2006/relationships" xmlns:p="http://schemas.openxmlformats.org/presentationml/2006/main">
   <p:cSld>
     <p:spTree>
@@ -28785,7 +29473,7 @@
           <p:cNvPr id="2" name="Title 1">
             <a:extLst>
               <a:ext uri="{FF2B5EF4-FFF2-40B4-BE49-F238E27FC236}">
-                <a16:creationId xmlns:a16="http://schemas.microsoft.com/office/drawing/2014/main" id="{EA32FE17-D1E6-4FBD-A142-7945520B5E52}"/>
+                <a16:creationId xmlns:a16="http://schemas.microsoft.com/office/drawing/2014/main" id="{109DE876-04E5-4381-AFF1-5C0F36A42383}"/>
               </a:ext>
             </a:extLst>
           </p:cNvPr>
@@ -28799,13 +29487,13 @@
         <p:spPr/>
         <p:txBody>
           <a:bodyPr>
-            <a:normAutofit/>
+            <a:normAutofit fontScale="90000"/>
           </a:bodyPr>
           <a:lstStyle/>
           <a:p>
             <a:r>
-              <a:rPr lang="en-US" sz="3600" dirty="0"/>
-              <a:t>Looking ahead: Correspondence analysis</a:t>
+              <a:rPr lang="en-US" dirty="0"/>
+              <a:t>Summary</a:t>
             </a:r>
           </a:p>
         </p:txBody>
@@ -28815,7 +29503,7 @@
           <p:cNvPr id="3" name="Content Placeholder 2">
             <a:extLst>
               <a:ext uri="{FF2B5EF4-FFF2-40B4-BE49-F238E27FC236}">
-                <a16:creationId xmlns:a16="http://schemas.microsoft.com/office/drawing/2014/main" id="{5746F07F-FBBD-4981-BC44-0FCF088F2474}"/>
+                <a16:creationId xmlns:a16="http://schemas.microsoft.com/office/drawing/2014/main" id="{01CE4C24-5102-44F2-B2D2-6E925FA40FA9}"/>
               </a:ext>
             </a:extLst>
           </p:cNvPr>
@@ -28826,52 +29514,169 @@
             <p:ph idx="1"/>
           </p:nvPr>
         </p:nvSpPr>
-        <p:spPr>
-          <a:xfrm>
-            <a:off x="457200" y="1143000"/>
-            <a:ext cx="8229600" cy="1676400"/>
-          </a:xfrm>
-        </p:spPr>
-        <p:txBody>
-          <a:bodyPr/>
-          <a:lstStyle/>
-          <a:p>
-            <a:pPr marL="0" indent="0">
-              <a:buNone/>
-            </a:pPr>
+        <p:spPr/>
+        <p:txBody>
+          <a:bodyPr>
+            <a:normAutofit lnSpcReduction="10000"/>
+          </a:bodyPr>
+          <a:lstStyle/>
+          <a:p>
             <a:r>
               <a:rPr lang="en-US" dirty="0"/>
-              <a:t>Like PCA for categorical data</a:t>
-            </a:r>
-          </a:p>
-          <a:p>
-            <a:r>
-              <a:rPr lang="en-US" sz="2000" dirty="0"/>
-              <a:t>Account for max % of </a:t>
-            </a:r>
-            <a:r>
-              <a:rPr lang="el-GR" sz="2000" dirty="0"/>
+              <a:t>Two-way tables summarize frequencies of two categorical factors</a:t>
+            </a:r>
+          </a:p>
+          <a:p>
+            <a:pPr lvl="1"/>
+            <a:r>
+              <a:rPr lang="en-US" dirty="0"/>
+              <a:t>2 × 2: a special case, with </a:t>
+            </a:r>
+            <a:r>
+              <a:rPr lang="en-US" dirty="0">
+                <a:solidFill>
+                  <a:srgbClr val="0070C0"/>
+                </a:solidFill>
+              </a:rPr>
+              <a:t>odds ratio </a:t>
+            </a:r>
+            <a:r>
+              <a:rPr lang="en-US" dirty="0"/>
+              <a:t>as a measure</a:t>
+            </a:r>
+          </a:p>
+          <a:p>
+            <a:pPr lvl="1"/>
+            <a:r>
+              <a:rPr lang="en-US" dirty="0"/>
+              <a:t>r × c: factors can be </a:t>
+            </a:r>
+            <a:r>
+              <a:rPr lang="en-US" dirty="0">
+                <a:solidFill>
+                  <a:srgbClr val="0070C0"/>
+                </a:solidFill>
+              </a:rPr>
+              <a:t>unordered</a:t>
+            </a:r>
+            <a:r>
+              <a:rPr lang="en-US" dirty="0"/>
+              <a:t> or </a:t>
+            </a:r>
+            <a:r>
+              <a:rPr lang="en-US" dirty="0">
+                <a:solidFill>
+                  <a:srgbClr val="0070C0"/>
+                </a:solidFill>
+              </a:rPr>
+              <a:t>ordered</a:t>
+            </a:r>
+          </a:p>
+          <a:p>
+            <a:pPr lvl="1"/>
+            <a:r>
+              <a:rPr lang="en-US" dirty="0"/>
+              <a:t>r × c × k: stratified tables, </a:t>
+            </a:r>
+            <a:r>
+              <a:rPr lang="en-US" dirty="0" err="1"/>
+              <a:t>r×c</a:t>
+            </a:r>
+            <a:r>
+              <a:rPr lang="en-US" dirty="0"/>
+              <a:t> with groups </a:t>
+            </a:r>
+            <a:r>
+              <a:rPr lang="en-US"/>
+              <a:t>or circumstances</a:t>
+            </a:r>
+            <a:endParaRPr lang="en-US" dirty="0"/>
+          </a:p>
+          <a:p>
+            <a:r>
+              <a:rPr lang="en-US" dirty="0"/>
+              <a:t>Tests &amp; measures of association</a:t>
+            </a:r>
+          </a:p>
+          <a:p>
+            <a:pPr lvl="1"/>
+            <a:r>
+              <a:rPr lang="en-US" dirty="0"/>
+              <a:t>Pearson </a:t>
+            </a:r>
+            <a:r>
+              <a:rPr lang="el-GR" dirty="0"/>
               <a:t>χ</a:t>
             </a:r>
             <a:r>
-              <a:rPr lang="en-US" sz="2000" baseline="30000" dirty="0"/>
+              <a:rPr lang="en-US" baseline="30000" dirty="0"/>
               <a:t>2</a:t>
             </a:r>
             <a:r>
-              <a:rPr lang="en-US" sz="2000" dirty="0"/>
-              <a:t> in few (2-3) dimensions</a:t>
-            </a:r>
-          </a:p>
-          <a:p>
-            <a:r>
-              <a:rPr lang="en-US" sz="2000" dirty="0"/>
-              <a:t>Find scores for row and col categories</a:t>
-            </a:r>
-          </a:p>
-          <a:p>
-            <a:r>
-              <a:rPr lang="en-US" sz="2000" dirty="0"/>
-              <a:t>Plot of row/col scores shows associations</a:t>
+              <a:rPr lang="en-US" dirty="0"/>
+              <a:t>, LR G</a:t>
+            </a:r>
+            <a:r>
+              <a:rPr lang="en-US" baseline="30000" dirty="0"/>
+              <a:t>2</a:t>
+            </a:r>
+            <a:r>
+              <a:rPr lang="en-US" dirty="0"/>
+              <a:t>: </a:t>
+            </a:r>
+            <a:r>
+              <a:rPr lang="en-US" dirty="0">
+                <a:solidFill>
+                  <a:srgbClr val="0070C0"/>
+                </a:solidFill>
+              </a:rPr>
+              <a:t>general association</a:t>
+            </a:r>
+          </a:p>
+          <a:p>
+            <a:pPr lvl="1"/>
+            <a:r>
+              <a:rPr lang="en-US" dirty="0"/>
+              <a:t>More powerful </a:t>
+            </a:r>
+            <a:r>
+              <a:rPr lang="en-US" dirty="0">
+                <a:solidFill>
+                  <a:srgbClr val="0070C0"/>
+                </a:solidFill>
+              </a:rPr>
+              <a:t>CMH tests </a:t>
+            </a:r>
+            <a:r>
+              <a:rPr lang="en-US" dirty="0"/>
+              <a:t>for ordered factors</a:t>
+            </a:r>
+          </a:p>
+          <a:p>
+            <a:r>
+              <a:rPr lang="en-US" dirty="0"/>
+              <a:t>Visualization</a:t>
+            </a:r>
+          </a:p>
+          <a:p>
+            <a:pPr lvl="1"/>
+            <a:r>
+              <a:rPr lang="en-US" dirty="0"/>
+              <a:t>2 × 2: fourfold plots</a:t>
+            </a:r>
+          </a:p>
+          <a:p>
+            <a:pPr lvl="1"/>
+            <a:r>
+              <a:rPr lang="en-US" dirty="0"/>
+              <a:t>r × c: sieve diagrams, tile plots, …</a:t>
+            </a:r>
+          </a:p>
+          <a:p>
+            <a:pPr lvl="1"/>
+            <a:r>
+              <a:rPr lang="en-US" dirty="0"/>
+              <a:t>More graphical methods to come …</a:t>
             </a:r>
           </a:p>
         </p:txBody>
@@ -28881,7 +29686,7 @@
           <p:cNvPr id="4" name="Slide Number Placeholder 3">
             <a:extLst>
               <a:ext uri="{FF2B5EF4-FFF2-40B4-BE49-F238E27FC236}">
-                <a16:creationId xmlns:a16="http://schemas.microsoft.com/office/drawing/2014/main" id="{908224BD-5CF6-4191-BF62-436459B1652C}"/>
+                <a16:creationId xmlns:a16="http://schemas.microsoft.com/office/drawing/2014/main" id="{411B7C9A-1E0B-4F41-9199-1EFA70C2D058}"/>
               </a:ext>
             </a:extLst>
           </p:cNvPr>
@@ -28899,239 +29704,16 @@
           <a:p>
             <a:fld id="{621225AB-15B9-4C79-A121-04D1DC7E2307}" type="slidenum">
               <a:rPr lang="en-US" smtClean="0"/>
-              <a:t>71</a:t>
+              <a:t>73</a:t>
             </a:fld>
             <a:endParaRPr lang="en-US"/>
-          </a:p>
-        </p:txBody>
-      </p:sp>
-      <p:grpSp>
-        <p:nvGrpSpPr>
-          <p:cNvPr id="5" name="Group 4">
-            <a:extLst>
-              <a:ext uri="{FF2B5EF4-FFF2-40B4-BE49-F238E27FC236}">
-                <a16:creationId xmlns:a16="http://schemas.microsoft.com/office/drawing/2014/main" id="{B5F968D8-6281-4FBE-A2BE-CD50069416A4}"/>
-              </a:ext>
-            </a:extLst>
-          </p:cNvPr>
-          <p:cNvGrpSpPr/>
-          <p:nvPr/>
-        </p:nvGrpSpPr>
-        <p:grpSpPr>
-          <a:xfrm>
-            <a:off x="4267200" y="3429000"/>
-            <a:ext cx="4183427" cy="3108960"/>
-            <a:chOff x="4623819" y="2362200"/>
-            <a:chExt cx="4183427" cy="3108960"/>
-          </a:xfrm>
-        </p:grpSpPr>
-        <p:pic>
-          <p:nvPicPr>
-            <p:cNvPr id="6" name="Picture 5" descr="Chart, scatter chart&#10;&#10;Description automatically generated">
-              <a:extLst>
-                <a:ext uri="{FF2B5EF4-FFF2-40B4-BE49-F238E27FC236}">
-                  <a16:creationId xmlns:a16="http://schemas.microsoft.com/office/drawing/2014/main" id="{AC267138-074C-4573-A45D-96176494A1AF}"/>
-                </a:ext>
-              </a:extLst>
-            </p:cNvPr>
-            <p:cNvPicPr>
-              <a:picLocks noChangeAspect="1"/>
-            </p:cNvPicPr>
-            <p:nvPr/>
-          </p:nvPicPr>
-          <p:blipFill>
-            <a:blip r:embed="rId2">
-              <a:extLst>
-                <a:ext uri="{28A0092B-C50C-407E-A947-70E740481C1C}">
-                  <a14:useLocalDpi xmlns:a14="http://schemas.microsoft.com/office/drawing/2010/main" val="0"/>
-                </a:ext>
-              </a:extLst>
-            </a:blip>
-            <a:stretch>
-              <a:fillRect/>
-            </a:stretch>
-          </p:blipFill>
-          <p:spPr>
-            <a:xfrm>
-              <a:off x="4623819" y="2362200"/>
-              <a:ext cx="4183427" cy="3108960"/>
-            </a:xfrm>
-            <a:prstGeom prst="rect">
-              <a:avLst/>
-            </a:prstGeom>
-          </p:spPr>
-        </p:pic>
-        <p:cxnSp>
-          <p:nvCxnSpPr>
-            <p:cNvPr id="7" name="Straight Connector 6">
-              <a:extLst>
-                <a:ext uri="{FF2B5EF4-FFF2-40B4-BE49-F238E27FC236}">
-                  <a16:creationId xmlns:a16="http://schemas.microsoft.com/office/drawing/2014/main" id="{9C2032AF-C4AB-4595-B205-310A09B309C4}"/>
-                </a:ext>
-              </a:extLst>
-            </p:cNvPr>
-            <p:cNvCxnSpPr>
-              <a:cxnSpLocks/>
-            </p:cNvCxnSpPr>
-            <p:nvPr/>
-          </p:nvCxnSpPr>
-          <p:spPr>
-            <a:xfrm>
-              <a:off x="5562600" y="3276600"/>
-              <a:ext cx="533400" cy="457200"/>
-            </a:xfrm>
-            <a:prstGeom prst="line">
-              <a:avLst/>
-            </a:prstGeom>
-            <a:ln w="12700">
-              <a:solidFill>
-                <a:srgbClr val="FF0000"/>
-              </a:solidFill>
-            </a:ln>
-          </p:spPr>
-          <p:style>
-            <a:lnRef idx="1">
-              <a:schemeClr val="accent1"/>
-            </a:lnRef>
-            <a:fillRef idx="0">
-              <a:schemeClr val="accent1"/>
-            </a:fillRef>
-            <a:effectRef idx="0">
-              <a:schemeClr val="accent1"/>
-            </a:effectRef>
-            <a:fontRef idx="minor">
-              <a:schemeClr val="tx1"/>
-            </a:fontRef>
-          </p:style>
-        </p:cxnSp>
-        <p:cxnSp>
-          <p:nvCxnSpPr>
-            <p:cNvPr id="8" name="Straight Connector 7">
-              <a:extLst>
-                <a:ext uri="{FF2B5EF4-FFF2-40B4-BE49-F238E27FC236}">
-                  <a16:creationId xmlns:a16="http://schemas.microsoft.com/office/drawing/2014/main" id="{6B5C173A-63C5-40C5-A099-412DB868914C}"/>
-                </a:ext>
-              </a:extLst>
-            </p:cNvPr>
-            <p:cNvCxnSpPr/>
-            <p:nvPr/>
-          </p:nvCxnSpPr>
-          <p:spPr>
-            <a:xfrm>
-              <a:off x="6096000" y="3733800"/>
-              <a:ext cx="838200" cy="457200"/>
-            </a:xfrm>
-            <a:prstGeom prst="line">
-              <a:avLst/>
-            </a:prstGeom>
-            <a:ln w="12700">
-              <a:solidFill>
-                <a:srgbClr val="FF0000"/>
-              </a:solidFill>
-            </a:ln>
-          </p:spPr>
-          <p:style>
-            <a:lnRef idx="1">
-              <a:schemeClr val="accent1"/>
-            </a:lnRef>
-            <a:fillRef idx="0">
-              <a:schemeClr val="accent1"/>
-            </a:fillRef>
-            <a:effectRef idx="0">
-              <a:schemeClr val="accent1"/>
-            </a:effectRef>
-            <a:fontRef idx="minor">
-              <a:schemeClr val="tx1"/>
-            </a:fontRef>
-          </p:style>
-        </p:cxnSp>
-        <p:cxnSp>
-          <p:nvCxnSpPr>
-            <p:cNvPr id="9" name="Straight Connector 8">
-              <a:extLst>
-                <a:ext uri="{FF2B5EF4-FFF2-40B4-BE49-F238E27FC236}">
-                  <a16:creationId xmlns:a16="http://schemas.microsoft.com/office/drawing/2014/main" id="{8F91A64D-3944-4C91-B78C-2C14F77FBE9A}"/>
-                </a:ext>
-              </a:extLst>
-            </p:cNvPr>
-            <p:cNvCxnSpPr/>
-            <p:nvPr/>
-          </p:nvCxnSpPr>
-          <p:spPr>
-            <a:xfrm flipV="1">
-              <a:off x="7032523" y="3276600"/>
-              <a:ext cx="739877" cy="838200"/>
-            </a:xfrm>
-            <a:prstGeom prst="line">
-              <a:avLst/>
-            </a:prstGeom>
-            <a:ln w="12700">
-              <a:solidFill>
-                <a:srgbClr val="FF0000"/>
-              </a:solidFill>
-            </a:ln>
-          </p:spPr>
-          <p:style>
-            <a:lnRef idx="1">
-              <a:schemeClr val="accent1"/>
-            </a:lnRef>
-            <a:fillRef idx="0">
-              <a:schemeClr val="accent1"/>
-            </a:fillRef>
-            <a:effectRef idx="0">
-              <a:schemeClr val="accent1"/>
-            </a:effectRef>
-            <a:fontRef idx="minor">
-              <a:schemeClr val="tx1"/>
-            </a:fontRef>
-          </p:style>
-        </p:cxnSp>
-      </p:grpSp>
-      <p:sp>
-        <p:nvSpPr>
-          <p:cNvPr id="10" name="TextBox 9">
-            <a:extLst>
-              <a:ext uri="{FF2B5EF4-FFF2-40B4-BE49-F238E27FC236}">
-                <a16:creationId xmlns:a16="http://schemas.microsoft.com/office/drawing/2014/main" id="{E58E0708-E341-4A2A-8E48-A1D7108C2E80}"/>
-              </a:ext>
-            </a:extLst>
-          </p:cNvPr>
-          <p:cNvSpPr txBox="1"/>
-          <p:nvPr/>
-        </p:nvSpPr>
-        <p:spPr>
-          <a:xfrm>
-            <a:off x="609600" y="3505200"/>
-            <a:ext cx="3200400" cy="923330"/>
-          </a:xfrm>
-          <a:prstGeom prst="rect">
-            <a:avLst/>
-          </a:prstGeom>
-          <a:noFill/>
-        </p:spPr>
-        <p:txBody>
-          <a:bodyPr wrap="square" rtlCol="0">
-            <a:spAutoFit/>
-          </a:bodyPr>
-          <a:lstStyle/>
-          <a:p>
-            <a:r>
-              <a:rPr lang="en-US" dirty="0"/>
-              <a:t>Dim 1: dark to light </a:t>
-            </a:r>
-          </a:p>
-          <a:p>
-            <a:r>
-              <a:rPr lang="en-US" dirty="0"/>
-              <a:t>Dim 2: something about red hair, green eyes?</a:t>
-            </a:r>
           </a:p>
         </p:txBody>
       </p:sp>
     </p:spTree>
     <p:extLst>
       <p:ext uri="{BB962C8B-B14F-4D97-AF65-F5344CB8AC3E}">
-        <p14:creationId xmlns:p14="http://schemas.microsoft.com/office/powerpoint/2010/main" val="1064820914"/>
+        <p14:creationId xmlns:p14="http://schemas.microsoft.com/office/powerpoint/2010/main" val="844449159"/>
       </p:ext>
     </p:extLst>
   </p:cSld>
@@ -29172,7 +29754,215 @@
                                           </p:stCondLst>
                                         </p:cTn>
                                         <p:tgtEl>
-                                          <p:spTgt spid="5"/>
+                                          <p:spTgt spid="3">
+                                            <p:txEl>
+                                              <p:pRg st="4" end="4"/>
+                                            </p:txEl>
+                                          </p:spTgt>
+                                        </p:tgtEl>
+                                        <p:attrNameLst>
+                                          <p:attrName>style.visibility</p:attrName>
+                                        </p:attrNameLst>
+                                      </p:cBhvr>
+                                      <p:to>
+                                        <p:strVal val="visible"/>
+                                      </p:to>
+                                    </p:set>
+                                  </p:childTnLst>
+                                </p:cTn>
+                              </p:par>
+                              <p:par>
+                                <p:cTn id="7" presetID="1" presetClass="entr" presetSubtype="0" fill="hold" nodeType="withEffect">
+                                  <p:stCondLst>
+                                    <p:cond delay="0"/>
+                                  </p:stCondLst>
+                                  <p:childTnLst>
+                                    <p:set>
+                                      <p:cBhvr>
+                                        <p:cTn id="8" dur="1" fill="hold">
+                                          <p:stCondLst>
+                                            <p:cond delay="0"/>
+                                          </p:stCondLst>
+                                        </p:cTn>
+                                        <p:tgtEl>
+                                          <p:spTgt spid="3">
+                                            <p:txEl>
+                                              <p:pRg st="5" end="5"/>
+                                            </p:txEl>
+                                          </p:spTgt>
+                                        </p:tgtEl>
+                                        <p:attrNameLst>
+                                          <p:attrName>style.visibility</p:attrName>
+                                        </p:attrNameLst>
+                                      </p:cBhvr>
+                                      <p:to>
+                                        <p:strVal val="visible"/>
+                                      </p:to>
+                                    </p:set>
+                                  </p:childTnLst>
+                                </p:cTn>
+                              </p:par>
+                              <p:par>
+                                <p:cTn id="9" presetID="1" presetClass="entr" presetSubtype="0" fill="hold" nodeType="withEffect">
+                                  <p:stCondLst>
+                                    <p:cond delay="0"/>
+                                  </p:stCondLst>
+                                  <p:childTnLst>
+                                    <p:set>
+                                      <p:cBhvr>
+                                        <p:cTn id="10" dur="1" fill="hold">
+                                          <p:stCondLst>
+                                            <p:cond delay="0"/>
+                                          </p:stCondLst>
+                                        </p:cTn>
+                                        <p:tgtEl>
+                                          <p:spTgt spid="3">
+                                            <p:txEl>
+                                              <p:pRg st="6" end="6"/>
+                                            </p:txEl>
+                                          </p:spTgt>
+                                        </p:tgtEl>
+                                        <p:attrNameLst>
+                                          <p:attrName>style.visibility</p:attrName>
+                                        </p:attrNameLst>
+                                      </p:cBhvr>
+                                      <p:to>
+                                        <p:strVal val="visible"/>
+                                      </p:to>
+                                    </p:set>
+                                  </p:childTnLst>
+                                </p:cTn>
+                              </p:par>
+                            </p:childTnLst>
+                          </p:cTn>
+                        </p:par>
+                      </p:childTnLst>
+                    </p:cTn>
+                  </p:par>
+                  <p:par>
+                    <p:cTn id="11" fill="hold">
+                      <p:stCondLst>
+                        <p:cond delay="indefinite"/>
+                      </p:stCondLst>
+                      <p:childTnLst>
+                        <p:par>
+                          <p:cTn id="12" fill="hold">
+                            <p:stCondLst>
+                              <p:cond delay="0"/>
+                            </p:stCondLst>
+                            <p:childTnLst>
+                              <p:par>
+                                <p:cTn id="13" presetID="1" presetClass="entr" presetSubtype="0" fill="hold" nodeType="clickEffect">
+                                  <p:stCondLst>
+                                    <p:cond delay="0"/>
+                                  </p:stCondLst>
+                                  <p:childTnLst>
+                                    <p:set>
+                                      <p:cBhvr>
+                                        <p:cTn id="14" dur="1" fill="hold">
+                                          <p:stCondLst>
+                                            <p:cond delay="0"/>
+                                          </p:stCondLst>
+                                        </p:cTn>
+                                        <p:tgtEl>
+                                          <p:spTgt spid="3">
+                                            <p:txEl>
+                                              <p:pRg st="7" end="7"/>
+                                            </p:txEl>
+                                          </p:spTgt>
+                                        </p:tgtEl>
+                                        <p:attrNameLst>
+                                          <p:attrName>style.visibility</p:attrName>
+                                        </p:attrNameLst>
+                                      </p:cBhvr>
+                                      <p:to>
+                                        <p:strVal val="visible"/>
+                                      </p:to>
+                                    </p:set>
+                                  </p:childTnLst>
+                                </p:cTn>
+                              </p:par>
+                              <p:par>
+                                <p:cTn id="15" presetID="1" presetClass="entr" presetSubtype="0" fill="hold" nodeType="withEffect">
+                                  <p:stCondLst>
+                                    <p:cond delay="0"/>
+                                  </p:stCondLst>
+                                  <p:childTnLst>
+                                    <p:set>
+                                      <p:cBhvr>
+                                        <p:cTn id="16" dur="1" fill="hold">
+                                          <p:stCondLst>
+                                            <p:cond delay="0"/>
+                                          </p:stCondLst>
+                                        </p:cTn>
+                                        <p:tgtEl>
+                                          <p:spTgt spid="3">
+                                            <p:txEl>
+                                              <p:pRg st="8" end="8"/>
+                                            </p:txEl>
+                                          </p:spTgt>
+                                        </p:tgtEl>
+                                        <p:attrNameLst>
+                                          <p:attrName>style.visibility</p:attrName>
+                                        </p:attrNameLst>
+                                      </p:cBhvr>
+                                      <p:to>
+                                        <p:strVal val="visible"/>
+                                      </p:to>
+                                    </p:set>
+                                  </p:childTnLst>
+                                </p:cTn>
+                              </p:par>
+                              <p:par>
+                                <p:cTn id="17" presetID="1" presetClass="entr" presetSubtype="0" fill="hold" nodeType="withEffect">
+                                  <p:stCondLst>
+                                    <p:cond delay="0"/>
+                                  </p:stCondLst>
+                                  <p:childTnLst>
+                                    <p:set>
+                                      <p:cBhvr>
+                                        <p:cTn id="18" dur="1" fill="hold">
+                                          <p:stCondLst>
+                                            <p:cond delay="0"/>
+                                          </p:stCondLst>
+                                        </p:cTn>
+                                        <p:tgtEl>
+                                          <p:spTgt spid="3">
+                                            <p:txEl>
+                                              <p:pRg st="9" end="9"/>
+                                            </p:txEl>
+                                          </p:spTgt>
+                                        </p:tgtEl>
+                                        <p:attrNameLst>
+                                          <p:attrName>style.visibility</p:attrName>
+                                        </p:attrNameLst>
+                                      </p:cBhvr>
+                                      <p:to>
+                                        <p:strVal val="visible"/>
+                                      </p:to>
+                                    </p:set>
+                                  </p:childTnLst>
+                                </p:cTn>
+                              </p:par>
+                              <p:par>
+                                <p:cTn id="19" presetID="1" presetClass="entr" presetSubtype="0" fill="hold" nodeType="withEffect">
+                                  <p:stCondLst>
+                                    <p:cond delay="0"/>
+                                  </p:stCondLst>
+                                  <p:childTnLst>
+                                    <p:set>
+                                      <p:cBhvr>
+                                        <p:cTn id="20" dur="1" fill="hold">
+                                          <p:stCondLst>
+                                            <p:cond delay="0"/>
+                                          </p:stCondLst>
+                                        </p:cTn>
+                                        <p:tgtEl>
+                                          <p:spTgt spid="3">
+                                            <p:txEl>
+                                              <p:pRg st="10" end="10"/>
+                                            </p:txEl>
+                                          </p:spTgt>
                                         </p:tgtEl>
                                         <p:attrNameLst>
                                           <p:attrName>style.visibility</p:attrName>
@@ -29213,208 +30003,6 @@
       </p:par>
     </p:tnLst>
   </p:timing>
-</p:sld>
-</file>
-
-<file path=ppt/slides/slide72.xml><?xml version="1.0" encoding="utf-8"?>
-<p:sld xmlns:a="http://schemas.openxmlformats.org/drawingml/2006/main" xmlns:r="http://schemas.openxmlformats.org/officeDocument/2006/relationships" xmlns:p="http://schemas.openxmlformats.org/presentationml/2006/main">
-  <p:cSld>
-    <p:spTree>
-      <p:nvGrpSpPr>
-        <p:cNvPr id="1" name=""/>
-        <p:cNvGrpSpPr/>
-        <p:nvPr/>
-      </p:nvGrpSpPr>
-      <p:grpSpPr>
-        <a:xfrm>
-          <a:off x="0" y="0"/>
-          <a:ext cx="0" cy="0"/>
-          <a:chOff x="0" y="0"/>
-          <a:chExt cx="0" cy="0"/>
-        </a:xfrm>
-      </p:grpSpPr>
-      <p:sp>
-        <p:nvSpPr>
-          <p:cNvPr id="2" name="Title 1">
-            <a:extLst>
-              <a:ext uri="{FF2B5EF4-FFF2-40B4-BE49-F238E27FC236}">
-                <a16:creationId xmlns:a16="http://schemas.microsoft.com/office/drawing/2014/main" id="{109DE876-04E5-4381-AFF1-5C0F36A42383}"/>
-              </a:ext>
-            </a:extLst>
-          </p:cNvPr>
-          <p:cNvSpPr>
-            <a:spLocks noGrp="1"/>
-          </p:cNvSpPr>
-          <p:nvPr>
-            <p:ph type="title"/>
-          </p:nvPr>
-        </p:nvSpPr>
-        <p:spPr/>
-        <p:txBody>
-          <a:bodyPr>
-            <a:normAutofit fontScale="90000"/>
-          </a:bodyPr>
-          <a:lstStyle/>
-          <a:p>
-            <a:r>
-              <a:rPr lang="en-US" dirty="0"/>
-              <a:t>Summary</a:t>
-            </a:r>
-          </a:p>
-        </p:txBody>
-      </p:sp>
-      <p:sp>
-        <p:nvSpPr>
-          <p:cNvPr id="3" name="Content Placeholder 2">
-            <a:extLst>
-              <a:ext uri="{FF2B5EF4-FFF2-40B4-BE49-F238E27FC236}">
-                <a16:creationId xmlns:a16="http://schemas.microsoft.com/office/drawing/2014/main" id="{01CE4C24-5102-44F2-B2D2-6E925FA40FA9}"/>
-              </a:ext>
-            </a:extLst>
-          </p:cNvPr>
-          <p:cNvSpPr>
-            <a:spLocks noGrp="1"/>
-          </p:cNvSpPr>
-          <p:nvPr>
-            <p:ph idx="1"/>
-          </p:nvPr>
-        </p:nvSpPr>
-        <p:spPr/>
-        <p:txBody>
-          <a:bodyPr/>
-          <a:lstStyle/>
-          <a:p>
-            <a:r>
-              <a:rPr lang="en-US" dirty="0"/>
-              <a:t>Two-way tables summarize frequencies of two categorical factors</a:t>
-            </a:r>
-          </a:p>
-          <a:p>
-            <a:pPr lvl="1"/>
-            <a:r>
-              <a:rPr lang="en-US" dirty="0"/>
-              <a:t>2 × 2 a special case, with odds ratio as a measure</a:t>
-            </a:r>
-          </a:p>
-          <a:p>
-            <a:pPr lvl="1"/>
-            <a:r>
-              <a:rPr lang="en-US" dirty="0"/>
-              <a:t>r × c: factors can be unordered or ordered</a:t>
-            </a:r>
-          </a:p>
-          <a:p>
-            <a:pPr lvl="1"/>
-            <a:r>
-              <a:rPr lang="en-US" dirty="0"/>
-              <a:t>r × c × k – stratified tables</a:t>
-            </a:r>
-          </a:p>
-          <a:p>
-            <a:r>
-              <a:rPr lang="en-US" dirty="0"/>
-              <a:t>Tests &amp; measures of association</a:t>
-            </a:r>
-          </a:p>
-          <a:p>
-            <a:pPr lvl="1"/>
-            <a:r>
-              <a:rPr lang="en-US" dirty="0"/>
-              <a:t>Pearson </a:t>
-            </a:r>
-            <a:r>
-              <a:rPr lang="el-GR" dirty="0"/>
-              <a:t>χ</a:t>
-            </a:r>
-            <a:r>
-              <a:rPr lang="en-US" baseline="30000" dirty="0"/>
-              <a:t>2</a:t>
-            </a:r>
-            <a:r>
-              <a:rPr lang="en-US" dirty="0"/>
-              <a:t>, LR G</a:t>
-            </a:r>
-            <a:r>
-              <a:rPr lang="en-US" baseline="30000" dirty="0"/>
-              <a:t>2</a:t>
-            </a:r>
-            <a:r>
-              <a:rPr lang="en-US" dirty="0"/>
-              <a:t>: general association</a:t>
-            </a:r>
-          </a:p>
-          <a:p>
-            <a:pPr lvl="1"/>
-            <a:r>
-              <a:rPr lang="en-US" dirty="0"/>
-              <a:t>More powerful CMH tests for ordered factors</a:t>
-            </a:r>
-          </a:p>
-          <a:p>
-            <a:r>
-              <a:rPr lang="en-US" dirty="0"/>
-              <a:t>Visualization</a:t>
-            </a:r>
-          </a:p>
-          <a:p>
-            <a:pPr lvl="1"/>
-            <a:r>
-              <a:rPr lang="en-US" dirty="0"/>
-              <a:t>2 × 2: fourfold plots</a:t>
-            </a:r>
-          </a:p>
-          <a:p>
-            <a:pPr lvl="1"/>
-            <a:r>
-              <a:rPr lang="en-US"/>
-              <a:t>r × </a:t>
-            </a:r>
-            <a:r>
-              <a:rPr lang="en-US" dirty="0"/>
-              <a:t>c: sieve diagrams, tile plots, …</a:t>
-            </a:r>
-          </a:p>
-        </p:txBody>
-      </p:sp>
-      <p:sp>
-        <p:nvSpPr>
-          <p:cNvPr id="4" name="Slide Number Placeholder 3">
-            <a:extLst>
-              <a:ext uri="{FF2B5EF4-FFF2-40B4-BE49-F238E27FC236}">
-                <a16:creationId xmlns:a16="http://schemas.microsoft.com/office/drawing/2014/main" id="{411B7C9A-1E0B-4F41-9199-1EFA70C2D058}"/>
-              </a:ext>
-            </a:extLst>
-          </p:cNvPr>
-          <p:cNvSpPr>
-            <a:spLocks noGrp="1"/>
-          </p:cNvSpPr>
-          <p:nvPr>
-            <p:ph type="sldNum" sz="quarter" idx="12"/>
-          </p:nvPr>
-        </p:nvSpPr>
-        <p:spPr/>
-        <p:txBody>
-          <a:bodyPr/>
-          <a:lstStyle/>
-          <a:p>
-            <a:fld id="{621225AB-15B9-4C79-A121-04D1DC7E2307}" type="slidenum">
-              <a:rPr lang="en-US" smtClean="0"/>
-              <a:t>72</a:t>
-            </a:fld>
-            <a:endParaRPr lang="en-US"/>
-          </a:p>
-        </p:txBody>
-      </p:sp>
-    </p:spTree>
-    <p:extLst>
-      <p:ext uri="{BB962C8B-B14F-4D97-AF65-F5344CB8AC3E}">
-        <p14:creationId xmlns:p14="http://schemas.microsoft.com/office/powerpoint/2010/main" val="844449159"/>
-      </p:ext>
-    </p:extLst>
-  </p:cSld>
-  <p:clrMapOvr>
-    <a:masterClrMapping/>
-  </p:clrMapOvr>
 </p:sld>
 </file>
 

--- a/docs/lectures/03-Twoway1.pptx
+++ b/docs/lectures/03-Twoway1.pptx
@@ -1,6 +1,6 @@
 
 <file path=ppt/presentation.xml><?xml version="1.0" encoding="utf-8"?>
-<p:presentation xmlns:a="http://schemas.openxmlformats.org/drawingml/2006/main" xmlns:r="http://schemas.openxmlformats.org/officeDocument/2006/relationships" xmlns:p="http://schemas.openxmlformats.org/presentationml/2006/main" saveSubsetFonts="1">
+<p:presentation xmlns:a="http://schemas.openxmlformats.org/drawingml/2006/main" xmlns:r="http://schemas.openxmlformats.org/officeDocument/2006/relationships" xmlns:p="http://schemas.openxmlformats.org/presentationml/2006/main" embedTrueTypeFonts="1" saveSubsetFonts="1">
   <p:sldMasterIdLst>
     <p:sldMasterId id="2147483660" r:id="rId1"/>
   </p:sldMasterIdLst>
@@ -87,6 +87,23 @@
   </p:sldIdLst>
   <p:sldSz cx="9144000" cy="6858000" type="screen4x3"/>
   <p:notesSz cx="6858000" cy="9144000"/>
+  <p:embeddedFontLst>
+    <p:embeddedFont>
+      <p:font typeface="Calibri" panose="020F0502020204030204" pitchFamily="34" charset="0"/>
+      <p:regular r:id="rId77"/>
+      <p:bold r:id="rId78"/>
+      <p:italic r:id="rId79"/>
+      <p:boldItalic r:id="rId80"/>
+    </p:embeddedFont>
+    <p:embeddedFont>
+      <p:font typeface="Cambria Math" panose="02040503050406030204" pitchFamily="18" charset="0"/>
+      <p:regular r:id="rId81"/>
+    </p:embeddedFont>
+    <p:embeddedFont>
+      <p:font typeface="Noto Music" pitchFamily="2" charset="0"/>
+      <p:regular r:id="rId82"/>
+    </p:embeddedFont>
+  </p:embeddedFontLst>
   <p:defaultTextStyle>
     <a:defPPr>
       <a:defRPr lang="en-US"/>
@@ -410,7 +427,7 @@
           <a:p>
             <a:fld id="{08BD4FA9-F3CE-45B3-A980-C331C6F1EF65}" type="datetimeFigureOut">
               <a:rPr lang="en-US" smtClean="0"/>
-              <a:t>12/30/2022</a:t>
+              <a:t>1/5/2023</a:t>
             </a:fld>
             <a:endParaRPr lang="en-US"/>
           </a:p>
@@ -575,7 +592,7 @@
           <a:p>
             <a:fld id="{B1271872-C532-4BFE-903F-C7072979174B}" type="datetimeFigureOut">
               <a:rPr lang="en-US" smtClean="0"/>
-              <a:t>12/30/2022</a:t>
+              <a:t>1/5/2023</a:t>
             </a:fld>
             <a:endParaRPr lang="en-US"/>
           </a:p>
@@ -1116,7 +1133,7 @@
           <a:p>
             <a:fld id="{EAAD3657-2200-4D14-82C0-10C39B0F0F06}" type="datetime1">
               <a:rPr lang="en-US" smtClean="0"/>
-              <a:t>12/30/2022</a:t>
+              <a:t>1/5/2023</a:t>
             </a:fld>
             <a:endParaRPr lang="en-US"/>
           </a:p>
@@ -1284,7 +1301,7 @@
           <a:p>
             <a:fld id="{11BBAF55-A85E-4993-914E-FC1E5AA7DF24}" type="datetime1">
               <a:rPr lang="en-US" smtClean="0"/>
-              <a:t>12/30/2022</a:t>
+              <a:t>1/5/2023</a:t>
             </a:fld>
             <a:endParaRPr lang="en-US"/>
           </a:p>
@@ -1462,7 +1479,7 @@
           <a:p>
             <a:fld id="{39816E07-E1DB-44A4-A5E5-9F4B54E8C933}" type="datetime1">
               <a:rPr lang="en-US" smtClean="0"/>
-              <a:t>12/30/2022</a:t>
+              <a:t>1/5/2023</a:t>
             </a:fld>
             <a:endParaRPr lang="en-US"/>
           </a:p>
@@ -1647,7 +1664,7 @@
           <a:p>
             <a:fld id="{C2B1AD17-B813-4477-8AFE-B1860CC59113}" type="datetime1">
               <a:rPr lang="en-US" smtClean="0"/>
-              <a:t>12/30/2022</a:t>
+              <a:t>1/5/2023</a:t>
             </a:fld>
             <a:endParaRPr lang="en-US"/>
           </a:p>
@@ -1892,7 +1909,7 @@
           <a:p>
             <a:fld id="{D0975C0D-5C9E-48CC-8D31-F42D19FA8F7A}" type="datetime1">
               <a:rPr lang="en-US" smtClean="0"/>
-              <a:t>12/30/2022</a:t>
+              <a:t>1/5/2023</a:t>
             </a:fld>
             <a:endParaRPr lang="en-US"/>
           </a:p>
@@ -2177,7 +2194,7 @@
           <a:p>
             <a:fld id="{28657551-0F2B-4F09-86FD-F7994CE83DC5}" type="datetime1">
               <a:rPr lang="en-US" smtClean="0"/>
-              <a:t>12/30/2022</a:t>
+              <a:t>1/5/2023</a:t>
             </a:fld>
             <a:endParaRPr lang="en-US"/>
           </a:p>
@@ -2596,7 +2613,7 @@
           <a:p>
             <a:fld id="{3929D2B2-4200-46B9-96C3-02A55D5FAA00}" type="datetime1">
               <a:rPr lang="en-US" smtClean="0"/>
-              <a:t>12/30/2022</a:t>
+              <a:t>1/5/2023</a:t>
             </a:fld>
             <a:endParaRPr lang="en-US"/>
           </a:p>
@@ -2713,7 +2730,7 @@
           <a:p>
             <a:fld id="{41FF7722-74E8-497F-A072-89677A2C2373}" type="datetime1">
               <a:rPr lang="en-US" smtClean="0"/>
-              <a:t>12/30/2022</a:t>
+              <a:t>1/5/2023</a:t>
             </a:fld>
             <a:endParaRPr lang="en-US"/>
           </a:p>
@@ -2808,7 +2825,7 @@
           <a:p>
             <a:fld id="{BD26212E-B46B-426F-AE59-AA326827D9E0}" type="datetime1">
               <a:rPr lang="en-US" smtClean="0"/>
-              <a:t>12/30/2022</a:t>
+              <a:t>1/5/2023</a:t>
             </a:fld>
             <a:endParaRPr lang="en-US"/>
           </a:p>
@@ -3083,7 +3100,7 @@
           <a:p>
             <a:fld id="{FB9B81E8-09EA-4684-A39F-38DE1E49D20C}" type="datetime1">
               <a:rPr lang="en-US" smtClean="0"/>
-              <a:t>12/30/2022</a:t>
+              <a:t>1/5/2023</a:t>
             </a:fld>
             <a:endParaRPr lang="en-US"/>
           </a:p>
@@ -3335,7 +3352,7 @@
           <a:p>
             <a:fld id="{35C5CC5F-056C-4047-9A5C-9F5B4BED129B}" type="datetime1">
               <a:rPr lang="en-US" smtClean="0"/>
-              <a:t>12/30/2022</a:t>
+              <a:t>1/5/2023</a:t>
             </a:fld>
             <a:endParaRPr lang="en-US"/>
           </a:p>
@@ -3549,7 +3566,7 @@
           <a:p>
             <a:fld id="{E8171053-07BD-4A17-AC24-0A22EAA36098}" type="datetime1">
               <a:rPr lang="en-US" smtClean="0"/>
-              <a:t>12/30/2022</a:t>
+              <a:t>1/5/2023</a:t>
             </a:fld>
             <a:endParaRPr lang="en-US"/>
           </a:p>
@@ -12318,7 +12335,7 @@
                 <a:latin typeface="Courier New" panose="02070309020205020404" pitchFamily="49" charset="0"/>
                 <a:cs typeface="Courier New" panose="02070309020205020404" pitchFamily="49" charset="0"/>
               </a:rPr>
-              <a:t>+                       disease=c("no", "yes"))</a:t>
+              <a:t>                        disease=c("no", "yes"))</a:t>
             </a:r>
           </a:p>
           <a:p>
@@ -12965,7 +12982,7 @@
         <p:spPr>
           <a:xfrm>
             <a:off x="533400" y="4114800"/>
-            <a:ext cx="8153400" cy="1200329"/>
+            <a:ext cx="8153400" cy="1754326"/>
           </a:xfrm>
           <a:prstGeom prst="rect">
             <a:avLst/>
@@ -12994,7 +13011,16 @@
             </a:r>
             <a:r>
               <a:rPr lang="en-US" dirty="0"/>
-              <a:t> for each. The </a:t>
+              <a:t> for each. </a:t>
+            </a:r>
+          </a:p>
+          <a:p>
+            <a:endParaRPr lang="en-US" dirty="0"/>
+          </a:p>
+          <a:p>
+            <a:r>
+              <a:rPr lang="en-US" dirty="0"/>
+              <a:t>The </a:t>
             </a:r>
             <a:r>
               <a:rPr lang="en-US" i="1" dirty="0"/>
@@ -13012,6 +13038,9 @@
               <a:rPr lang="en-US" dirty="0"/>
               <a:t> to distribution in the simulations.</a:t>
             </a:r>
+          </a:p>
+          <a:p>
+            <a:endParaRPr lang="en-US" dirty="0"/>
           </a:p>
           <a:p>
             <a:r>
@@ -14832,15 +14861,9 @@
             </a:r>
             <a:r>
               <a:rPr lang="en-US" dirty="0">
-                <a:sym typeface="Symbol MT" panose="05050102010706020507" pitchFamily="18" charset="2"/>
-              </a:rPr>
-              <a:t></a:t>
-            </a:r>
-            <a:r>
-              <a:rPr lang="en-US" dirty="0">
                 <a:sym typeface="Symbol" panose="05050102010706020507" pitchFamily="18" charset="2"/>
               </a:rPr>
-              <a:t> 0 for department A</a:t>
+              <a:t> 0, for department A</a:t>
             </a:r>
           </a:p>
           <a:p>
@@ -17594,8 +17617,20 @@
           <a:lstStyle/>
           <a:p>
             <a:r>
+              <a:rPr lang="en-US" i="1" dirty="0"/>
+              <a:t>r</a:t>
+            </a:r>
+            <a:r>
               <a:rPr lang="en-US" dirty="0"/>
-              <a:t>r × c tables: Overall analysis</a:t>
+              <a:t> × </a:t>
+            </a:r>
+            <a:r>
+              <a:rPr lang="en-US" i="1" dirty="0"/>
+              <a:t>c</a:t>
+            </a:r>
+            <a:r>
+              <a:rPr lang="en-US" dirty="0"/>
+              <a:t> tables: Overall analysis</a:t>
             </a:r>
           </a:p>
         </p:txBody>
@@ -17831,9 +17866,11 @@
               <a:t>Residuals, fitted values, test statistics returned by </a:t>
             </a:r>
             <a:r>
-              <a:rPr lang="en-US" sz="2000" dirty="0">
+              <a:rPr lang="en-US" sz="2000" b="1" dirty="0">
                 <a:solidFill>
-                  <a:srgbClr val="C00000"/>
+                  <a:schemeClr val="accent6">
+                    <a:lumMod val="50000"/>
+                  </a:schemeClr>
                 </a:solidFill>
                 <a:latin typeface="Courier New" panose="02070309020205020404" pitchFamily="49" charset="0"/>
                 <a:cs typeface="Courier New" panose="02070309020205020404" pitchFamily="49" charset="0"/>
@@ -17841,9 +17878,11 @@
               <a:t>MASS::</a:t>
             </a:r>
             <a:r>
-              <a:rPr lang="en-US" sz="2000" dirty="0" err="1">
+              <a:rPr lang="en-US" sz="2000" b="1" dirty="0" err="1">
                 <a:solidFill>
-                  <a:srgbClr val="C00000"/>
+                  <a:schemeClr val="accent6">
+                    <a:lumMod val="50000"/>
+                  </a:schemeClr>
                 </a:solidFill>
                 <a:latin typeface="Courier New" panose="02070309020205020404" pitchFamily="49" charset="0"/>
                 <a:cs typeface="Courier New" panose="02070309020205020404" pitchFamily="49" charset="0"/>
@@ -17851,9 +17890,11 @@
               <a:t>loglm</a:t>
             </a:r>
             <a:r>
-              <a:rPr lang="en-US" sz="2000" dirty="0">
+              <a:rPr lang="en-US" sz="2000" b="1" dirty="0">
                 <a:solidFill>
-                  <a:srgbClr val="C00000"/>
+                  <a:schemeClr val="accent6">
+                    <a:lumMod val="50000"/>
+                  </a:schemeClr>
                 </a:solidFill>
                 <a:latin typeface="Courier New" panose="02070309020205020404" pitchFamily="49" charset="0"/>
                 <a:cs typeface="Courier New" panose="02070309020205020404" pitchFamily="49" charset="0"/>
@@ -21361,7 +21402,31 @@
               <a:rPr lang="en-CA" sz="2400" dirty="0">
                 <a:sym typeface="Symbol" panose="05050102010706020507" pitchFamily="18" charset="2"/>
               </a:rPr>
-              <a:t> association, with (r-1) × (c-1) </a:t>
+              <a:t> association, with (</a:t>
+            </a:r>
+            <a:r>
+              <a:rPr lang="en-CA" sz="2400" i="1" dirty="0">
+                <a:sym typeface="Symbol" panose="05050102010706020507" pitchFamily="18" charset="2"/>
+              </a:rPr>
+              <a:t>r-1</a:t>
+            </a:r>
+            <a:r>
+              <a:rPr lang="en-CA" sz="2400" dirty="0">
+                <a:sym typeface="Symbol" panose="05050102010706020507" pitchFamily="18" charset="2"/>
+              </a:rPr>
+              <a:t>) × (</a:t>
+            </a:r>
+            <a:r>
+              <a:rPr lang="en-CA" sz="2400" i="1" dirty="0">
+                <a:sym typeface="Symbol" panose="05050102010706020507" pitchFamily="18" charset="2"/>
+              </a:rPr>
+              <a:t>c-1</a:t>
+            </a:r>
+            <a:r>
+              <a:rPr lang="en-CA" sz="2400" dirty="0">
+                <a:sym typeface="Symbol" panose="05050102010706020507" pitchFamily="18" charset="2"/>
+              </a:rPr>
+              <a:t>) </a:t>
             </a:r>
             <a:r>
               <a:rPr lang="en-CA" sz="2400" dirty="0" err="1">
@@ -24161,7 +24226,7 @@
           <a:lstStyle/>
           <a:p>
             <a:r>
-              <a:rPr lang="en-CA" dirty="0" err="1">
+              <a:rPr lang="en-CA" b="1" dirty="0" err="1">
                 <a:solidFill>
                   <a:schemeClr val="accent2">
                     <a:lumMod val="75000"/>
@@ -24173,7 +24238,7 @@
               <a:t>vcd</a:t>
             </a:r>
             <a:r>
-              <a:rPr lang="en-CA" dirty="0">
+              <a:rPr lang="en-CA" b="1" dirty="0">
                 <a:solidFill>
                   <a:schemeClr val="accent2">
                     <a:lumMod val="75000"/>
@@ -24254,7 +24319,7 @@
               <a:t>You can obtain confidence intervals with the </a:t>
             </a:r>
             <a:r>
-              <a:rPr lang="en-CA" dirty="0" err="1">
+              <a:rPr lang="en-CA" b="1" dirty="0" err="1">
                 <a:solidFill>
                   <a:schemeClr val="accent2">
                     <a:lumMod val="75000"/>
@@ -24267,7 +24332,7 @@
               <a:t>confint</a:t>
             </a:r>
             <a:r>
-              <a:rPr lang="en-CA" dirty="0">
+              <a:rPr lang="en-CA" b="1" dirty="0">
                 <a:solidFill>
                   <a:schemeClr val="accent2">
                     <a:lumMod val="75000"/>
@@ -29517,7 +29582,7 @@
         <p:spPr/>
         <p:txBody>
           <a:bodyPr>
-            <a:normAutofit lnSpcReduction="10000"/>
+            <a:normAutofit fontScale="92500"/>
           </a:bodyPr>
           <a:lstStyle/>
           <a:p>
@@ -29548,8 +29613,20 @@
           <a:p>
             <a:pPr lvl="1"/>
             <a:r>
+              <a:rPr lang="en-US" i="1" dirty="0"/>
+              <a:t>r</a:t>
+            </a:r>
+            <a:r>
               <a:rPr lang="en-US" dirty="0"/>
-              <a:t>r × c: factors can be </a:t>
+              <a:t> × </a:t>
+            </a:r>
+            <a:r>
+              <a:rPr lang="en-US" i="1" dirty="0"/>
+              <a:t>c</a:t>
+            </a:r>
+            <a:r>
+              <a:rPr lang="en-US" dirty="0"/>
+              <a:t>: factors can be </a:t>
             </a:r>
             <a:r>
               <a:rPr lang="en-US" dirty="0">
@@ -29575,22 +29652,49 @@
           <a:p>
             <a:pPr lvl="1"/>
             <a:r>
+              <a:rPr lang="en-US" i="1" dirty="0"/>
+              <a:t>r</a:t>
+            </a:r>
+            <a:r>
               <a:rPr lang="en-US" dirty="0"/>
-              <a:t>r × c × k: stratified tables, </a:t>
-            </a:r>
-            <a:r>
-              <a:rPr lang="en-US" dirty="0" err="1"/>
-              <a:t>r×c</a:t>
+              <a:t> × </a:t>
+            </a:r>
+            <a:r>
+              <a:rPr lang="en-US" i="1" dirty="0"/>
+              <a:t>c</a:t>
             </a:r>
             <a:r>
               <a:rPr lang="en-US" dirty="0"/>
-              <a:t> with groups </a:t>
+              <a:t> × </a:t>
+            </a:r>
+            <a:r>
+              <a:rPr lang="en-US" i="1" dirty="0"/>
+              <a:t>k</a:t>
+            </a:r>
+            <a:r>
+              <a:rPr lang="en-US" dirty="0"/>
+              <a:t>: stratified tables</a:t>
             </a:r>
             <a:r>
               <a:rPr lang="en-US"/>
-              <a:t>or circumstances</a:t>
-            </a:r>
-            <a:endParaRPr lang="en-US" dirty="0"/>
+              <a:t>, </a:t>
+            </a:r>
+            <a:r>
+              <a:rPr lang="en-US" i="1"/>
+              <a:t>r </a:t>
+            </a:r>
+            <a:r>
+              <a:rPr lang="en-US"/>
+              <a:t>× </a:t>
+            </a:r>
+            <a:r>
+              <a:rPr lang="en-US" i="1"/>
+              <a:t>c </a:t>
+            </a:r>
+            <a:r>
+              <a:rPr lang="en-US" dirty="0"/>
+              <a:t>with groups or circumstances</a:t>
+            </a:r>
           </a:p>
           <a:p>
             <a:r>

--- a/docs/lectures/03-Twoway1.pptx
+++ b/docs/lectures/03-Twoway1.pptx
@@ -431,7 +431,7 @@
           <a:p>
             <a:fld id="{08BD4FA9-F3CE-45B3-A980-C331C6F1EF65}" type="datetimeFigureOut">
               <a:rPr lang="en-US" smtClean="0"/>
-              <a:t>1/23/2023</a:t>
+              <a:t>1/24/2023</a:t>
             </a:fld>
             <a:endParaRPr lang="en-US"/>
           </a:p>
@@ -596,7 +596,7 @@
           <a:p>
             <a:fld id="{B1271872-C532-4BFE-903F-C7072979174B}" type="datetimeFigureOut">
               <a:rPr lang="en-US" smtClean="0"/>
-              <a:t>1/23/2023</a:t>
+              <a:t>1/24/2023</a:t>
             </a:fld>
             <a:endParaRPr lang="en-US"/>
           </a:p>
@@ -907,6 +907,195 @@
           <a:bodyPr/>
           <a:lstStyle/>
           <a:p>
+            <a:r>
+              <a:rPr lang="en-CA" dirty="0"/>
+              <a:t>In 1935, Maurice Bartlett presented the first paper on the topic of interactions in three-way tables. </a:t>
+            </a:r>
+          </a:p>
+          <a:p>
+            <a:r>
+              <a:rPr lang="en-CA" dirty="0"/>
+              <a:t>His main example concerned an agricultural experiment on plum root cuttings …</a:t>
+            </a:r>
+          </a:p>
+        </p:txBody>
+      </p:sp>
+      <p:sp>
+        <p:nvSpPr>
+          <p:cNvPr id="4" name="Slide Number Placeholder 3"/>
+          <p:cNvSpPr>
+            <a:spLocks noGrp="1"/>
+          </p:cNvSpPr>
+          <p:nvPr>
+            <p:ph type="sldNum" sz="quarter" idx="5"/>
+          </p:nvPr>
+        </p:nvSpPr>
+        <p:spPr/>
+        <p:txBody>
+          <a:bodyPr/>
+          <a:lstStyle/>
+          <a:p>
+            <a:fld id="{E94B1ED8-6108-4710-99B1-764EAA2F18C6}" type="slidenum">
+              <a:rPr lang="en-US" smtClean="0"/>
+              <a:t>12</a:t>
+            </a:fld>
+            <a:endParaRPr lang="en-US"/>
+          </a:p>
+        </p:txBody>
+      </p:sp>
+    </p:spTree>
+    <p:extLst>
+      <p:ext uri="{BB962C8B-B14F-4D97-AF65-F5344CB8AC3E}">
+        <p14:creationId xmlns:p14="http://schemas.microsoft.com/office/powerpoint/2010/main" val="498954036"/>
+      </p:ext>
+    </p:extLst>
+  </p:cSld>
+  <p:clrMapOvr>
+    <a:masterClrMapping/>
+  </p:clrMapOvr>
+</p:notes>
+</file>
+
+<file path=ppt/notesSlides/notesSlide2.xml><?xml version="1.0" encoding="utf-8"?>
+<p:notes xmlns:a="http://schemas.openxmlformats.org/drawingml/2006/main" xmlns:r="http://schemas.openxmlformats.org/officeDocument/2006/relationships" xmlns:p="http://schemas.openxmlformats.org/presentationml/2006/main">
+  <p:cSld>
+    <p:spTree>
+      <p:nvGrpSpPr>
+        <p:cNvPr id="1" name=""/>
+        <p:cNvGrpSpPr/>
+        <p:nvPr/>
+      </p:nvGrpSpPr>
+      <p:grpSpPr>
+        <a:xfrm>
+          <a:off x="0" y="0"/>
+          <a:ext cx="0" cy="0"/>
+          <a:chOff x="0" y="0"/>
+          <a:chExt cx="0" cy="0"/>
+        </a:xfrm>
+      </p:grpSpPr>
+      <p:sp>
+        <p:nvSpPr>
+          <p:cNvPr id="2" name="Slide Image Placeholder 1"/>
+          <p:cNvSpPr>
+            <a:spLocks noGrp="1" noRot="1" noChangeAspect="1"/>
+          </p:cNvSpPr>
+          <p:nvPr>
+            <p:ph type="sldImg"/>
+          </p:nvPr>
+        </p:nvSpPr>
+        <p:spPr/>
+      </p:sp>
+      <p:sp>
+        <p:nvSpPr>
+          <p:cNvPr id="3" name="Notes Placeholder 2"/>
+          <p:cNvSpPr>
+            <a:spLocks noGrp="1"/>
+          </p:cNvSpPr>
+          <p:nvPr>
+            <p:ph type="body" idx="1"/>
+          </p:nvPr>
+        </p:nvSpPr>
+        <p:spPr/>
+        <p:txBody>
+          <a:bodyPr/>
+          <a:lstStyle/>
+          <a:p>
+            <a:r>
+              <a:rPr lang="en-CA" dirty="0"/>
+              <a:t>A: for the UCB data, hair-eye color and mental impairment, no margins are fixed -&gt; Poisson</a:t>
+            </a:r>
+          </a:p>
+          <a:p>
+            <a:r>
+              <a:rPr lang="en-CA" dirty="0"/>
+              <a:t>But say we screened 600 males and 600 females, 100 in each department applying to UC Berkeley?</a:t>
+            </a:r>
+          </a:p>
+          <a:p>
+            <a:endParaRPr lang="en-CA" dirty="0"/>
+          </a:p>
+        </p:txBody>
+      </p:sp>
+      <p:sp>
+        <p:nvSpPr>
+          <p:cNvPr id="4" name="Slide Number Placeholder 3"/>
+          <p:cNvSpPr>
+            <a:spLocks noGrp="1"/>
+          </p:cNvSpPr>
+          <p:nvPr>
+            <p:ph type="sldNum" sz="quarter" idx="5"/>
+          </p:nvPr>
+        </p:nvSpPr>
+        <p:spPr/>
+        <p:txBody>
+          <a:bodyPr/>
+          <a:lstStyle/>
+          <a:p>
+            <a:fld id="{E94B1ED8-6108-4710-99B1-764EAA2F18C6}" type="slidenum">
+              <a:rPr lang="en-US" smtClean="0"/>
+              <a:t>22</a:t>
+            </a:fld>
+            <a:endParaRPr lang="en-US"/>
+          </a:p>
+        </p:txBody>
+      </p:sp>
+    </p:spTree>
+    <p:extLst>
+      <p:ext uri="{BB962C8B-B14F-4D97-AF65-F5344CB8AC3E}">
+        <p14:creationId xmlns:p14="http://schemas.microsoft.com/office/powerpoint/2010/main" val="2534160110"/>
+      </p:ext>
+    </p:extLst>
+  </p:cSld>
+  <p:clrMapOvr>
+    <a:masterClrMapping/>
+  </p:clrMapOvr>
+</p:notes>
+</file>
+
+<file path=ppt/notesSlides/notesSlide3.xml><?xml version="1.0" encoding="utf-8"?>
+<p:notes xmlns:a="http://schemas.openxmlformats.org/drawingml/2006/main" xmlns:r="http://schemas.openxmlformats.org/officeDocument/2006/relationships" xmlns:p="http://schemas.openxmlformats.org/presentationml/2006/main">
+  <p:cSld>
+    <p:spTree>
+      <p:nvGrpSpPr>
+        <p:cNvPr id="1" name=""/>
+        <p:cNvGrpSpPr/>
+        <p:nvPr/>
+      </p:nvGrpSpPr>
+      <p:grpSpPr>
+        <a:xfrm>
+          <a:off x="0" y="0"/>
+          <a:ext cx="0" cy="0"/>
+          <a:chOff x="0" y="0"/>
+          <a:chExt cx="0" cy="0"/>
+        </a:xfrm>
+      </p:grpSpPr>
+      <p:sp>
+        <p:nvSpPr>
+          <p:cNvPr id="2" name="Slide Image Placeholder 1"/>
+          <p:cNvSpPr>
+            <a:spLocks noGrp="1" noRot="1" noChangeAspect="1"/>
+          </p:cNvSpPr>
+          <p:nvPr>
+            <p:ph type="sldImg"/>
+          </p:nvPr>
+        </p:nvSpPr>
+        <p:spPr/>
+      </p:sp>
+      <p:sp>
+        <p:nvSpPr>
+          <p:cNvPr id="3" name="Notes Placeholder 2"/>
+          <p:cNvSpPr>
+            <a:spLocks noGrp="1"/>
+          </p:cNvSpPr>
+          <p:nvPr>
+            <p:ph type="body" idx="1"/>
+          </p:nvPr>
+        </p:nvSpPr>
+        <p:spPr/>
+        <p:txBody>
+          <a:bodyPr/>
+          <a:lstStyle/>
+          <a:p>
             <a:endParaRPr lang="en-CA"/>
           </a:p>
         </p:txBody>
@@ -1137,7 +1326,7 @@
           <a:p>
             <a:fld id="{EAAD3657-2200-4D14-82C0-10C39B0F0F06}" type="datetime1">
               <a:rPr lang="en-US" smtClean="0"/>
-              <a:t>1/23/2023</a:t>
+              <a:t>1/24/2023</a:t>
             </a:fld>
             <a:endParaRPr lang="en-US"/>
           </a:p>
@@ -1305,7 +1494,7 @@
           <a:p>
             <a:fld id="{11BBAF55-A85E-4993-914E-FC1E5AA7DF24}" type="datetime1">
               <a:rPr lang="en-US" smtClean="0"/>
-              <a:t>1/23/2023</a:t>
+              <a:t>1/24/2023</a:t>
             </a:fld>
             <a:endParaRPr lang="en-US"/>
           </a:p>
@@ -1483,7 +1672,7 @@
           <a:p>
             <a:fld id="{39816E07-E1DB-44A4-A5E5-9F4B54E8C933}" type="datetime1">
               <a:rPr lang="en-US" smtClean="0"/>
-              <a:t>1/23/2023</a:t>
+              <a:t>1/24/2023</a:t>
             </a:fld>
             <a:endParaRPr lang="en-US"/>
           </a:p>
@@ -1668,7 +1857,7 @@
           <a:p>
             <a:fld id="{C2B1AD17-B813-4477-8AFE-B1860CC59113}" type="datetime1">
               <a:rPr lang="en-US" smtClean="0"/>
-              <a:t>1/23/2023</a:t>
+              <a:t>1/24/2023</a:t>
             </a:fld>
             <a:endParaRPr lang="en-US"/>
           </a:p>
@@ -1913,7 +2102,7 @@
           <a:p>
             <a:fld id="{D0975C0D-5C9E-48CC-8D31-F42D19FA8F7A}" type="datetime1">
               <a:rPr lang="en-US" smtClean="0"/>
-              <a:t>1/23/2023</a:t>
+              <a:t>1/24/2023</a:t>
             </a:fld>
             <a:endParaRPr lang="en-US"/>
           </a:p>
@@ -2198,7 +2387,7 @@
           <a:p>
             <a:fld id="{28657551-0F2B-4F09-86FD-F7994CE83DC5}" type="datetime1">
               <a:rPr lang="en-US" smtClean="0"/>
-              <a:t>1/23/2023</a:t>
+              <a:t>1/24/2023</a:t>
             </a:fld>
             <a:endParaRPr lang="en-US"/>
           </a:p>
@@ -2617,7 +2806,7 @@
           <a:p>
             <a:fld id="{3929D2B2-4200-46B9-96C3-02A55D5FAA00}" type="datetime1">
               <a:rPr lang="en-US" smtClean="0"/>
-              <a:t>1/23/2023</a:t>
+              <a:t>1/24/2023</a:t>
             </a:fld>
             <a:endParaRPr lang="en-US"/>
           </a:p>
@@ -2734,7 +2923,7 @@
           <a:p>
             <a:fld id="{41FF7722-74E8-497F-A072-89677A2C2373}" type="datetime1">
               <a:rPr lang="en-US" smtClean="0"/>
-              <a:t>1/23/2023</a:t>
+              <a:t>1/24/2023</a:t>
             </a:fld>
             <a:endParaRPr lang="en-US"/>
           </a:p>
@@ -2829,7 +3018,7 @@
           <a:p>
             <a:fld id="{BD26212E-B46B-426F-AE59-AA326827D9E0}" type="datetime1">
               <a:rPr lang="en-US" smtClean="0"/>
-              <a:t>1/23/2023</a:t>
+              <a:t>1/24/2023</a:t>
             </a:fld>
             <a:endParaRPr lang="en-US"/>
           </a:p>
@@ -3104,7 +3293,7 @@
           <a:p>
             <a:fld id="{FB9B81E8-09EA-4684-A39F-38DE1E49D20C}" type="datetime1">
               <a:rPr lang="en-US" smtClean="0"/>
-              <a:t>1/23/2023</a:t>
+              <a:t>1/24/2023</a:t>
             </a:fld>
             <a:endParaRPr lang="en-US"/>
           </a:p>
@@ -3356,7 +3545,7 @@
           <a:p>
             <a:fld id="{35C5CC5F-056C-4047-9A5C-9F5B4BED129B}" type="datetime1">
               <a:rPr lang="en-US" smtClean="0"/>
-              <a:t>1/23/2023</a:t>
+              <a:t>1/24/2023</a:t>
             </a:fld>
             <a:endParaRPr lang="en-US"/>
           </a:p>
@@ -3570,7 +3759,7 @@
           <a:p>
             <a:fld id="{E8171053-07BD-4A17-AC24-0A22EAA36098}" type="datetime1">
               <a:rPr lang="en-US" smtClean="0"/>
-              <a:t>1/23/2023</a:t>
+              <a:t>1/24/2023</a:t>
             </a:fld>
             <a:endParaRPr lang="en-US"/>
           </a:p>
@@ -5924,7 +6113,7 @@
           <p:nvPr/>
         </p:nvPicPr>
         <p:blipFill>
-          <a:blip r:embed="rId2"/>
+          <a:blip r:embed="rId3"/>
           <a:stretch>
             <a:fillRect/>
           </a:stretch>
@@ -5969,7 +6158,7 @@
           <a:p>
             <a:r>
               <a:rPr lang="en-CA" dirty="0"/>
-              <a:t>2 x 2 x 2 Data on plum root cuttings: Length (</a:t>
+              <a:t>2 × 2 × 2 Data on plum root cuttings: Length (</a:t>
             </a:r>
             <a:r>
               <a:rPr lang="en-CA" dirty="0" err="1"/>
@@ -6005,7 +6194,41 @@
           <a:p>
             <a:r>
               <a:rPr lang="en-CA" dirty="0"/>
-              <a:t> – Is there a 3-way association, i.e., does (Alive, Time) differ by Length?</a:t>
+              <a:t> – Is there a 3-way association, i.e., does (Alive, Time) differ by Length? (</a:t>
+            </a:r>
+            <a:r>
+              <a:rPr lang="en-CA" dirty="0">
+                <a:sym typeface="Symbol" panose="05050102010706020507" pitchFamily="18" charset="2"/>
+              </a:rPr>
+              <a:t></a:t>
+            </a:r>
+            <a:r>
+              <a:rPr lang="en-CA" baseline="-25000" dirty="0">
+                <a:sym typeface="Symbol" panose="05050102010706020507" pitchFamily="18" charset="2"/>
+              </a:rPr>
+              <a:t>1</a:t>
+            </a:r>
+            <a:r>
+              <a:rPr lang="en-CA" dirty="0">
+                <a:sym typeface="Symbol" panose="05050102010706020507" pitchFamily="18" charset="2"/>
+              </a:rPr>
+              <a:t> = </a:t>
+            </a:r>
+            <a:r>
+              <a:rPr lang="en-CA" baseline="-25000" dirty="0">
+                <a:sym typeface="Symbol" panose="05050102010706020507" pitchFamily="18" charset="2"/>
+              </a:rPr>
+              <a:t>1</a:t>
+            </a:r>
+            <a:r>
+              <a:rPr lang="en-CA" dirty="0">
+                <a:sym typeface="Symbol" panose="05050102010706020507" pitchFamily="18" charset="2"/>
+              </a:rPr>
+              <a:t> </a:t>
+            </a:r>
+            <a:r>
+              <a:rPr lang="en-CA" dirty="0"/>
+              <a:t>)</a:t>
             </a:r>
           </a:p>
         </p:txBody>
@@ -6989,7 +7212,7 @@
         <p:spPr>
           <a:xfrm>
             <a:off x="457200" y="1219200"/>
-            <a:ext cx="8229600" cy="369332"/>
+            <a:ext cx="8229600" cy="646331"/>
           </a:xfrm>
           <a:prstGeom prst="rect">
             <a:avLst/>
@@ -7032,7 +7255,19 @@
             </a:r>
             <a:r>
               <a:rPr lang="en-US" dirty="0"/>
-              <a:t>, a frequency data frame</a:t>
+              <a:t>, a frequency data frame, with </a:t>
+            </a:r>
+            <a:r>
+              <a:rPr lang="en-US" dirty="0">
+                <a:solidFill>
+                  <a:srgbClr val="0070C0"/>
+                </a:solidFill>
+              </a:rPr>
+              <a:t>ordered</a:t>
+            </a:r>
+            <a:r>
+              <a:rPr lang="en-US" dirty="0"/>
+              <a:t> factors</a:t>
             </a:r>
           </a:p>
         </p:txBody>
@@ -7051,7 +7286,7 @@
         </p:nvSpPr>
         <p:spPr>
           <a:xfrm>
-            <a:off x="457200" y="1817132"/>
+            <a:off x="457200" y="2044005"/>
             <a:ext cx="8229600" cy="1384995"/>
           </a:xfrm>
           <a:prstGeom prst="rect">
@@ -7432,6 +7667,75 @@
               </a:rPr>
               <a:t>X-squared = 46, df = 15, p-value = 5e-05</a:t>
             </a:r>
+          </a:p>
+        </p:txBody>
+      </p:sp>
+      <p:sp>
+        <p:nvSpPr>
+          <p:cNvPr id="8" name="TextBox 7">
+            <a:extLst>
+              <a:ext uri="{FF2B5EF4-FFF2-40B4-BE49-F238E27FC236}">
+                <a16:creationId xmlns:a16="http://schemas.microsoft.com/office/drawing/2014/main" id="{3BA0B8A7-52A3-B47B-DC59-9559910D91EC}"/>
+              </a:ext>
+            </a:extLst>
+          </p:cNvPr>
+          <p:cNvSpPr txBox="1"/>
+          <p:nvPr/>
+        </p:nvSpPr>
+        <p:spPr>
+          <a:xfrm>
+            <a:off x="533400" y="5943600"/>
+            <a:ext cx="8077200" cy="369332"/>
+          </a:xfrm>
+          <a:prstGeom prst="rect">
+            <a:avLst/>
+          </a:prstGeom>
+          <a:noFill/>
+        </p:spPr>
+        <p:txBody>
+          <a:bodyPr wrap="square" rtlCol="0">
+            <a:spAutoFit/>
+          </a:bodyPr>
+          <a:lstStyle/>
+          <a:p>
+            <a:r>
+              <a:rPr lang="en-CA" dirty="0"/>
+              <a:t>This </a:t>
+            </a:r>
+            <a:r>
+              <a:rPr lang="en-CA" dirty="0">
+                <a:sym typeface="Symbol" panose="05050102010706020507" pitchFamily="18" charset="2"/>
+              </a:rPr>
+              <a:t></a:t>
+            </a:r>
+            <a:r>
+              <a:rPr lang="en-CA" baseline="30000" dirty="0">
+                <a:sym typeface="Symbol" panose="05050102010706020507" pitchFamily="18" charset="2"/>
+              </a:rPr>
+              <a:t>2</a:t>
+            </a:r>
+            <a:r>
+              <a:rPr lang="en-CA" dirty="0">
+                <a:sym typeface="Symbol" panose="05050102010706020507" pitchFamily="18" charset="2"/>
+              </a:rPr>
+              <a:t> test doesn’t take ordinality into account. It just tests for </a:t>
+            </a:r>
+            <a:r>
+              <a:rPr lang="en-CA" dirty="0">
+                <a:solidFill>
+                  <a:srgbClr val="0070C0"/>
+                </a:solidFill>
+                <a:sym typeface="Symbol" panose="05050102010706020507" pitchFamily="18" charset="2"/>
+              </a:rPr>
+              <a:t>general association</a:t>
+            </a:r>
+            <a:r>
+              <a:rPr lang="en-CA" dirty="0">
+                <a:sym typeface="Symbol" panose="05050102010706020507" pitchFamily="18" charset="2"/>
+              </a:rPr>
+              <a:t>.</a:t>
+            </a:r>
+            <a:endParaRPr lang="en-CA" dirty="0"/>
           </a:p>
         </p:txBody>
       </p:sp>
@@ -8125,6 +8429,74 @@
           </a:p>
         </p:txBody>
       </p:sp>
+      <p:sp>
+        <p:nvSpPr>
+          <p:cNvPr id="9" name="TextBox 8">
+            <a:extLst>
+              <a:ext uri="{FF2B5EF4-FFF2-40B4-BE49-F238E27FC236}">
+                <a16:creationId xmlns:a16="http://schemas.microsoft.com/office/drawing/2014/main" id="{750CC405-A1BC-F851-EAC2-F4339A46A2E7}"/>
+              </a:ext>
+            </a:extLst>
+          </p:cNvPr>
+          <p:cNvSpPr txBox="1"/>
+          <p:nvPr/>
+        </p:nvSpPr>
+        <p:spPr>
+          <a:xfrm>
+            <a:off x="533400" y="6096000"/>
+            <a:ext cx="7620000" cy="369332"/>
+          </a:xfrm>
+          <a:prstGeom prst="rect">
+            <a:avLst/>
+          </a:prstGeom>
+          <a:noFill/>
+        </p:spPr>
+        <p:txBody>
+          <a:bodyPr wrap="square" rtlCol="0">
+            <a:spAutoFit/>
+          </a:bodyPr>
+          <a:lstStyle/>
+          <a:p>
+            <a:r>
+              <a:rPr lang="en-CA" dirty="0"/>
+              <a:t>Think: more </a:t>
+            </a:r>
+            <a:r>
+              <a:rPr lang="en-CA" dirty="0" err="1"/>
+              <a:t>df</a:t>
+            </a:r>
+            <a:r>
+              <a:rPr lang="en-CA" dirty="0"/>
+              <a:t> </a:t>
+            </a:r>
+            <a:r>
+              <a:rPr lang="en-CA" dirty="0">
+                <a:sym typeface="Symbol" panose="05050102010706020507" pitchFamily="18" charset="2"/>
+              </a:rPr>
+              <a:t> more diffuse; less focused; less </a:t>
+            </a:r>
+            <a:r>
+              <a:rPr lang="en-CA">
+                <a:sym typeface="Symbol" panose="05050102010706020507" pitchFamily="18" charset="2"/>
+              </a:rPr>
+              <a:t>powerful against </a:t>
+            </a:r>
+            <a:r>
+              <a:rPr lang="en-CA" dirty="0">
+                <a:sym typeface="Symbol" panose="05050102010706020507" pitchFamily="18" charset="2"/>
+              </a:rPr>
+              <a:t>H</a:t>
+            </a:r>
+            <a:r>
+              <a:rPr lang="en-CA" baseline="-25000" dirty="0">
+                <a:sym typeface="Symbol" panose="05050102010706020507" pitchFamily="18" charset="2"/>
+              </a:rPr>
+              <a:t>1</a:t>
+            </a:r>
+            <a:endParaRPr lang="en-CA" baseline="-25000" dirty="0"/>
+          </a:p>
+        </p:txBody>
+      </p:sp>
     </p:spTree>
     <p:extLst>
       <p:ext uri="{BB962C8B-B14F-4D97-AF65-F5344CB8AC3E}">
@@ -8244,8 +8616,8 @@
           </a:prstGeom>
         </p:spPr>
       </p:pic>
-      <mc:AlternateContent xmlns:mc="http://schemas.openxmlformats.org/markup-compatibility/2006">
-        <mc:Choice xmlns:a14="http://schemas.microsoft.com/office/drawing/2010/main" Requires="a14">
+      <mc:AlternateContent xmlns:mc="http://schemas.openxmlformats.org/markup-compatibility/2006" xmlns:a14="http://schemas.microsoft.com/office/drawing/2010/main">
+        <mc:Choice Requires="a14">
           <p:sp>
             <p:nvSpPr>
               <p:cNvPr id="5" name="TextBox 4">
@@ -8441,7 +8813,7 @@
             </p:txBody>
           </p:sp>
         </mc:Choice>
-        <mc:Fallback>
+        <mc:Fallback xmlns="">
           <p:sp>
             <p:nvSpPr>
               <p:cNvPr id="5" name="TextBox 4">
@@ -10347,7 +10719,7 @@
           <a:p>
             <a:r>
               <a:rPr lang="en-US" dirty="0"/>
-              <a:t>Independence: Arthritis data</a:t>
+              <a:t>Independence?: Arthritis data</a:t>
             </a:r>
           </a:p>
         </p:txBody>
@@ -10992,7 +11364,7 @@
           <a:p>
             <a:r>
               <a:rPr lang="en-US" dirty="0"/>
-              <a:t>Independence: Arthritis data</a:t>
+              <a:t>Independence?: Arthritis data</a:t>
             </a:r>
           </a:p>
         </p:txBody>
@@ -11684,7 +12056,27 @@
             </a:pPr>
             <a:r>
               <a:rPr lang="en-US" sz="2400" dirty="0"/>
-              <a:t>Subtle distinctions arise concerning whether the row and/or margins are fixed by design or random</a:t>
+              <a:t>Subtle distinctions arise concerning whether the row and/or margins are </a:t>
+            </a:r>
+            <a:r>
+              <a:rPr lang="en-US" sz="2400" dirty="0">
+                <a:solidFill>
+                  <a:srgbClr val="0070C0"/>
+                </a:solidFill>
+              </a:rPr>
+              <a:t>fixed</a:t>
+            </a:r>
+            <a:r>
+              <a:rPr lang="en-US" sz="2400" dirty="0"/>
+              <a:t> by design or </a:t>
+            </a:r>
+            <a:r>
+              <a:rPr lang="en-US" sz="2400" dirty="0">
+                <a:solidFill>
+                  <a:srgbClr val="0070C0"/>
+                </a:solidFill>
+              </a:rPr>
+              <a:t>random</a:t>
             </a:r>
           </a:p>
           <a:p>
@@ -13064,6 +13456,84 @@
           </a:prstGeom>
         </p:spPr>
       </p:pic>
+      <p:sp>
+        <p:nvSpPr>
+          <p:cNvPr id="4" name="TextBox 3">
+            <a:extLst>
+              <a:ext uri="{FF2B5EF4-FFF2-40B4-BE49-F238E27FC236}">
+                <a16:creationId xmlns:a16="http://schemas.microsoft.com/office/drawing/2014/main" id="{C740162B-B6F5-6857-32C3-BB09C6BB486F}"/>
+              </a:ext>
+            </a:extLst>
+          </p:cNvPr>
+          <p:cNvSpPr txBox="1"/>
+          <p:nvPr/>
+        </p:nvSpPr>
+        <p:spPr>
+          <a:xfrm>
+            <a:off x="7772400" y="1752600"/>
+            <a:ext cx="1219201" cy="523220"/>
+          </a:xfrm>
+          <a:prstGeom prst="rect">
+            <a:avLst/>
+          </a:prstGeom>
+          <a:noFill/>
+        </p:spPr>
+        <p:txBody>
+          <a:bodyPr wrap="square" rtlCol="0">
+            <a:spAutoFit/>
+          </a:bodyPr>
+          <a:lstStyle/>
+          <a:p>
+            <a:pPr algn="ctr"/>
+            <a:r>
+              <a:rPr lang="en-CA" sz="1400" dirty="0"/>
+              <a:t>Cross-product ratio</a:t>
+            </a:r>
+          </a:p>
+        </p:txBody>
+      </p:sp>
+      <p:cxnSp>
+        <p:nvCxnSpPr>
+          <p:cNvPr id="8" name="Straight Arrow Connector 7">
+            <a:extLst>
+              <a:ext uri="{FF2B5EF4-FFF2-40B4-BE49-F238E27FC236}">
+                <a16:creationId xmlns:a16="http://schemas.microsoft.com/office/drawing/2014/main" id="{865454FF-402A-C458-B3C3-18173D027022}"/>
+              </a:ext>
+            </a:extLst>
+          </p:cNvPr>
+          <p:cNvCxnSpPr/>
+          <p:nvPr/>
+        </p:nvCxnSpPr>
+        <p:spPr>
+          <a:xfrm flipH="1">
+            <a:off x="7620000" y="2133600"/>
+            <a:ext cx="381000" cy="228600"/>
+          </a:xfrm>
+          <a:prstGeom prst="straightConnector1">
+            <a:avLst/>
+          </a:prstGeom>
+          <a:ln w="25400">
+            <a:solidFill>
+              <a:srgbClr val="FF0000"/>
+            </a:solidFill>
+            <a:tailEnd type="triangle"/>
+          </a:ln>
+        </p:spPr>
+        <p:style>
+          <a:lnRef idx="1">
+            <a:schemeClr val="accent1"/>
+          </a:lnRef>
+          <a:fillRef idx="0">
+            <a:schemeClr val="accent1"/>
+          </a:fillRef>
+          <a:effectRef idx="0">
+            <a:schemeClr val="accent1"/>
+          </a:effectRef>
+          <a:fontRef idx="minor">
+            <a:schemeClr val="tx1"/>
+          </a:fontRef>
+        </p:style>
+      </p:cxnSp>
     </p:spTree>
     <p:extLst>
       <p:ext uri="{BB962C8B-B14F-4D97-AF65-F5344CB8AC3E}">
@@ -13594,6 +14064,267 @@
           </a:p>
         </p:txBody>
       </p:sp>
+      <p:sp>
+        <p:nvSpPr>
+          <p:cNvPr id="8" name="Rectangle 7">
+            <a:extLst>
+              <a:ext uri="{FF2B5EF4-FFF2-40B4-BE49-F238E27FC236}">
+                <a16:creationId xmlns:a16="http://schemas.microsoft.com/office/drawing/2014/main" id="{D57E4051-0321-9C9F-6FDB-8393D4D12C1A}"/>
+              </a:ext>
+            </a:extLst>
+          </p:cNvPr>
+          <p:cNvSpPr/>
+          <p:nvPr/>
+        </p:nvSpPr>
+        <p:spPr>
+          <a:xfrm>
+            <a:off x="5867400" y="1981200"/>
+            <a:ext cx="2440858" cy="722531"/>
+          </a:xfrm>
+          <a:custGeom>
+            <a:avLst/>
+            <a:gdLst>
+              <a:gd name="connsiteX0" fmla="*/ 0 w 2440858"/>
+              <a:gd name="connsiteY0" fmla="*/ 0 h 722531"/>
+              <a:gd name="connsiteX1" fmla="*/ 463763 w 2440858"/>
+              <a:gd name="connsiteY1" fmla="*/ 0 h 722531"/>
+              <a:gd name="connsiteX2" fmla="*/ 878709 w 2440858"/>
+              <a:gd name="connsiteY2" fmla="*/ 0 h 722531"/>
+              <a:gd name="connsiteX3" fmla="*/ 1415698 w 2440858"/>
+              <a:gd name="connsiteY3" fmla="*/ 0 h 722531"/>
+              <a:gd name="connsiteX4" fmla="*/ 1879461 w 2440858"/>
+              <a:gd name="connsiteY4" fmla="*/ 0 h 722531"/>
+              <a:gd name="connsiteX5" fmla="*/ 2440858 w 2440858"/>
+              <a:gd name="connsiteY5" fmla="*/ 0 h 722531"/>
+              <a:gd name="connsiteX6" fmla="*/ 2440858 w 2440858"/>
+              <a:gd name="connsiteY6" fmla="*/ 375716 h 722531"/>
+              <a:gd name="connsiteX7" fmla="*/ 2440858 w 2440858"/>
+              <a:gd name="connsiteY7" fmla="*/ 722531 h 722531"/>
+              <a:gd name="connsiteX8" fmla="*/ 1952686 w 2440858"/>
+              <a:gd name="connsiteY8" fmla="*/ 722531 h 722531"/>
+              <a:gd name="connsiteX9" fmla="*/ 1537741 w 2440858"/>
+              <a:gd name="connsiteY9" fmla="*/ 722531 h 722531"/>
+              <a:gd name="connsiteX10" fmla="*/ 1049569 w 2440858"/>
+              <a:gd name="connsiteY10" fmla="*/ 722531 h 722531"/>
+              <a:gd name="connsiteX11" fmla="*/ 561397 w 2440858"/>
+              <a:gd name="connsiteY11" fmla="*/ 722531 h 722531"/>
+              <a:gd name="connsiteX12" fmla="*/ 0 w 2440858"/>
+              <a:gd name="connsiteY12" fmla="*/ 722531 h 722531"/>
+              <a:gd name="connsiteX13" fmla="*/ 0 w 2440858"/>
+              <a:gd name="connsiteY13" fmla="*/ 346815 h 722531"/>
+              <a:gd name="connsiteX14" fmla="*/ 0 w 2440858"/>
+              <a:gd name="connsiteY14" fmla="*/ 0 h 722531"/>
+            </a:gdLst>
+            <a:ahLst/>
+            <a:cxnLst>
+              <a:cxn ang="0">
+                <a:pos x="connsiteX0" y="connsiteY0"/>
+              </a:cxn>
+              <a:cxn ang="0">
+                <a:pos x="connsiteX1" y="connsiteY1"/>
+              </a:cxn>
+              <a:cxn ang="0">
+                <a:pos x="connsiteX2" y="connsiteY2"/>
+              </a:cxn>
+              <a:cxn ang="0">
+                <a:pos x="connsiteX3" y="connsiteY3"/>
+              </a:cxn>
+              <a:cxn ang="0">
+                <a:pos x="connsiteX4" y="connsiteY4"/>
+              </a:cxn>
+              <a:cxn ang="0">
+                <a:pos x="connsiteX5" y="connsiteY5"/>
+              </a:cxn>
+              <a:cxn ang="0">
+                <a:pos x="connsiteX6" y="connsiteY6"/>
+              </a:cxn>
+              <a:cxn ang="0">
+                <a:pos x="connsiteX7" y="connsiteY7"/>
+              </a:cxn>
+              <a:cxn ang="0">
+                <a:pos x="connsiteX8" y="connsiteY8"/>
+              </a:cxn>
+              <a:cxn ang="0">
+                <a:pos x="connsiteX9" y="connsiteY9"/>
+              </a:cxn>
+              <a:cxn ang="0">
+                <a:pos x="connsiteX10" y="connsiteY10"/>
+              </a:cxn>
+              <a:cxn ang="0">
+                <a:pos x="connsiteX11" y="connsiteY11"/>
+              </a:cxn>
+              <a:cxn ang="0">
+                <a:pos x="connsiteX12" y="connsiteY12"/>
+              </a:cxn>
+              <a:cxn ang="0">
+                <a:pos x="connsiteX13" y="connsiteY13"/>
+              </a:cxn>
+              <a:cxn ang="0">
+                <a:pos x="connsiteX14" y="connsiteY14"/>
+              </a:cxn>
+            </a:cxnLst>
+            <a:rect l="l" t="t" r="r" b="b"/>
+            <a:pathLst>
+              <a:path w="2440858" h="722531" extrusionOk="0">
+                <a:moveTo>
+                  <a:pt x="0" y="0"/>
+                </a:moveTo>
+                <a:cubicBezTo>
+                  <a:pt x="124454" y="-15368"/>
+                  <a:pt x="358027" y="50752"/>
+                  <a:pt x="463763" y="0"/>
+                </a:cubicBezTo>
+                <a:cubicBezTo>
+                  <a:pt x="569499" y="-50752"/>
+                  <a:pt x="781601" y="15635"/>
+                  <a:pt x="878709" y="0"/>
+                </a:cubicBezTo>
+                <a:cubicBezTo>
+                  <a:pt x="975817" y="-15635"/>
+                  <a:pt x="1273356" y="8565"/>
+                  <a:pt x="1415698" y="0"/>
+                </a:cubicBezTo>
+                <a:cubicBezTo>
+                  <a:pt x="1558040" y="-8565"/>
+                  <a:pt x="1649142" y="4713"/>
+                  <a:pt x="1879461" y="0"/>
+                </a:cubicBezTo>
+                <a:cubicBezTo>
+                  <a:pt x="2109780" y="-4713"/>
+                  <a:pt x="2238193" y="41403"/>
+                  <a:pt x="2440858" y="0"/>
+                </a:cubicBezTo>
+                <a:cubicBezTo>
+                  <a:pt x="2449710" y="114038"/>
+                  <a:pt x="2432091" y="191424"/>
+                  <a:pt x="2440858" y="375716"/>
+                </a:cubicBezTo>
+                <a:cubicBezTo>
+                  <a:pt x="2449625" y="560008"/>
+                  <a:pt x="2403940" y="624103"/>
+                  <a:pt x="2440858" y="722531"/>
+                </a:cubicBezTo>
+                <a:cubicBezTo>
+                  <a:pt x="2313384" y="780999"/>
+                  <a:pt x="2088624" y="681334"/>
+                  <a:pt x="1952686" y="722531"/>
+                </a:cubicBezTo>
+                <a:cubicBezTo>
+                  <a:pt x="1816748" y="763728"/>
+                  <a:pt x="1744548" y="683498"/>
+                  <a:pt x="1537741" y="722531"/>
+                </a:cubicBezTo>
+                <a:cubicBezTo>
+                  <a:pt x="1330934" y="761564"/>
+                  <a:pt x="1165222" y="688561"/>
+                  <a:pt x="1049569" y="722531"/>
+                </a:cubicBezTo>
+                <a:cubicBezTo>
+                  <a:pt x="933916" y="756501"/>
+                  <a:pt x="674134" y="692948"/>
+                  <a:pt x="561397" y="722531"/>
+                </a:cubicBezTo>
+                <a:cubicBezTo>
+                  <a:pt x="448660" y="752114"/>
+                  <a:pt x="268712" y="670315"/>
+                  <a:pt x="0" y="722531"/>
+                </a:cubicBezTo>
+                <a:cubicBezTo>
+                  <a:pt x="-44310" y="634548"/>
+                  <a:pt x="20334" y="439729"/>
+                  <a:pt x="0" y="346815"/>
+                </a:cubicBezTo>
+                <a:cubicBezTo>
+                  <a:pt x="-20334" y="253901"/>
+                  <a:pt x="4267" y="73061"/>
+                  <a:pt x="0" y="0"/>
+                </a:cubicBezTo>
+                <a:close/>
+              </a:path>
+            </a:pathLst>
+          </a:custGeom>
+          <a:noFill/>
+          <a:ln>
+            <a:extLst>
+              <a:ext uri="{C807C97D-BFC1-408E-A445-0C87EB9F89A2}">
+                <ask:lineSketchStyleProps xmlns:ask="http://schemas.microsoft.com/office/drawing/2018/sketchyshapes" sd="1219033472">
+                  <a:prstGeom prst="rect">
+                    <a:avLst/>
+                  </a:prstGeom>
+                  <ask:type>
+                    <ask:lineSketchScribble/>
+                  </ask:type>
+                </ask:lineSketchStyleProps>
+              </a:ext>
+            </a:extLst>
+          </a:ln>
+        </p:spPr>
+        <p:style>
+          <a:lnRef idx="2">
+            <a:schemeClr val="accent1">
+              <a:shade val="50000"/>
+            </a:schemeClr>
+          </a:lnRef>
+          <a:fillRef idx="1">
+            <a:schemeClr val="accent1"/>
+          </a:fillRef>
+          <a:effectRef idx="0">
+            <a:schemeClr val="accent1"/>
+          </a:effectRef>
+          <a:fontRef idx="minor">
+            <a:schemeClr val="lt1"/>
+          </a:fontRef>
+        </p:style>
+        <p:txBody>
+          <a:bodyPr rtlCol="0" anchor="ctr"/>
+          <a:lstStyle/>
+          <a:p>
+            <a:pPr algn="ctr"/>
+            <a:endParaRPr lang="en-CA"/>
+          </a:p>
+        </p:txBody>
+      </p:sp>
+      <p:cxnSp>
+        <p:nvCxnSpPr>
+          <p:cNvPr id="10" name="Straight Arrow Connector 9">
+            <a:extLst>
+              <a:ext uri="{FF2B5EF4-FFF2-40B4-BE49-F238E27FC236}">
+                <a16:creationId xmlns:a16="http://schemas.microsoft.com/office/drawing/2014/main" id="{B6362A9F-7AC9-2B73-97B5-27583BBB8A5F}"/>
+              </a:ext>
+            </a:extLst>
+          </p:cNvPr>
+          <p:cNvCxnSpPr>
+            <a:cxnSpLocks/>
+          </p:cNvCxnSpPr>
+          <p:nvPr/>
+        </p:nvCxnSpPr>
+        <p:spPr>
+          <a:xfrm flipH="1">
+            <a:off x="5715000" y="2647781"/>
+            <a:ext cx="1219200" cy="2000419"/>
+          </a:xfrm>
+          <a:prstGeom prst="straightConnector1">
+            <a:avLst/>
+          </a:prstGeom>
+          <a:ln w="28575">
+            <a:tailEnd type="triangle"/>
+          </a:ln>
+        </p:spPr>
+        <p:style>
+          <a:lnRef idx="1">
+            <a:schemeClr val="accent1"/>
+          </a:lnRef>
+          <a:fillRef idx="0">
+            <a:schemeClr val="accent1"/>
+          </a:fillRef>
+          <a:effectRef idx="0">
+            <a:schemeClr val="accent1"/>
+          </a:effectRef>
+          <a:fontRef idx="minor">
+            <a:schemeClr val="tx1"/>
+          </a:fontRef>
+        </p:style>
+      </p:cxnSp>
     </p:spTree>
     <p:extLst>
       <p:ext uri="{BB962C8B-B14F-4D97-AF65-F5344CB8AC3E}">
@@ -13908,7 +14639,17 @@
             </a:r>
             <a:r>
               <a:rPr lang="en-US" dirty="0"/>
-              <a:t>, or for log(</a:t>
+              <a:t>, or for </a:t>
+            </a:r>
+            <a:r>
+              <a:rPr lang="en-US" dirty="0">
+                <a:sym typeface="Symbol" panose="05050102010706020507" pitchFamily="18" charset="2"/>
+              </a:rPr>
+              <a:t> = </a:t>
+            </a:r>
+            <a:r>
+              <a:rPr lang="en-US" dirty="0"/>
+              <a:t>log(</a:t>
             </a:r>
             <a:r>
               <a:rPr lang="el-GR" dirty="0"/>
@@ -14312,7 +15053,7 @@
         <p:spPr>
           <a:xfrm>
             <a:off x="533400" y="2999601"/>
-            <a:ext cx="8153400" cy="2585323"/>
+            <a:ext cx="8153400" cy="2862322"/>
           </a:xfrm>
           <a:prstGeom prst="rect">
             <a:avLst/>
@@ -14336,7 +15077,44 @@
                 <a:latin typeface="Courier New" panose="02070309020205020404" pitchFamily="49" charset="0"/>
                 <a:cs typeface="Courier New" panose="02070309020205020404" pitchFamily="49" charset="0"/>
               </a:rPr>
-              <a:t>&gt; fat &lt;- matrix(c(6, 2, 4, 11), 2, 2)</a:t>
+              <a:t>&gt; fat &lt;- matrix(c(6, 2, </a:t>
+            </a:r>
+          </a:p>
+          <a:p>
+            <a:r>
+              <a:rPr lang="en-US" dirty="0">
+                <a:latin typeface="Courier New" panose="02070309020205020404" pitchFamily="49" charset="0"/>
+                <a:cs typeface="Courier New" panose="02070309020205020404" pitchFamily="49" charset="0"/>
+              </a:rPr>
+              <a:t>                  4, 11), </a:t>
+            </a:r>
+            <a:r>
+              <a:rPr lang="en-US" dirty="0" err="1">
+                <a:latin typeface="Courier New" panose="02070309020205020404" pitchFamily="49" charset="0"/>
+                <a:cs typeface="Courier New" panose="02070309020205020404" pitchFamily="49" charset="0"/>
+              </a:rPr>
+              <a:t>nrow</a:t>
+            </a:r>
+            <a:r>
+              <a:rPr lang="en-US" dirty="0">
+                <a:latin typeface="Courier New" panose="02070309020205020404" pitchFamily="49" charset="0"/>
+                <a:cs typeface="Courier New" panose="02070309020205020404" pitchFamily="49" charset="0"/>
+              </a:rPr>
+              <a:t>=2, </a:t>
+            </a:r>
+            <a:r>
+              <a:rPr lang="en-US" dirty="0" err="1">
+                <a:latin typeface="Courier New" panose="02070309020205020404" pitchFamily="49" charset="0"/>
+                <a:cs typeface="Courier New" panose="02070309020205020404" pitchFamily="49" charset="0"/>
+              </a:rPr>
+              <a:t>ncol</a:t>
+            </a:r>
+            <a:r>
+              <a:rPr lang="en-US" dirty="0">
+                <a:latin typeface="Courier New" panose="02070309020205020404" pitchFamily="49" charset="0"/>
+                <a:cs typeface="Courier New" panose="02070309020205020404" pitchFamily="49" charset="0"/>
+              </a:rPr>
+              <a:t>=2)</a:t>
             </a:r>
           </a:p>
           <a:p>
@@ -14581,7 +15359,7 @@
             </a:r>
             <a:r>
               <a:rPr lang="en-US" dirty="0"/>
-              <a:t>, a correction  |O – E | - ½ is standardly applied</a:t>
+              <a:t>, a correction  |O – E | - ½ is standardly applied (Yates)</a:t>
             </a:r>
           </a:p>
         </p:txBody>
@@ -14601,7 +15379,7 @@
         <p:spPr>
           <a:xfrm>
             <a:off x="457200" y="2133600"/>
-            <a:ext cx="8229600" cy="1754326"/>
+            <a:ext cx="8229600" cy="1384995"/>
           </a:xfrm>
           <a:prstGeom prst="rect">
             <a:avLst/>
@@ -14621,39 +15399,63 @@
           <a:lstStyle/>
           <a:p>
             <a:r>
-              <a:rPr lang="en-US" dirty="0"/>
+              <a:rPr lang="en-US" sz="1400" dirty="0">
+                <a:latin typeface="Courier New" panose="02070309020205020404" pitchFamily="49" charset="0"/>
+                <a:cs typeface="Courier New" panose="02070309020205020404" pitchFamily="49" charset="0"/>
+              </a:rPr>
               <a:t>&gt; </a:t>
             </a:r>
             <a:r>
-              <a:rPr lang="en-US" dirty="0" err="1"/>
+              <a:rPr lang="en-US" sz="1400" dirty="0" err="1">
+                <a:latin typeface="Courier New" panose="02070309020205020404" pitchFamily="49" charset="0"/>
+                <a:cs typeface="Courier New" panose="02070309020205020404" pitchFamily="49" charset="0"/>
+              </a:rPr>
               <a:t>chisq.test</a:t>
             </a:r>
             <a:r>
-              <a:rPr lang="en-US" dirty="0"/>
+              <a:rPr lang="en-US" sz="1400" dirty="0">
+                <a:latin typeface="Courier New" panose="02070309020205020404" pitchFamily="49" charset="0"/>
+                <a:cs typeface="Courier New" panose="02070309020205020404" pitchFamily="49" charset="0"/>
+              </a:rPr>
               <a:t>(fat)</a:t>
             </a:r>
           </a:p>
           <a:p>
-            <a:endParaRPr lang="en-US" dirty="0"/>
-          </a:p>
-          <a:p>
-            <a:r>
-              <a:rPr lang="en-US" dirty="0"/>
+            <a:endParaRPr lang="en-US" sz="1400" dirty="0">
+              <a:latin typeface="Courier New" panose="02070309020205020404" pitchFamily="49" charset="0"/>
+              <a:cs typeface="Courier New" panose="02070309020205020404" pitchFamily="49" charset="0"/>
+            </a:endParaRPr>
+          </a:p>
+          <a:p>
+            <a:r>
+              <a:rPr lang="en-US" sz="1400" dirty="0">
+                <a:latin typeface="Courier New" panose="02070309020205020404" pitchFamily="49" charset="0"/>
+                <a:cs typeface="Courier New" panose="02070309020205020404" pitchFamily="49" charset="0"/>
+              </a:rPr>
               <a:t>	Pearson's Chi-squared test with Yates' continuity correction</a:t>
             </a:r>
           </a:p>
           <a:p>
-            <a:endParaRPr lang="en-US" dirty="0"/>
-          </a:p>
-          <a:p>
-            <a:r>
-              <a:rPr lang="en-US" dirty="0"/>
+            <a:endParaRPr lang="en-US" sz="1400" dirty="0">
+              <a:latin typeface="Courier New" panose="02070309020205020404" pitchFamily="49" charset="0"/>
+              <a:cs typeface="Courier New" panose="02070309020205020404" pitchFamily="49" charset="0"/>
+            </a:endParaRPr>
+          </a:p>
+          <a:p>
+            <a:r>
+              <a:rPr lang="en-US" sz="1400" dirty="0">
+                <a:latin typeface="Courier New" panose="02070309020205020404" pitchFamily="49" charset="0"/>
+                <a:cs typeface="Courier New" panose="02070309020205020404" pitchFamily="49" charset="0"/>
+              </a:rPr>
               <a:t>data:  fat</a:t>
             </a:r>
           </a:p>
           <a:p>
             <a:r>
-              <a:rPr lang="en-US" dirty="0"/>
+              <a:rPr lang="en-US" sz="1400" dirty="0">
+                <a:latin typeface="Courier New" panose="02070309020205020404" pitchFamily="49" charset="0"/>
+                <a:cs typeface="Courier New" panose="02070309020205020404" pitchFamily="49" charset="0"/>
+              </a:rPr>
               <a:t>X-squared = 3.19, df = 1, p-value = 0.074</a:t>
             </a:r>
           </a:p>
@@ -15001,7 +15803,7 @@
               <a:rPr lang="en-CA" dirty="0">
                 <a:sym typeface="Symbol" panose="05050102010706020507" pitchFamily="18" charset="2"/>
               </a:rPr>
-              <a:t> ∞</a:t>
+              <a:t> ∞ (smaller suffices)</a:t>
             </a:r>
             <a:endParaRPr lang="en-CA" dirty="0"/>
           </a:p>
@@ -16055,19 +16857,25 @@
             </a:pPr>
             <a:r>
               <a:rPr lang="en-US" dirty="0"/>
-              <a:t>Simulation is a general principle for testing hypotheses </a:t>
+              <a:t>Simulation is a </a:t>
+            </a:r>
+            <a:r>
+              <a:rPr lang="en-US" dirty="0">
+                <a:solidFill>
+                  <a:srgbClr val="0070C0"/>
+                </a:solidFill>
+              </a:rPr>
+              <a:t>general principle </a:t>
+            </a:r>
+            <a:r>
+              <a:rPr lang="en-US" dirty="0"/>
+              <a:t>for testing hypotheses </a:t>
             </a:r>
             <a:r>
               <a:rPr lang="en-US" dirty="0">
                 <a:sym typeface="Wingdings" panose="05000000000000000000" pitchFamily="2" charset="2"/>
               </a:rPr>
-              <a:t>  </a:t>
-            </a:r>
-            <a:r>
-              <a:rPr lang="en-US">
-                <a:sym typeface="Wingdings" panose="05000000000000000000" pitchFamily="2" charset="2"/>
-              </a:rPr>
-              <a:t> </a:t>
+              <a:t>   </a:t>
             </a:r>
             <a:endParaRPr lang="en-US" dirty="0"/>
           </a:p>
@@ -16245,14 +17053,14 @@
               <a:t>&gt; </a:t>
             </a:r>
             <a:r>
-              <a:rPr lang="en-US" sz="1400" dirty="0" err="1">
+              <a:rPr lang="en-US" sz="1400" b="1" dirty="0" err="1">
                 <a:latin typeface="Courier New" panose="02070309020205020404" pitchFamily="49" charset="0"/>
                 <a:cs typeface="Courier New" panose="02070309020205020404" pitchFamily="49" charset="0"/>
               </a:rPr>
               <a:t>fisher.test</a:t>
             </a:r>
             <a:r>
-              <a:rPr lang="en-US" sz="1400" dirty="0">
+              <a:rPr lang="en-US" sz="1400" b="1" dirty="0">
                 <a:latin typeface="Courier New" panose="02070309020205020404" pitchFamily="49" charset="0"/>
                 <a:cs typeface="Courier New" panose="02070309020205020404" pitchFamily="49" charset="0"/>
               </a:rPr>
@@ -22855,7 +23663,15 @@
               <a:t>In R, the data is contained in </a:t>
             </a:r>
             <a:r>
-              <a:rPr lang="en-US" dirty="0" err="1"/>
+              <a:rPr lang="en-US" dirty="0" err="1">
+                <a:solidFill>
+                  <a:schemeClr val="accent6">
+                    <a:lumMod val="50000"/>
+                  </a:schemeClr>
+                </a:solidFill>
+                <a:latin typeface="Courier New" panose="02070309020205020404" pitchFamily="49" charset="0"/>
+                <a:cs typeface="Courier New" panose="02070309020205020404" pitchFamily="49" charset="0"/>
+              </a:rPr>
               <a:t>UCBAdmissions</a:t>
             </a:r>
             <a:r>
@@ -23291,7 +24107,7 @@
         </p:nvSpPr>
         <p:spPr>
           <a:xfrm>
-            <a:off x="5562600" y="4648200"/>
+            <a:off x="5562600" y="5373469"/>
             <a:ext cx="2895600" cy="646331"/>
           </a:xfrm>
           <a:prstGeom prst="rect">
@@ -23328,6 +24144,45 @@
           </a:p>
         </p:txBody>
       </p:sp>
+      <p:cxnSp>
+        <p:nvCxnSpPr>
+          <p:cNvPr id="6" name="Straight Arrow Connector 5">
+            <a:extLst>
+              <a:ext uri="{FF2B5EF4-FFF2-40B4-BE49-F238E27FC236}">
+                <a16:creationId xmlns:a16="http://schemas.microsoft.com/office/drawing/2014/main" id="{778531A2-2278-CF97-2FA5-5AC9FB337319}"/>
+              </a:ext>
+            </a:extLst>
+          </p:cNvPr>
+          <p:cNvCxnSpPr/>
+          <p:nvPr/>
+        </p:nvCxnSpPr>
+        <p:spPr>
+          <a:xfrm flipH="1">
+            <a:off x="4800600" y="5562600"/>
+            <a:ext cx="609600" cy="0"/>
+          </a:xfrm>
+          <a:prstGeom prst="straightConnector1">
+            <a:avLst/>
+          </a:prstGeom>
+          <a:ln w="25400">
+            <a:tailEnd type="triangle"/>
+          </a:ln>
+        </p:spPr>
+        <p:style>
+          <a:lnRef idx="1">
+            <a:schemeClr val="accent1"/>
+          </a:lnRef>
+          <a:fillRef idx="0">
+            <a:schemeClr val="accent1"/>
+          </a:fillRef>
+          <a:effectRef idx="0">
+            <a:schemeClr val="accent1"/>
+          </a:effectRef>
+          <a:fontRef idx="minor">
+            <a:schemeClr val="tx1"/>
+          </a:fontRef>
+        </p:style>
+      </p:cxnSp>
     </p:spTree>
     <p:extLst>
       <p:ext uri="{BB962C8B-B14F-4D97-AF65-F5344CB8AC3E}">
@@ -33136,7 +33991,7 @@
           <a:p>
             <a:r>
               <a:rPr lang="en-US" dirty="0"/>
-              <a:t>Data from 592 students in a statistics class</a:t>
+              <a:t>Data from 592 students in a statistics class: write down your hair and eye color</a:t>
             </a:r>
           </a:p>
         </p:txBody>
@@ -33385,7 +34240,15 @@
               <a:t>In R, the dataset is </a:t>
             </a:r>
             <a:r>
-              <a:rPr lang="en-US" dirty="0" err="1"/>
+              <a:rPr lang="en-US" dirty="0" err="1">
+                <a:solidFill>
+                  <a:schemeClr val="accent6">
+                    <a:lumMod val="50000"/>
+                  </a:schemeClr>
+                </a:solidFill>
+                <a:latin typeface="Courier New" panose="02070309020205020404" pitchFamily="49" charset="0"/>
+                <a:cs typeface="Courier New" panose="02070309020205020404" pitchFamily="49" charset="0"/>
+              </a:rPr>
               <a:t>HairEyeColor</a:t>
             </a:r>
             <a:r>

--- a/docs/lectures/03-Twoway1.pptx
+++ b/docs/lectures/03-Twoway1.pptx
@@ -10334,6 +10334,33 @@
                                   </p:childTnLst>
                                 </p:cTn>
                               </p:par>
+                              <p:par>
+                                <p:cTn id="7" presetID="1" presetClass="entr" presetSubtype="0" fill="hold" nodeType="withEffect">
+                                  <p:stCondLst>
+                                    <p:cond delay="0"/>
+                                  </p:stCondLst>
+                                  <p:childTnLst>
+                                    <p:set>
+                                      <p:cBhvr>
+                                        <p:cTn id="8" dur="1" fill="hold">
+                                          <p:stCondLst>
+                                            <p:cond delay="0"/>
+                                          </p:stCondLst>
+                                        </p:cTn>
+                                        <p:tgtEl>
+                                          <p:spTgt spid="12"/>
+                                        </p:tgtEl>
+                                        <p:attrNameLst>
+                                          <p:attrName>style.visibility</p:attrName>
+                                        </p:attrNameLst>
+                                      </p:cBhvr>
+                                      <p:to>
+                                        <p:strVal val="visible"/>
+                                      </p:to>
+                                    </p:set>
+                                  </p:childTnLst>
+                                </p:cTn>
+                              </p:par>
                             </p:childTnLst>
                           </p:cTn>
                         </p:par>
@@ -10341,26 +10368,26 @@
                     </p:cTn>
                   </p:par>
                   <p:par>
-                    <p:cTn id="7" fill="hold">
+                    <p:cTn id="9" fill="hold">
                       <p:stCondLst>
                         <p:cond delay="indefinite"/>
                       </p:stCondLst>
                       <p:childTnLst>
                         <p:par>
-                          <p:cTn id="8" fill="hold">
+                          <p:cTn id="10" fill="hold">
                             <p:stCondLst>
                               <p:cond delay="0"/>
                             </p:stCondLst>
                             <p:childTnLst>
                               <p:par>
-                                <p:cTn id="9" presetID="1" presetClass="entr" presetSubtype="0" fill="hold" nodeType="clickEffect">
+                                <p:cTn id="11" presetID="1" presetClass="entr" presetSubtype="0" fill="hold" nodeType="clickEffect">
                                   <p:stCondLst>
                                     <p:cond delay="0"/>
                                   </p:stCondLst>
                                   <p:childTnLst>
                                     <p:set>
                                       <p:cBhvr>
-                                        <p:cTn id="10" dur="1" fill="hold">
+                                        <p:cTn id="12" dur="1" fill="hold">
                                           <p:stCondLst>
                                             <p:cond delay="0"/>
                                           </p:stCondLst>
@@ -10383,6 +10410,33 @@
                                   </p:childTnLst>
                                 </p:cTn>
                               </p:par>
+                              <p:par>
+                                <p:cTn id="13" presetID="1" presetClass="entr" presetSubtype="0" fill="hold" nodeType="withEffect">
+                                  <p:stCondLst>
+                                    <p:cond delay="0"/>
+                                  </p:stCondLst>
+                                  <p:childTnLst>
+                                    <p:set>
+                                      <p:cBhvr>
+                                        <p:cTn id="14" dur="1" fill="hold">
+                                          <p:stCondLst>
+                                            <p:cond delay="0"/>
+                                          </p:stCondLst>
+                                        </p:cTn>
+                                        <p:tgtEl>
+                                          <p:spTgt spid="11"/>
+                                        </p:tgtEl>
+                                        <p:attrNameLst>
+                                          <p:attrName>style.visibility</p:attrName>
+                                        </p:attrNameLst>
+                                      </p:cBhvr>
+                                      <p:to>
+                                        <p:strVal val="visible"/>
+                                      </p:to>
+                                    </p:set>
+                                  </p:childTnLst>
+                                </p:cTn>
+                              </p:par>
                             </p:childTnLst>
                           </p:cTn>
                         </p:par>
@@ -10390,26 +10444,26 @@
                     </p:cTn>
                   </p:par>
                   <p:par>
-                    <p:cTn id="11" fill="hold">
+                    <p:cTn id="15" fill="hold">
                       <p:stCondLst>
                         <p:cond delay="indefinite"/>
                       </p:stCondLst>
                       <p:childTnLst>
                         <p:par>
-                          <p:cTn id="12" fill="hold">
+                          <p:cTn id="16" fill="hold">
                             <p:stCondLst>
                               <p:cond delay="0"/>
                             </p:stCondLst>
                             <p:childTnLst>
                               <p:par>
-                                <p:cTn id="13" presetID="1" presetClass="entr" presetSubtype="0" fill="hold" nodeType="clickEffect">
+                                <p:cTn id="17" presetID="1" presetClass="entr" presetSubtype="0" fill="hold" nodeType="clickEffect">
                                   <p:stCondLst>
                                     <p:cond delay="0"/>
                                   </p:stCondLst>
                                   <p:childTnLst>
                                     <p:set>
                                       <p:cBhvr>
-                                        <p:cTn id="14" dur="1" fill="hold">
+                                        <p:cTn id="18" dur="1" fill="hold">
                                           <p:stCondLst>
                                             <p:cond delay="0"/>
                                           </p:stCondLst>
@@ -10433,14 +10487,14 @@
                                 </p:cTn>
                               </p:par>
                               <p:par>
-                                <p:cTn id="15" presetID="1" presetClass="entr" presetSubtype="0" fill="hold" grpId="0" nodeType="withEffect">
+                                <p:cTn id="19" presetID="1" presetClass="entr" presetSubtype="0" fill="hold" grpId="0" nodeType="withEffect">
                                   <p:stCondLst>
                                     <p:cond delay="0"/>
                                   </p:stCondLst>
                                   <p:childTnLst>
                                     <p:set>
                                       <p:cBhvr>
-                                        <p:cTn id="16" dur="1" fill="hold">
+                                        <p:cTn id="20" dur="1" fill="hold">
                                           <p:stCondLst>
                                             <p:cond delay="0"/>
                                           </p:stCondLst>

--- a/docs/lectures/03-Twoway1.pptx
+++ b/docs/lectures/03-Twoway1.pptx
@@ -431,7 +431,7 @@
           <a:p>
             <a:fld id="{08BD4FA9-F3CE-45B3-A980-C331C6F1EF65}" type="datetimeFigureOut">
               <a:rPr lang="en-US" smtClean="0"/>
-              <a:t>1/24/2023</a:t>
+              <a:t>1/31/2023</a:t>
             </a:fld>
             <a:endParaRPr lang="en-US"/>
           </a:p>
@@ -596,7 +596,7 @@
           <a:p>
             <a:fld id="{B1271872-C532-4BFE-903F-C7072979174B}" type="datetimeFigureOut">
               <a:rPr lang="en-US" smtClean="0"/>
-              <a:t>1/24/2023</a:t>
+              <a:t>1/31/2023</a:t>
             </a:fld>
             <a:endParaRPr lang="en-US"/>
           </a:p>
@@ -1326,7 +1326,7 @@
           <a:p>
             <a:fld id="{EAAD3657-2200-4D14-82C0-10C39B0F0F06}" type="datetime1">
               <a:rPr lang="en-US" smtClean="0"/>
-              <a:t>1/24/2023</a:t>
+              <a:t>1/31/2023</a:t>
             </a:fld>
             <a:endParaRPr lang="en-US"/>
           </a:p>
@@ -1494,7 +1494,7 @@
           <a:p>
             <a:fld id="{11BBAF55-A85E-4993-914E-FC1E5AA7DF24}" type="datetime1">
               <a:rPr lang="en-US" smtClean="0"/>
-              <a:t>1/24/2023</a:t>
+              <a:t>1/31/2023</a:t>
             </a:fld>
             <a:endParaRPr lang="en-US"/>
           </a:p>
@@ -1672,7 +1672,7 @@
           <a:p>
             <a:fld id="{39816E07-E1DB-44A4-A5E5-9F4B54E8C933}" type="datetime1">
               <a:rPr lang="en-US" smtClean="0"/>
-              <a:t>1/24/2023</a:t>
+              <a:t>1/31/2023</a:t>
             </a:fld>
             <a:endParaRPr lang="en-US"/>
           </a:p>
@@ -1857,7 +1857,7 @@
           <a:p>
             <a:fld id="{C2B1AD17-B813-4477-8AFE-B1860CC59113}" type="datetime1">
               <a:rPr lang="en-US" smtClean="0"/>
-              <a:t>1/24/2023</a:t>
+              <a:t>1/31/2023</a:t>
             </a:fld>
             <a:endParaRPr lang="en-US"/>
           </a:p>
@@ -2102,7 +2102,7 @@
           <a:p>
             <a:fld id="{D0975C0D-5C9E-48CC-8D31-F42D19FA8F7A}" type="datetime1">
               <a:rPr lang="en-US" smtClean="0"/>
-              <a:t>1/24/2023</a:t>
+              <a:t>1/31/2023</a:t>
             </a:fld>
             <a:endParaRPr lang="en-US"/>
           </a:p>
@@ -2387,7 +2387,7 @@
           <a:p>
             <a:fld id="{28657551-0F2B-4F09-86FD-F7994CE83DC5}" type="datetime1">
               <a:rPr lang="en-US" smtClean="0"/>
-              <a:t>1/24/2023</a:t>
+              <a:t>1/31/2023</a:t>
             </a:fld>
             <a:endParaRPr lang="en-US"/>
           </a:p>
@@ -2806,7 +2806,7 @@
           <a:p>
             <a:fld id="{3929D2B2-4200-46B9-96C3-02A55D5FAA00}" type="datetime1">
               <a:rPr lang="en-US" smtClean="0"/>
-              <a:t>1/24/2023</a:t>
+              <a:t>1/31/2023</a:t>
             </a:fld>
             <a:endParaRPr lang="en-US"/>
           </a:p>
@@ -2923,7 +2923,7 @@
           <a:p>
             <a:fld id="{41FF7722-74E8-497F-A072-89677A2C2373}" type="datetime1">
               <a:rPr lang="en-US" smtClean="0"/>
-              <a:t>1/24/2023</a:t>
+              <a:t>1/31/2023</a:t>
             </a:fld>
             <a:endParaRPr lang="en-US"/>
           </a:p>
@@ -3018,7 +3018,7 @@
           <a:p>
             <a:fld id="{BD26212E-B46B-426F-AE59-AA326827D9E0}" type="datetime1">
               <a:rPr lang="en-US" smtClean="0"/>
-              <a:t>1/24/2023</a:t>
+              <a:t>1/31/2023</a:t>
             </a:fld>
             <a:endParaRPr lang="en-US"/>
           </a:p>
@@ -3293,7 +3293,7 @@
           <a:p>
             <a:fld id="{FB9B81E8-09EA-4684-A39F-38DE1E49D20C}" type="datetime1">
               <a:rPr lang="en-US" smtClean="0"/>
-              <a:t>1/24/2023</a:t>
+              <a:t>1/31/2023</a:t>
             </a:fld>
             <a:endParaRPr lang="en-US"/>
           </a:p>
@@ -3545,7 +3545,7 @@
           <a:p>
             <a:fld id="{35C5CC5F-056C-4047-9A5C-9F5B4BED129B}" type="datetime1">
               <a:rPr lang="en-US" smtClean="0"/>
-              <a:t>1/24/2023</a:t>
+              <a:t>1/31/2023</a:t>
             </a:fld>
             <a:endParaRPr lang="en-US"/>
           </a:p>
@@ -3759,7 +3759,7 @@
           <a:p>
             <a:fld id="{E8171053-07BD-4A17-AC24-0A22EAA36098}" type="datetime1">
               <a:rPr lang="en-US" smtClean="0"/>
-              <a:t>1/24/2023</a:t>
+              <a:t>1/31/2023</a:t>
             </a:fld>
             <a:endParaRPr lang="en-US"/>
           </a:p>
@@ -27604,7 +27604,7 @@
         </p:blipFill>
         <p:spPr>
           <a:xfrm>
-            <a:off x="457200" y="1411570"/>
+            <a:off x="457200" y="1219200"/>
             <a:ext cx="8171428" cy="4523809"/>
           </a:xfrm>
           <a:prstGeom prst="rect">
@@ -27612,6 +27612,41 @@
           </a:prstGeom>
         </p:spPr>
       </p:pic>
+      <p:sp>
+        <p:nvSpPr>
+          <p:cNvPr id="4" name="TextBox 3">
+            <a:extLst>
+              <a:ext uri="{FF2B5EF4-FFF2-40B4-BE49-F238E27FC236}">
+                <a16:creationId xmlns:a16="http://schemas.microsoft.com/office/drawing/2014/main" id="{C6C24D97-A3E7-34BF-0515-3B577FA54BCF}"/>
+              </a:ext>
+            </a:extLst>
+          </p:cNvPr>
+          <p:cNvSpPr txBox="1"/>
+          <p:nvPr/>
+        </p:nvSpPr>
+        <p:spPr>
+          <a:xfrm>
+            <a:off x="457200" y="5791200"/>
+            <a:ext cx="7696200" cy="461665"/>
+          </a:xfrm>
+          <a:prstGeom prst="rect">
+            <a:avLst/>
+          </a:prstGeom>
+          <a:noFill/>
+        </p:spPr>
+        <p:txBody>
+          <a:bodyPr wrap="square" rtlCol="0">
+            <a:spAutoFit/>
+          </a:bodyPr>
+          <a:lstStyle/>
+          <a:p>
+            <a:r>
+              <a:rPr lang="en-CA" sz="2400" dirty="0"/>
+              <a:t>Q: What would perfect agreement look like?</a:t>
+            </a:r>
+          </a:p>
+        </p:txBody>
+      </p:sp>
     </p:spTree>
     <p:extLst>
       <p:ext uri="{BB962C8B-B14F-4D97-AF65-F5344CB8AC3E}">
@@ -28476,13 +28511,13 @@
           <a:p>
             <a:r>
               <a:rPr lang="en-CA" dirty="0"/>
-              <a:t>To what extent to the neurologists agree?</a:t>
+              <a:t>Q: To what extent to the neurologists agree?</a:t>
             </a:r>
           </a:p>
           <a:p>
             <a:r>
               <a:rPr lang="en-CA" dirty="0"/>
-              <a:t>Do they agree equally for the patients for the two cities</a:t>
+              <a:t>Q: Do they agree equally for the patients for the two cities</a:t>
             </a:r>
           </a:p>
         </p:txBody>
@@ -30018,7 +30053,7 @@
           <a:p>
             <a:r>
               <a:rPr lang="en-US" dirty="0"/>
-              <a:t>The smallest exact agreement occurs for “very often”, but husbands &amp; wives more on this allowing </a:t>
+              <a:t>The smallest exact agreement occurs for “very often”, but husbands &amp; wives agree more on this allowing </a:t>
             </a:r>
             <a:r>
               <a:rPr lang="en-US" dirty="0">
@@ -30888,8 +30923,16 @@
           <a:lstStyle/>
           <a:p>
             <a:r>
+              <a:rPr lang="en-CA" sz="2400" dirty="0">
+                <a:solidFill>
+                  <a:srgbClr val="0070C0"/>
+                </a:solidFill>
+              </a:rPr>
+              <a:t>Multiple</a:t>
+            </a:r>
+            <a:r>
               <a:rPr lang="en-CA" sz="2400" dirty="0"/>
-              <a:t>Multiple correspondence analysis  extends this to 3+ way tables</a:t>
+              <a:t> correspondence analysis  extends this to 3+ way tables</a:t>
             </a:r>
           </a:p>
           <a:p>
